--- a/Project/Robot Automation/[IAIA]Collaborative Robot Project Proposal(241108).pptx
+++ b/Project/Robot Automation/[IAIA]Collaborative Robot Project Proposal(241108).pptx
@@ -5,18 +5,15 @@
     <p:sldMasterId id="2147483660" r:id="rId3"/>
   </p:sldMasterIdLst>
   <p:notesMasterIdLst>
-    <p:notesMasterId r:id="rId13"/>
+    <p:notesMasterId r:id="rId10"/>
   </p:notesMasterIdLst>
   <p:sldIdLst>
-    <p:sldId id="256" r:id="rId4"/>
+    <p:sldId id="322" r:id="rId4"/>
     <p:sldId id="286" r:id="rId5"/>
     <p:sldId id="317" r:id="rId6"/>
-    <p:sldId id="318" r:id="rId7"/>
-    <p:sldId id="320" r:id="rId8"/>
-    <p:sldId id="319" r:id="rId9"/>
-    <p:sldId id="322" r:id="rId10"/>
-    <p:sldId id="321" r:id="rId11"/>
-    <p:sldId id="323" r:id="rId12"/>
+    <p:sldId id="320" r:id="rId7"/>
+    <p:sldId id="319" r:id="rId8"/>
+    <p:sldId id="321" r:id="rId9"/>
   </p:sldIdLst>
   <p:sldSz cx="12192000" cy="6858000"/>
   <p:notesSz cx="6858000" cy="9144000"/>
@@ -205,7 +202,7 @@
           <a:p>
             <a:fld id="{D93E6580-B4DC-435F-9F26-4E4D6B6DCF6D}" type="datetimeFigureOut">
               <a:rPr lang="ko-KR" altLang="en-US" smtClean="0"/>
-              <a:t>2024-11-06</a:t>
+              <a:t>2024-11-08</a:t>
             </a:fld>
             <a:endParaRPr lang="ko-KR" altLang="en-US"/>
           </a:p>
@@ -477,7 +474,13 @@
   <p:cSld>
     <p:spTree>
       <p:nvGrpSpPr>
-        <p:cNvPr id="1" name=""/>
+        <p:cNvPr id="1" name="">
+          <a:extLst>
+            <a:ext uri="{FF2B5EF4-FFF2-40B4-BE49-F238E27FC236}">
+              <a16:creationId xmlns:a16="http://schemas.microsoft.com/office/drawing/2014/main" id="{9992418A-72D5-E7FE-E4CA-659ADC4DA1D0}"/>
+            </a:ext>
+          </a:extLst>
+        </p:cNvPr>
         <p:cNvGrpSpPr/>
         <p:nvPr/>
       </p:nvGrpSpPr>
@@ -491,7 +494,13 @@
       </p:grpSpPr>
       <p:sp>
         <p:nvSpPr>
-          <p:cNvPr id="2" name="슬라이드 이미지 개체 틀 1"/>
+          <p:cNvPr id="2" name="슬라이드 이미지 개체 틀 1">
+            <a:extLst>
+              <a:ext uri="{FF2B5EF4-FFF2-40B4-BE49-F238E27FC236}">
+                <a16:creationId xmlns:a16="http://schemas.microsoft.com/office/drawing/2014/main" id="{D7D370DE-DCCD-BF16-682F-986ED7E0B1E6}"/>
+              </a:ext>
+            </a:extLst>
+          </p:cNvPr>
           <p:cNvSpPr>
             <a:spLocks noGrp="1" noRot="1" noChangeAspect="1"/>
           </p:cNvSpPr>
@@ -503,7 +512,13 @@
       </p:sp>
       <p:sp>
         <p:nvSpPr>
-          <p:cNvPr id="3" name="슬라이드 노트 개체 틀 2"/>
+          <p:cNvPr id="3" name="슬라이드 노트 개체 틀 2">
+            <a:extLst>
+              <a:ext uri="{FF2B5EF4-FFF2-40B4-BE49-F238E27FC236}">
+                <a16:creationId xmlns:a16="http://schemas.microsoft.com/office/drawing/2014/main" id="{A3427C53-FEE3-3078-E910-C717AEB5CAA2}"/>
+              </a:ext>
+            </a:extLst>
+          </p:cNvPr>
           <p:cNvSpPr>
             <a:spLocks noGrp="1"/>
           </p:cNvSpPr>
@@ -516,81 +531,19 @@
           <a:bodyPr/>
           <a:lstStyle/>
           <a:p>
-            <a:r>
-              <a:rPr lang="en-US" altLang="ko-KR" dirty="0"/>
-              <a:t>Hello every one, </a:t>
-            </a:r>
-            <a:r>
-              <a:rPr lang="en-US" altLang="ko-KR" dirty="0" err="1"/>
-              <a:t>Im</a:t>
-            </a:r>
-            <a:r>
-              <a:rPr lang="en-US" altLang="ko-KR" dirty="0"/>
-              <a:t> presenter </a:t>
-            </a:r>
-            <a:r>
-              <a:rPr lang="en-US" altLang="ko-KR" dirty="0" err="1"/>
-              <a:t>sunwoo</a:t>
-            </a:r>
-            <a:r>
-              <a:rPr lang="en-US" altLang="ko-KR" dirty="0"/>
-              <a:t> and my </a:t>
-            </a:r>
-            <a:r>
-              <a:rPr lang="en-US" altLang="ko-KR" dirty="0" err="1"/>
-              <a:t>prartner</a:t>
-            </a:r>
-            <a:r>
-              <a:rPr lang="en-US" altLang="ko-KR" dirty="0"/>
-              <a:t> is </a:t>
-            </a:r>
-            <a:r>
-              <a:rPr lang="ko-KR" altLang="en-US" dirty="0" err="1"/>
-              <a:t>곽진</a:t>
-            </a:r>
-            <a:r>
-              <a:rPr lang="en-US" altLang="ko-KR" dirty="0"/>
-              <a:t>. today </a:t>
-            </a:r>
-            <a:r>
-              <a:rPr lang="en-US" altLang="ko-KR" dirty="0" err="1"/>
-              <a:t>im</a:t>
-            </a:r>
-            <a:r>
-              <a:rPr lang="en-US" altLang="ko-KR" dirty="0"/>
-              <a:t> going to present our project</a:t>
-            </a:r>
-            <a:r>
-              <a:rPr lang="ko-KR" altLang="en-US" dirty="0"/>
-              <a:t> </a:t>
-            </a:r>
-            <a:r>
-              <a:rPr lang="en-US" altLang="ko-KR" dirty="0"/>
-              <a:t>on</a:t>
-            </a:r>
-            <a:r>
-              <a:rPr lang="ko-KR" altLang="en-US" dirty="0"/>
-              <a:t> </a:t>
-            </a:r>
-            <a:r>
-              <a:rPr lang="en-US" altLang="ko-KR" dirty="0"/>
-              <a:t>‘</a:t>
-            </a:r>
-            <a:r>
-              <a:rPr lang="ko-KR" altLang="en-US" dirty="0"/>
-              <a:t>제목</a:t>
-            </a:r>
-            <a:r>
-              <a:rPr lang="en-US" altLang="ko-KR" dirty="0"/>
-              <a:t>’</a:t>
-            </a:r>
             <a:endParaRPr lang="ko-KR" altLang="en-US" dirty="0"/>
           </a:p>
         </p:txBody>
       </p:sp>
       <p:sp>
         <p:nvSpPr>
-          <p:cNvPr id="4" name="슬라이드 번호 개체 틀 3"/>
+          <p:cNvPr id="4" name="슬라이드 번호 개체 틀 3">
+            <a:extLst>
+              <a:ext uri="{FF2B5EF4-FFF2-40B4-BE49-F238E27FC236}">
+                <a16:creationId xmlns:a16="http://schemas.microsoft.com/office/drawing/2014/main" id="{7443B28F-BEC9-E920-D5DE-4780E960500A}"/>
+              </a:ext>
+            </a:extLst>
+          </p:cNvPr>
           <p:cNvSpPr>
             <a:spLocks noGrp="1"/>
           </p:cNvSpPr>
@@ -614,7 +567,7 @@
     </p:spTree>
     <p:extLst>
       <p:ext uri="{BB962C8B-B14F-4D97-AF65-F5344CB8AC3E}">
-        <p14:creationId xmlns:p14="http://schemas.microsoft.com/office/powerpoint/2010/main" val="1129289451"/>
+        <p14:creationId xmlns:p14="http://schemas.microsoft.com/office/powerpoint/2010/main" val="2935383985"/>
       </p:ext>
     </p:extLst>
   </p:cSld>
@@ -885,91 +838,7 @@
           <a:p>
             <a:fld id="{B0B71B7A-6821-4C84-8C4F-E09130707DF5}" type="slidenum">
               <a:rPr lang="ko-KR" altLang="en-US" smtClean="0"/>
-              <a:t>4</a:t>
-            </a:fld>
-            <a:endParaRPr lang="ko-KR" altLang="en-US"/>
-          </a:p>
-        </p:txBody>
-      </p:sp>
-    </p:spTree>
-    <p:extLst>
-      <p:ext uri="{BB962C8B-B14F-4D97-AF65-F5344CB8AC3E}">
-        <p14:creationId xmlns:p14="http://schemas.microsoft.com/office/powerpoint/2010/main" val="28850775"/>
-      </p:ext>
-    </p:extLst>
-  </p:cSld>
-  <p:clrMapOvr>
-    <a:masterClrMapping/>
-  </p:clrMapOvr>
-</p:notes>
-</file>
-
-<file path=ppt/notesSlides/notesSlide5.xml><?xml version="1.0" encoding="utf-8"?>
-<p:notes xmlns:a="http://schemas.openxmlformats.org/drawingml/2006/main" xmlns:r="http://schemas.openxmlformats.org/officeDocument/2006/relationships" xmlns:p="http://schemas.openxmlformats.org/presentationml/2006/main">
-  <p:cSld>
-    <p:spTree>
-      <p:nvGrpSpPr>
-        <p:cNvPr id="1" name=""/>
-        <p:cNvGrpSpPr/>
-        <p:nvPr/>
-      </p:nvGrpSpPr>
-      <p:grpSpPr>
-        <a:xfrm>
-          <a:off x="0" y="0"/>
-          <a:ext cx="0" cy="0"/>
-          <a:chOff x="0" y="0"/>
-          <a:chExt cx="0" cy="0"/>
-        </a:xfrm>
-      </p:grpSpPr>
-      <p:sp>
-        <p:nvSpPr>
-          <p:cNvPr id="2" name="슬라이드 이미지 개체 틀 1"/>
-          <p:cNvSpPr>
-            <a:spLocks noGrp="1" noRot="1" noChangeAspect="1"/>
-          </p:cNvSpPr>
-          <p:nvPr>
-            <p:ph type="sldImg"/>
-          </p:nvPr>
-        </p:nvSpPr>
-        <p:spPr/>
-      </p:sp>
-      <p:sp>
-        <p:nvSpPr>
-          <p:cNvPr id="3" name="슬라이드 노트 개체 틀 2"/>
-          <p:cNvSpPr>
-            <a:spLocks noGrp="1"/>
-          </p:cNvSpPr>
-          <p:nvPr>
-            <p:ph type="body" idx="1"/>
-          </p:nvPr>
-        </p:nvSpPr>
-        <p:spPr/>
-        <p:txBody>
-          <a:bodyPr/>
-          <a:lstStyle/>
-          <a:p>
-            <a:endParaRPr lang="ko-KR" altLang="en-US" dirty="0"/>
-          </a:p>
-        </p:txBody>
-      </p:sp>
-      <p:sp>
-        <p:nvSpPr>
-          <p:cNvPr id="4" name="슬라이드 번호 개체 틀 3"/>
-          <p:cNvSpPr>
-            <a:spLocks noGrp="1"/>
-          </p:cNvSpPr>
-          <p:nvPr>
-            <p:ph type="sldNum" sz="quarter" idx="5"/>
-          </p:nvPr>
-        </p:nvSpPr>
-        <p:spPr/>
-        <p:txBody>
-          <a:bodyPr/>
-          <a:lstStyle/>
-          <a:p>
-            <a:fld id="{B0B71B7A-6821-4C84-8C4F-E09130707DF5}" type="slidenum">
-              <a:rPr lang="ko-KR" altLang="en-US" smtClean="0"/>
-              <a:t>6</a:t>
+              <a:t>5</a:t>
             </a:fld>
             <a:endParaRPr lang="ko-KR" altLang="en-US"/>
           </a:p>
@@ -979,90 +848,6 @@
     <p:extLst>
       <p:ext uri="{BB962C8B-B14F-4D97-AF65-F5344CB8AC3E}">
         <p14:creationId xmlns:p14="http://schemas.microsoft.com/office/powerpoint/2010/main" val="2482971615"/>
-      </p:ext>
-    </p:extLst>
-  </p:cSld>
-  <p:clrMapOvr>
-    <a:masterClrMapping/>
-  </p:clrMapOvr>
-</p:notes>
-</file>
-
-<file path=ppt/notesSlides/notesSlide6.xml><?xml version="1.0" encoding="utf-8"?>
-<p:notes xmlns:a="http://schemas.openxmlformats.org/drawingml/2006/main" xmlns:r="http://schemas.openxmlformats.org/officeDocument/2006/relationships" xmlns:p="http://schemas.openxmlformats.org/presentationml/2006/main">
-  <p:cSld>
-    <p:spTree>
-      <p:nvGrpSpPr>
-        <p:cNvPr id="1" name=""/>
-        <p:cNvGrpSpPr/>
-        <p:nvPr/>
-      </p:nvGrpSpPr>
-      <p:grpSpPr>
-        <a:xfrm>
-          <a:off x="0" y="0"/>
-          <a:ext cx="0" cy="0"/>
-          <a:chOff x="0" y="0"/>
-          <a:chExt cx="0" cy="0"/>
-        </a:xfrm>
-      </p:grpSpPr>
-      <p:sp>
-        <p:nvSpPr>
-          <p:cNvPr id="2" name="슬라이드 이미지 개체 틀 1"/>
-          <p:cNvSpPr>
-            <a:spLocks noGrp="1" noRot="1" noChangeAspect="1"/>
-          </p:cNvSpPr>
-          <p:nvPr>
-            <p:ph type="sldImg"/>
-          </p:nvPr>
-        </p:nvSpPr>
-        <p:spPr/>
-      </p:sp>
-      <p:sp>
-        <p:nvSpPr>
-          <p:cNvPr id="3" name="슬라이드 노트 개체 틀 2"/>
-          <p:cNvSpPr>
-            <a:spLocks noGrp="1"/>
-          </p:cNvSpPr>
-          <p:nvPr>
-            <p:ph type="body" idx="1"/>
-          </p:nvPr>
-        </p:nvSpPr>
-        <p:spPr/>
-        <p:txBody>
-          <a:bodyPr/>
-          <a:lstStyle/>
-          <a:p>
-            <a:endParaRPr lang="ko-KR" altLang="en-US" dirty="0"/>
-          </a:p>
-        </p:txBody>
-      </p:sp>
-      <p:sp>
-        <p:nvSpPr>
-          <p:cNvPr id="4" name="슬라이드 번호 개체 틀 3"/>
-          <p:cNvSpPr>
-            <a:spLocks noGrp="1"/>
-          </p:cNvSpPr>
-          <p:nvPr>
-            <p:ph type="sldNum" sz="quarter" idx="5"/>
-          </p:nvPr>
-        </p:nvSpPr>
-        <p:spPr/>
-        <p:txBody>
-          <a:bodyPr/>
-          <a:lstStyle/>
-          <a:p>
-            <a:fld id="{B0B71B7A-6821-4C84-8C4F-E09130707DF5}" type="slidenum">
-              <a:rPr lang="ko-KR" altLang="en-US" smtClean="0"/>
-              <a:t>7</a:t>
-            </a:fld>
-            <a:endParaRPr lang="ko-KR" altLang="en-US"/>
-          </a:p>
-        </p:txBody>
-      </p:sp>
-    </p:spTree>
-    <p:extLst>
-      <p:ext uri="{BB962C8B-B14F-4D97-AF65-F5344CB8AC3E}">
-        <p14:creationId xmlns:p14="http://schemas.microsoft.com/office/powerpoint/2010/main" val="530584354"/>
       </p:ext>
     </p:extLst>
   </p:cSld>
@@ -1214,7 +999,7 @@
           <a:p>
             <a:fld id="{A86AC747-CE37-4F70-8EBC-1B56ECE812AB}" type="datetime1">
               <a:rPr lang="ko-KR" altLang="en-US" smtClean="0"/>
-              <a:t>2024-11-06</a:t>
+              <a:t>2024-11-08</a:t>
             </a:fld>
             <a:endParaRPr lang="ko-KR" altLang="en-US"/>
           </a:p>
@@ -1384,7 +1169,7 @@
           <a:p>
             <a:fld id="{DC2873BA-FEF6-4B36-9F96-5DA14A1E2F68}" type="datetime1">
               <a:rPr lang="ko-KR" altLang="en-US" smtClean="0"/>
-              <a:t>2024-11-06</a:t>
+              <a:t>2024-11-08</a:t>
             </a:fld>
             <a:endParaRPr lang="ko-KR" altLang="en-US"/>
           </a:p>
@@ -1564,7 +1349,7 @@
           <a:p>
             <a:fld id="{9E4E9562-9C17-4372-85D1-FFC46DC99AAE}" type="datetime1">
               <a:rPr lang="ko-KR" altLang="en-US" smtClean="0"/>
-              <a:t>2024-11-06</a:t>
+              <a:t>2024-11-08</a:t>
             </a:fld>
             <a:endParaRPr lang="ko-KR" altLang="en-US"/>
           </a:p>
@@ -1744,7 +1529,7 @@
           <a:p>
             <a:fld id="{1A9EE1CB-18FD-4F97-921C-1D4835568437}" type="datetime1">
               <a:rPr lang="ko-KR" altLang="en-US" smtClean="0"/>
-              <a:t>2024-11-06</a:t>
+              <a:t>2024-11-08</a:t>
             </a:fld>
             <a:endParaRPr lang="ko-KR" altLang="en-US"/>
           </a:p>
@@ -2143,7 +1928,7 @@
           <a:p>
             <a:fld id="{54909422-CFB7-42C6-8AA2-A1472A52F5DC}" type="datetime1">
               <a:rPr lang="ko-KR" altLang="en-US" smtClean="0"/>
-              <a:t>2024-11-06</a:t>
+              <a:t>2024-11-08</a:t>
             </a:fld>
             <a:endParaRPr lang="ko-KR" altLang="en-US"/>
           </a:p>
@@ -2375,7 +2160,7 @@
           <a:p>
             <a:fld id="{F0DB58CF-529A-4451-9939-F6168760CF0A}" type="datetime1">
               <a:rPr lang="ko-KR" altLang="en-US" smtClean="0"/>
-              <a:t>2024-11-06</a:t>
+              <a:t>2024-11-08</a:t>
             </a:fld>
             <a:endParaRPr lang="ko-KR" altLang="en-US"/>
           </a:p>
@@ -2722,7 +2507,7 @@
           <a:p>
             <a:fld id="{00B64399-EA23-4C5A-ACA5-A75593CB8DA8}" type="datetime1">
               <a:rPr lang="ko-KR" altLang="en-US" smtClean="0"/>
-              <a:t>2024-11-06</a:t>
+              <a:t>2024-11-08</a:t>
             </a:fld>
             <a:endParaRPr lang="ko-KR" altLang="en-US"/>
           </a:p>
@@ -2840,7 +2625,7 @@
           <a:p>
             <a:fld id="{334098F0-9D89-4795-8303-9A71526FBF67}" type="datetime1">
               <a:rPr lang="ko-KR" altLang="en-US" smtClean="0"/>
-              <a:t>2024-11-06</a:t>
+              <a:t>2024-11-08</a:t>
             </a:fld>
             <a:endParaRPr lang="ko-KR" altLang="en-US"/>
           </a:p>
@@ -2958,7 +2743,7 @@
           <a:p>
             <a:fld id="{337D8DD0-62C4-4358-B46D-D3CC6854E1DD}" type="datetime1">
               <a:rPr lang="ko-KR" altLang="en-US" smtClean="0"/>
-              <a:t>2024-11-06</a:t>
+              <a:t>2024-11-08</a:t>
             </a:fld>
             <a:endParaRPr lang="ko-KR" altLang="en-US"/>
           </a:p>
@@ -3242,7 +3027,7 @@
           <a:p>
             <a:fld id="{198D7A8F-E021-46AC-9B15-D0E4F8C4E959}" type="datetime1">
               <a:rPr lang="ko-KR" altLang="en-US" smtClean="0"/>
-              <a:t>2024-11-06</a:t>
+              <a:t>2024-11-08</a:t>
             </a:fld>
             <a:endParaRPr lang="ko-KR" altLang="en-US"/>
           </a:p>
@@ -3506,7 +3291,7 @@
           <a:p>
             <a:fld id="{7B0DCE00-3A7D-4F3B-B41D-494CC284CA4D}" type="datetime1">
               <a:rPr lang="ko-KR" altLang="en-US" smtClean="0"/>
-              <a:t>2024-11-06</a:t>
+              <a:t>2024-11-08</a:t>
             </a:fld>
             <a:endParaRPr lang="ko-KR" altLang="en-US"/>
           </a:p>
@@ -3720,7 +3505,7 @@
           <a:p>
             <a:fld id="{7E047A37-A9AE-4A9E-A814-F71FF98CEC55}" type="datetime1">
               <a:rPr lang="ko-KR" altLang="en-US" smtClean="0"/>
-              <a:t>2024-11-06</a:t>
+              <a:t>2024-11-08</a:t>
             </a:fld>
             <a:endParaRPr lang="ko-KR" altLang="en-US"/>
           </a:p>
@@ -4103,7 +3888,13 @@
   <p:cSld>
     <p:spTree>
       <p:nvGrpSpPr>
-        <p:cNvPr id="1" name=""/>
+        <p:cNvPr id="1" name="">
+          <a:extLst>
+            <a:ext uri="{FF2B5EF4-FFF2-40B4-BE49-F238E27FC236}">
+              <a16:creationId xmlns:a16="http://schemas.microsoft.com/office/drawing/2014/main" id="{8E737F89-C7CF-C647-042B-416F47104AB6}"/>
+            </a:ext>
+          </a:extLst>
+        </p:cNvPr>
         <p:cNvGrpSpPr/>
         <p:nvPr/>
       </p:nvGrpSpPr>
@@ -4120,7 +3911,7 @@
           <p:cNvPr id="2" name="직사각형 1">
             <a:extLst>
               <a:ext uri="{FF2B5EF4-FFF2-40B4-BE49-F238E27FC236}">
-                <a16:creationId xmlns:a16="http://schemas.microsoft.com/office/drawing/2014/main" id="{23486D97-EF8E-309B-7FCC-CE6F25D1C465}"/>
+                <a16:creationId xmlns:a16="http://schemas.microsoft.com/office/drawing/2014/main" id="{AA140853-32C9-663F-D387-DB799F6682B0}"/>
               </a:ext>
             </a:extLst>
           </p:cNvPr>
@@ -4199,7 +3990,7 @@
           <p:cNvPr id="3" name="직사각형 2">
             <a:extLst>
               <a:ext uri="{FF2B5EF4-FFF2-40B4-BE49-F238E27FC236}">
-                <a16:creationId xmlns:a16="http://schemas.microsoft.com/office/drawing/2014/main" id="{521F94AB-0CCC-7B10-50D6-13D026F8F863}"/>
+                <a16:creationId xmlns:a16="http://schemas.microsoft.com/office/drawing/2014/main" id="{87229719-FA30-4D73-59C7-AF3EEBA1E219}"/>
               </a:ext>
             </a:extLst>
           </p:cNvPr>
@@ -4270,7 +4061,7 @@
           <p:cNvPr id="4" name="직사각형 3">
             <a:extLst>
               <a:ext uri="{FF2B5EF4-FFF2-40B4-BE49-F238E27FC236}">
-                <a16:creationId xmlns:a16="http://schemas.microsoft.com/office/drawing/2014/main" id="{FE56F704-2965-1B40-970E-D645415819D1}"/>
+                <a16:creationId xmlns:a16="http://schemas.microsoft.com/office/drawing/2014/main" id="{0A6B35B5-E195-F4B6-7E92-BD7D14A53871}"/>
               </a:ext>
             </a:extLst>
           </p:cNvPr>
@@ -4330,7 +4121,7 @@
           <p:cNvPr id="9" name="그림 8">
             <a:extLst>
               <a:ext uri="{FF2B5EF4-FFF2-40B4-BE49-F238E27FC236}">
-                <a16:creationId xmlns:a16="http://schemas.microsoft.com/office/drawing/2014/main" id="{F7C5ABE7-96BB-106D-7C44-5AB52D6091D6}"/>
+                <a16:creationId xmlns:a16="http://schemas.microsoft.com/office/drawing/2014/main" id="{16970C10-9401-2428-E555-A7B0DF46C424}"/>
               </a:ext>
             </a:extLst>
           </p:cNvPr>
@@ -4360,7 +4151,7 @@
           <p:cNvPr id="11" name="내용 개체 틀 2">
             <a:extLst>
               <a:ext uri="{FF2B5EF4-FFF2-40B4-BE49-F238E27FC236}">
-                <a16:creationId xmlns:a16="http://schemas.microsoft.com/office/drawing/2014/main" id="{9505D778-5C07-2D9C-3E55-5DD0FAD545DF}"/>
+                <a16:creationId xmlns:a16="http://schemas.microsoft.com/office/drawing/2014/main" id="{28186334-E732-CF69-3D57-341B7CB6B16C}"/>
               </a:ext>
             </a:extLst>
           </p:cNvPr>
@@ -4371,7 +4162,7 @@
         </p:nvSpPr>
         <p:spPr>
           <a:xfrm>
-            <a:off x="1551614" y="1475419"/>
+            <a:off x="1551614" y="1514315"/>
             <a:ext cx="9088771" cy="1292036"/>
           </a:xfrm>
           <a:prstGeom prst="rect">
@@ -4720,7 +4511,7 @@
                 <a:ea typeface="현대하모니 B" panose="02020603020101020101" pitchFamily="18" charset="-127"/>
                 <a:cs typeface="Times New Roman" panose="02020603050405020304" pitchFamily="18" charset="0"/>
               </a:rPr>
-              <a:t>24.10.04</a:t>
+              <a:t>24.11.08</a:t>
             </a:r>
           </a:p>
           <a:p>
@@ -4785,7 +4576,7 @@
           <p:cNvPr id="12" name="TextBox 11">
             <a:extLst>
               <a:ext uri="{FF2B5EF4-FFF2-40B4-BE49-F238E27FC236}">
-                <a16:creationId xmlns:a16="http://schemas.microsoft.com/office/drawing/2014/main" id="{536BCE0F-666D-8D24-A8DB-8C8714A963C1}"/>
+                <a16:creationId xmlns:a16="http://schemas.microsoft.com/office/drawing/2014/main" id="{A722D295-1B6A-6868-FCF2-B1301EECFF8E}"/>
               </a:ext>
             </a:extLst>
           </p:cNvPr>
@@ -4830,7 +4621,7 @@
     </p:spTree>
     <p:extLst>
       <p:ext uri="{BB962C8B-B14F-4D97-AF65-F5344CB8AC3E}">
-        <p14:creationId xmlns:p14="http://schemas.microsoft.com/office/powerpoint/2010/main" val="3828375709"/>
+        <p14:creationId xmlns:p14="http://schemas.microsoft.com/office/powerpoint/2010/main" val="801853892"/>
       </p:ext>
     </p:extLst>
   </p:cSld>
@@ -4984,7 +4775,45 @@
             </a:r>
           </a:p>
           <a:p>
-            <a:pPr marL="285750" indent="-285750">
+            <a:pPr marL="742950" lvl="1" indent="-285750">
+              <a:lnSpc>
+                <a:spcPct val="150000"/>
+              </a:lnSpc>
+              <a:buFont typeface="Wingdings" panose="05000000000000000000" pitchFamily="2" charset="2"/>
+              <a:buChar char="§"/>
+            </a:pPr>
+            <a:r>
+              <a:rPr lang="en-US" altLang="ko-KR" sz="1600" dirty="0">
+                <a:solidFill>
+                  <a:schemeClr val="tx1"/>
+                </a:solidFill>
+              </a:rPr>
+              <a:t>Playing </a:t>
+            </a:r>
+            <a:r>
+              <a:rPr lang="en-US" altLang="ko-KR" sz="1600" dirty="0" err="1">
+                <a:solidFill>
+                  <a:schemeClr val="tx1"/>
+                </a:solidFill>
+              </a:rPr>
+              <a:t>Gomoku</a:t>
+            </a:r>
+            <a:r>
+              <a:rPr lang="en-US" altLang="ko-KR" sz="1600" dirty="0">
+                <a:solidFill>
+                  <a:schemeClr val="tx1"/>
+                </a:solidFill>
+              </a:rPr>
+              <a:t> in real life requires two people</a:t>
+            </a:r>
+            <a:endParaRPr lang="ko-KR" altLang="en-US" sz="1600" dirty="0">
+              <a:solidFill>
+                <a:schemeClr val="tx1"/>
+              </a:solidFill>
+            </a:endParaRPr>
+          </a:p>
+          <a:p>
+            <a:pPr marL="742950" lvl="1" indent="-285750">
               <a:lnSpc>
                 <a:spcPct val="150000"/>
               </a:lnSpc>
@@ -5011,50 +4840,17 @@
             </a:r>
           </a:p>
           <a:p>
-            <a:pPr marL="285750" indent="-285750">
+            <a:pPr algn="just">
               <a:lnSpc>
                 <a:spcPct val="150000"/>
               </a:lnSpc>
-              <a:buFont typeface="Wingdings" panose="05000000000000000000" pitchFamily="2" charset="2"/>
-              <a:buChar char="§"/>
             </a:pPr>
             <a:r>
-              <a:rPr lang="en-US" altLang="ko-KR" sz="1600" dirty="0">
+              <a:rPr lang="en-US" altLang="ko-KR" sz="1600" b="1" dirty="0">
                 <a:latin typeface="현대하모니 M" panose="02020603020101020101" pitchFamily="18" charset="-127"/>
                 <a:ea typeface="현대하모니 M" panose="02020603020101020101" pitchFamily="18" charset="-127"/>
               </a:rPr>
-              <a:t>Coil fault may cause issues with the cooling motor </a:t>
-            </a:r>
-            <a:r>
-              <a:rPr lang="en-US" altLang="ko-KR" sz="1600" dirty="0">
-                <a:latin typeface="현대하모니 M" panose="02020603020101020101" pitchFamily="18" charset="-127"/>
-                <a:ea typeface="현대하모니 M" panose="02020603020101020101" pitchFamily="18" charset="-127"/>
-                <a:sym typeface="Wingdings" panose="05000000000000000000" pitchFamily="2" charset="2"/>
-              </a:rPr>
-              <a:t></a:t>
-            </a:r>
-            <a:r>
-              <a:rPr lang="en-US" altLang="ko-KR" sz="1600" dirty="0">
-                <a:latin typeface="현대하모니 M" panose="02020603020101020101" pitchFamily="18" charset="-127"/>
-                <a:ea typeface="현대하모니 M" panose="02020603020101020101" pitchFamily="18" charset="-127"/>
-              </a:rPr>
-              <a:t> Vibration patterns changes. </a:t>
-            </a:r>
-          </a:p>
-          <a:p>
-            <a:pPr marL="285750" indent="-285750">
-              <a:lnSpc>
-                <a:spcPct val="150000"/>
-              </a:lnSpc>
-              <a:buFont typeface="Wingdings" panose="05000000000000000000" pitchFamily="2" charset="2"/>
-              <a:buChar char="§"/>
-            </a:pPr>
-            <a:r>
-              <a:rPr lang="en-US" altLang="ko-KR" sz="1600" dirty="0">
-                <a:latin typeface="현대하모니 M" panose="02020603020101020101" pitchFamily="18" charset="-127"/>
-                <a:ea typeface="현대하모니 M" panose="02020603020101020101" pitchFamily="18" charset="-127"/>
-              </a:rPr>
-              <a:t>The goal is to identify these changes to diagnose the issue early on.</a:t>
+              <a:t>	</a:t>
             </a:r>
           </a:p>
         </p:txBody>
@@ -5430,7 +5226,7 @@
                 <a:latin typeface="현대하모니 M" panose="02020603020101020101" pitchFamily="18" charset="-127"/>
                 <a:ea typeface="현대하모니 M" panose="02020603020101020101" pitchFamily="18" charset="-127"/>
               </a:rPr>
-              <a:t>2. Problem Statement</a:t>
+              <a:t>2. Goal of the Project</a:t>
             </a:r>
             <a:endParaRPr lang="ko-KR" altLang="en-US" sz="3500" dirty="0">
               <a:latin typeface="현대하모니 M" panose="02020603020101020101" pitchFamily="18" charset="-127"/>
@@ -5468,481 +5264,319 @@
           </a:p>
         </p:txBody>
       </p:sp>
-      <mc:AlternateContent xmlns:mc="http://schemas.openxmlformats.org/markup-compatibility/2006" xmlns:a14="http://schemas.microsoft.com/office/drawing/2010/main">
-        <mc:Choice Requires="a14">
-          <p:sp>
-            <p:nvSpPr>
-              <p:cNvPr id="5" name="TextBox 4">
-                <a:extLst>
-                  <a:ext uri="{FF2B5EF4-FFF2-40B4-BE49-F238E27FC236}">
-                    <a16:creationId xmlns:a16="http://schemas.microsoft.com/office/drawing/2014/main" id="{2D187C66-FB86-097E-DB59-8134C084F479}"/>
-                  </a:ext>
-                </a:extLst>
-              </p:cNvPr>
-              <p:cNvSpPr txBox="1"/>
-              <p:nvPr/>
-            </p:nvSpPr>
-            <p:spPr>
-              <a:xfrm>
-                <a:off x="432970" y="1035399"/>
-                <a:ext cx="11332849" cy="3584828"/>
-              </a:xfrm>
-              <a:prstGeom prst="rect">
-                <a:avLst/>
-              </a:prstGeom>
-              <a:noFill/>
-            </p:spPr>
-            <p:txBody>
-              <a:bodyPr wrap="square" lIns="91440" tIns="45720" rIns="91440" bIns="45720" rtlCol="0" anchor="t">
-                <a:spAutoFit/>
-              </a:bodyPr>
-              <a:lstStyle/>
-              <a:p>
-                <a:pPr marL="342900" indent="-342900">
-                  <a:lnSpc>
-                    <a:spcPct val="200000"/>
-                  </a:lnSpc>
-                  <a:buAutoNum type="arabicParenR"/>
-                </a:pPr>
-                <a:r>
-                  <a:rPr lang="en-US" altLang="ko-KR" b="1" dirty="0">
-                    <a:latin typeface="현대하모니 M" panose="02020603020101020101" pitchFamily="18" charset="-127"/>
-                    <a:ea typeface="현대하모니 M" panose="02020603020101020101" pitchFamily="18" charset="-127"/>
-                  </a:rPr>
-                  <a:t>Goal of the Project</a:t>
-                </a:r>
-              </a:p>
-              <a:p>
-                <a:pPr marL="800100" lvl="1" indent="-342900">
-                  <a:lnSpc>
-                    <a:spcPct val="200000"/>
-                  </a:lnSpc>
-                  <a:buFontTx/>
-                  <a:buAutoNum type="arabicParenR"/>
-                </a:pPr>
-                <a:r>
-                  <a:rPr lang="en-US" altLang="ko-KR" sz="1600" dirty="0">
-                    <a:latin typeface="현대하모니 M" panose="02020603020101020101" pitchFamily="18" charset="-127"/>
-                    <a:ea typeface="현대하모니 M" panose="02020603020101020101" pitchFamily="18" charset="-127"/>
-                  </a:rPr>
-                  <a:t>Development of a Machine Learning model for coil defect diagnosis using data in Hot-Air process equipment.</a:t>
-                </a:r>
-              </a:p>
-              <a:p>
-                <a:pPr marL="800100" lvl="1" indent="-342900">
-                  <a:lnSpc>
-                    <a:spcPct val="200000"/>
-                  </a:lnSpc>
-                  <a:buFontTx/>
-                  <a:buAutoNum type="arabicParenR"/>
-                </a:pPr>
-                <a:r>
-                  <a:rPr lang="en-US" altLang="ko-KR" sz="1600" dirty="0">
-                    <a:latin typeface="현대하모니 M" panose="02020603020101020101" pitchFamily="18" charset="-127"/>
-                    <a:ea typeface="현대하모니 M" panose="02020603020101020101" pitchFamily="18" charset="-127"/>
-                  </a:rPr>
-                  <a:t>Analysis of the Remaining Useful Life trend and establish degradation model</a:t>
-                </a:r>
-              </a:p>
-              <a:p>
-                <a:pPr marL="342900" indent="-342900">
-                  <a:lnSpc>
-                    <a:spcPct val="200000"/>
-                  </a:lnSpc>
-                  <a:buFontTx/>
-                  <a:buAutoNum type="arabicParenR"/>
-                </a:pPr>
-                <a:r>
-                  <a:rPr lang="en-US" altLang="ko-KR" sz="1800" b="1" dirty="0">
-                    <a:latin typeface="현대하모니 M" panose="02020603020101020101" pitchFamily="18" charset="-127"/>
-                    <a:ea typeface="현대하모니 M" panose="02020603020101020101" pitchFamily="18" charset="-127"/>
-                  </a:rPr>
-                  <a:t>Specific goals</a:t>
-                </a:r>
-              </a:p>
-              <a:p>
-                <a:pPr marL="800100" lvl="1" indent="-342900">
-                  <a:lnSpc>
-                    <a:spcPct val="200000"/>
-                  </a:lnSpc>
-                  <a:buAutoNum type="arabicParenR"/>
-                </a:pPr>
-                <a:r>
-                  <a:rPr lang="en-US" altLang="ko-KR" sz="1600" dirty="0">
-                    <a:latin typeface="현대하모니 M" panose="02020603020101020101" pitchFamily="18" charset="-127"/>
-                    <a:ea typeface="현대하모니 M" panose="02020603020101020101" pitchFamily="18" charset="-127"/>
-                  </a:rPr>
-                  <a:t>Achieve detection(Normal/Error) accuracy up to</a:t>
-                </a:r>
-                <a:r>
-                  <a:rPr lang="ko-KR" altLang="en-US" sz="1600" dirty="0">
-                    <a:latin typeface="현대하모니 M" panose="02020603020101020101" pitchFamily="18" charset="-127"/>
-                    <a:ea typeface="현대하모니 M" panose="02020603020101020101" pitchFamily="18" charset="-127"/>
-                  </a:rPr>
-                  <a:t> </a:t>
-                </a:r>
-                <a:r>
-                  <a:rPr lang="en-US" altLang="ko-KR" sz="1600" dirty="0">
-                    <a:latin typeface="현대하모니 M" panose="02020603020101020101" pitchFamily="18" charset="-127"/>
-                    <a:ea typeface="현대하모니 M" panose="02020603020101020101" pitchFamily="18" charset="-127"/>
-                  </a:rPr>
-                  <a:t>90% </a:t>
-                </a:r>
-              </a:p>
-              <a:p>
-                <a:pPr marL="800100" lvl="1" indent="-342900">
-                  <a:lnSpc>
-                    <a:spcPct val="200000"/>
-                  </a:lnSpc>
-                  <a:buAutoNum type="arabicParenR"/>
-                </a:pPr>
-                <a:r>
-                  <a:rPr lang="en-US" altLang="ko-KR" sz="1600" dirty="0">
-                    <a:latin typeface="현대하모니 M" panose="02020603020101020101" pitchFamily="18" charset="-127"/>
-                    <a:ea typeface="현대하모니 M" panose="02020603020101020101" pitchFamily="18" charset="-127"/>
-                  </a:rPr>
-                  <a:t>Ensure the model performance with Feature Reduction and analyze the feature reduction</a:t>
-                </a:r>
-              </a:p>
-              <a:p>
-                <a:pPr marL="800100" lvl="1" indent="-342900">
-                  <a:lnSpc>
-                    <a:spcPct val="200000"/>
-                  </a:lnSpc>
-                  <a:buAutoNum type="arabicParenR"/>
-                </a:pPr>
-                <a:r>
-                  <a:rPr lang="en-US" altLang="ko-KR" sz="1600" dirty="0">
-                    <a:latin typeface="현대하모니 M" panose="02020603020101020101" pitchFamily="18" charset="-127"/>
-                    <a:ea typeface="현대하모니 M" panose="02020603020101020101" pitchFamily="18" charset="-127"/>
-                  </a:rPr>
-                  <a:t>80% &lt; Probability of Predicted RUL within </a:t>
-                </a:r>
-                <a14:m>
-                  <m:oMath xmlns:m="http://schemas.openxmlformats.org/officeDocument/2006/math">
-                    <m:r>
-                      <a:rPr lang="en-US" altLang="ko-KR" sz="1600" b="0" i="1" smtClean="0">
-                        <a:latin typeface="Cambria Math" panose="02040503050406030204" pitchFamily="18" charset="0"/>
-                      </a:rPr>
-                      <m:t>𝛼</m:t>
-                    </m:r>
-                  </m:oMath>
-                </a14:m>
-                <a:r>
-                  <a:rPr lang="en-US" altLang="ko-KR" sz="1600" dirty="0">
-                    <a:latin typeface="현대하모니 M" panose="02020603020101020101" pitchFamily="18" charset="-127"/>
-                    <a:ea typeface="현대하모니 M" panose="02020603020101020101" pitchFamily="18" charset="-127"/>
-                  </a:rPr>
-                  <a:t> bound after Train-Test Breakpoint</a:t>
-                </a:r>
-              </a:p>
-            </p:txBody>
-          </p:sp>
-        </mc:Choice>
-        <mc:Fallback xmlns="">
-          <p:sp>
-            <p:nvSpPr>
-              <p:cNvPr id="5" name="TextBox 4">
-                <a:extLst>
-                  <a:ext uri="{FF2B5EF4-FFF2-40B4-BE49-F238E27FC236}">
-                    <a16:creationId xmlns:a16="http://schemas.microsoft.com/office/drawing/2014/main" id="{2D187C66-FB86-097E-DB59-8134C084F479}"/>
-                  </a:ext>
-                </a:extLst>
-              </p:cNvPr>
-              <p:cNvSpPr txBox="1">
-                <a:spLocks noRot="1" noChangeAspect="1" noMove="1" noResize="1" noEditPoints="1" noAdjustHandles="1" noChangeArrowheads="1" noChangeShapeType="1" noTextEdit="1"/>
-              </p:cNvSpPr>
-              <p:nvPr/>
-            </p:nvSpPr>
-            <p:spPr>
-              <a:xfrm>
-                <a:off x="432970" y="1035399"/>
-                <a:ext cx="11332849" cy="3584828"/>
-              </a:xfrm>
-              <a:prstGeom prst="rect">
-                <a:avLst/>
-              </a:prstGeom>
-              <a:blipFill>
-                <a:blip r:embed="rId3"/>
-                <a:stretch>
-                  <a:fillRect l="-538" b="-1701"/>
-                </a:stretch>
-              </a:blipFill>
-            </p:spPr>
-            <p:txBody>
-              <a:bodyPr/>
-              <a:lstStyle/>
-              <a:p>
-                <a:r>
-                  <a:rPr lang="ko-KR" altLang="en-US">
-                    <a:noFill/>
-                  </a:rPr>
-                  <a:t> </a:t>
-                </a:r>
-              </a:p>
-            </p:txBody>
-          </p:sp>
-        </mc:Fallback>
-      </mc:AlternateContent>
-      <p:sp>
-        <p:nvSpPr>
-          <p:cNvPr id="8" name="Rectangle 3">
+      <p:sp>
+        <p:nvSpPr>
+          <p:cNvPr id="5" name="TextBox 4">
             <a:extLst>
               <a:ext uri="{FF2B5EF4-FFF2-40B4-BE49-F238E27FC236}">
-                <a16:creationId xmlns:a16="http://schemas.microsoft.com/office/drawing/2014/main" id="{FBD22289-1EC9-0517-0945-2F6AE56C73D2}"/>
+                <a16:creationId xmlns:a16="http://schemas.microsoft.com/office/drawing/2014/main" id="{2D187C66-FB86-097E-DB59-8134C084F479}"/>
               </a:ext>
             </a:extLst>
           </p:cNvPr>
-          <p:cNvSpPr>
-            <a:spLocks noChangeArrowheads="1"/>
-          </p:cNvSpPr>
+          <p:cNvSpPr txBox="1"/>
           <p:nvPr/>
         </p:nvSpPr>
-        <p:spPr bwMode="auto">
+        <p:spPr>
           <a:xfrm>
-            <a:off x="781051" y="2781031"/>
-            <a:ext cx="7248088" cy="646331"/>
+            <a:off x="432970" y="1035399"/>
+            <a:ext cx="11332849" cy="4247317"/>
           </a:xfrm>
           <a:prstGeom prst="rect">
             <a:avLst/>
           </a:prstGeom>
           <a:noFill/>
-          <a:ln>
-            <a:noFill/>
-          </a:ln>
-          <a:effectLst/>
-          <a:extLst>
-            <a:ext uri="{909E8E84-426E-40DD-AFC4-6F175D3DCCD1}">
-              <a14:hiddenFill xmlns:a14="http://schemas.microsoft.com/office/drawing/2010/main">
-                <a:solidFill>
-                  <a:schemeClr val="accent1"/>
-                </a:solidFill>
-              </a14:hiddenFill>
-            </a:ext>
-            <a:ext uri="{91240B29-F687-4F45-9708-019B960494DF}">
-              <a14:hiddenLine xmlns:a14="http://schemas.microsoft.com/office/drawing/2010/main" w="9525">
-                <a:solidFill>
-                  <a:schemeClr val="tx1"/>
-                </a:solidFill>
-                <a:miter lim="800000"/>
-                <a:headEnd/>
-                <a:tailEnd/>
-              </a14:hiddenLine>
-            </a:ext>
-            <a:ext uri="{AF507438-7753-43E0-B8FC-AC1667EBCBE1}">
-              <a14:hiddenEffects xmlns:a14="http://schemas.microsoft.com/office/drawing/2010/main">
-                <a:effectLst>
-                  <a:outerShdw dist="35921" dir="2700000" algn="ctr" rotWithShape="0">
-                    <a:schemeClr val="bg2"/>
-                  </a:outerShdw>
-                </a:effectLst>
-              </a14:hiddenEffects>
-            </a:ext>
-          </a:extLst>
         </p:spPr>
         <p:txBody>
-          <a:bodyPr vert="horz" wrap="square" lIns="91440" tIns="45720" rIns="91440" bIns="45720" numCol="1" anchor="ctr" anchorCtr="0" compatLnSpc="1">
-            <a:prstTxWarp prst="textNoShape">
-              <a:avLst/>
-            </a:prstTxWarp>
+          <a:bodyPr wrap="square" lIns="91440" tIns="45720" rIns="91440" bIns="45720" rtlCol="0" anchor="t">
             <a:spAutoFit/>
           </a:bodyPr>
-          <a:lstStyle>
-            <a:lvl1pPr eaLnBrk="0" fontAlgn="base" hangingPunct="0">
-              <a:spcBef>
-                <a:spcPct val="0"/>
-              </a:spcBef>
-              <a:spcAft>
-                <a:spcPct val="0"/>
-              </a:spcAft>
-              <a:defRPr>
+          <a:lstStyle/>
+          <a:p>
+            <a:pPr marL="342900" indent="-342900">
+              <a:lnSpc>
+                <a:spcPct val="200000"/>
+              </a:lnSpc>
+              <a:buAutoNum type="arabicParenR"/>
+            </a:pPr>
+            <a:r>
+              <a:rPr lang="en-US" altLang="ko-KR" b="1" dirty="0">
+                <a:latin typeface="현대하모니 M" panose="02020603020101020101" pitchFamily="18" charset="-127"/>
+                <a:ea typeface="현대하모니 M" panose="02020603020101020101" pitchFamily="18" charset="-127"/>
+              </a:rPr>
+              <a:t>Goal of the Project</a:t>
+            </a:r>
+          </a:p>
+          <a:p>
+            <a:pPr marL="800100" lvl="1" indent="-342900">
+              <a:lnSpc>
+                <a:spcPct val="200000"/>
+              </a:lnSpc>
+              <a:buFont typeface="+mj-ea"/>
+              <a:buAutoNum type="circleNumDbPlain"/>
+            </a:pPr>
+            <a:r>
+              <a:rPr lang="en-US" altLang="ko-KR" dirty="0">
+                <a:latin typeface="현대하모니 M" panose="02020603020101020101" pitchFamily="18" charset="-127"/>
+                <a:ea typeface="현대하모니 M" panose="02020603020101020101" pitchFamily="18" charset="-127"/>
+              </a:rPr>
+              <a:t>User may play </a:t>
+            </a:r>
+            <a:r>
+              <a:rPr lang="en-US" altLang="ko-KR" dirty="0" err="1">
+                <a:latin typeface="현대하모니 M" panose="02020603020101020101" pitchFamily="18" charset="-127"/>
+                <a:ea typeface="현대하모니 M" panose="02020603020101020101" pitchFamily="18" charset="-127"/>
+              </a:rPr>
+              <a:t>gomoku</a:t>
+            </a:r>
+            <a:r>
+              <a:rPr lang="en-US" altLang="ko-KR" dirty="0">
+                <a:latin typeface="현대하모니 M" panose="02020603020101020101" pitchFamily="18" charset="-127"/>
+                <a:ea typeface="현대하모니 M" panose="02020603020101020101" pitchFamily="18" charset="-127"/>
+              </a:rPr>
+              <a:t> by him/herself with ur5e robot</a:t>
+            </a:r>
+          </a:p>
+          <a:p>
+            <a:pPr marL="800100" lvl="1" indent="-342900">
+              <a:lnSpc>
+                <a:spcPct val="200000"/>
+              </a:lnSpc>
+              <a:buFont typeface="+mj-ea"/>
+              <a:buAutoNum type="circleNumDbPlain"/>
+            </a:pPr>
+            <a:r>
+              <a:rPr lang="en-US" altLang="ko-KR" dirty="0">
+                <a:latin typeface="현대하모니 M" panose="02020603020101020101" pitchFamily="18" charset="-127"/>
+                <a:ea typeface="현대하모니 M" panose="02020603020101020101" pitchFamily="18" charset="-127"/>
+              </a:rPr>
+              <a:t>Maintain user-friendly access to robot for convenient use</a:t>
+            </a:r>
+          </a:p>
+          <a:p>
+            <a:pPr marL="342900" indent="-342900">
+              <a:lnSpc>
+                <a:spcPct val="200000"/>
+              </a:lnSpc>
+              <a:buFontTx/>
+              <a:buAutoNum type="arabicParenR"/>
+            </a:pPr>
+            <a:r>
+              <a:rPr lang="en-US" altLang="ko-KR" sz="1800" b="1" dirty="0">
+                <a:latin typeface="현대하모니 M" panose="02020603020101020101" pitchFamily="18" charset="-127"/>
+                <a:ea typeface="현대하모니 M" panose="02020603020101020101" pitchFamily="18" charset="-127"/>
+              </a:rPr>
+              <a:t>Specific goals</a:t>
+            </a:r>
+            <a:endParaRPr lang="en-US" altLang="ko-KR" b="1" dirty="0">
+              <a:latin typeface="현대하모니 M" panose="02020603020101020101" pitchFamily="18" charset="-127"/>
+              <a:ea typeface="현대하모니 M" panose="02020603020101020101" pitchFamily="18" charset="-127"/>
+            </a:endParaRPr>
+          </a:p>
+          <a:p>
+            <a:pPr marL="800100" lvl="1" indent="-342900">
+              <a:buFont typeface="+mj-ea"/>
+              <a:buAutoNum type="circleNumDbPlain"/>
+            </a:pPr>
+            <a:r>
+              <a:rPr lang="en-US" altLang="ko-KR" dirty="0">
                 <a:solidFill>
                   <a:schemeClr val="tx1"/>
                 </a:solidFill>
-                <a:latin typeface="Arial" panose="020B0604020202020204" pitchFamily="34" charset="0"/>
-              </a:defRPr>
-            </a:lvl1pPr>
-            <a:lvl2pPr eaLnBrk="0" fontAlgn="base" hangingPunct="0">
-              <a:spcBef>
-                <a:spcPct val="0"/>
-              </a:spcBef>
-              <a:spcAft>
-                <a:spcPct val="0"/>
-              </a:spcAft>
-              <a:defRPr>
+                <a:latin typeface="현대하모니 M" panose="02020603020101020101" pitchFamily="18" charset="-127"/>
+                <a:ea typeface="현대하모니 M" panose="02020603020101020101" pitchFamily="18" charset="-127"/>
+              </a:rPr>
+              <a:t>Apply Reinforcement learning for </a:t>
+            </a:r>
+            <a:r>
+              <a:rPr lang="en-US" altLang="ko-KR" dirty="0" err="1">
                 <a:solidFill>
                   <a:schemeClr val="tx1"/>
                 </a:solidFill>
-                <a:latin typeface="Arial" panose="020B0604020202020204" pitchFamily="34" charset="0"/>
-              </a:defRPr>
-            </a:lvl2pPr>
-            <a:lvl3pPr eaLnBrk="0" fontAlgn="base" hangingPunct="0">
-              <a:spcBef>
-                <a:spcPct val="0"/>
-              </a:spcBef>
-              <a:spcAft>
-                <a:spcPct val="0"/>
-              </a:spcAft>
-              <a:defRPr>
+                <a:latin typeface="현대하모니 M" panose="02020603020101020101" pitchFamily="18" charset="-127"/>
+                <a:ea typeface="현대하모니 M" panose="02020603020101020101" pitchFamily="18" charset="-127"/>
+              </a:rPr>
+              <a:t>gomoku</a:t>
+            </a:r>
+            <a:r>
+              <a:rPr lang="en-US" altLang="ko-KR" dirty="0">
                 <a:solidFill>
                   <a:schemeClr val="tx1"/>
                 </a:solidFill>
-                <a:latin typeface="Arial" panose="020B0604020202020204" pitchFamily="34" charset="0"/>
-              </a:defRPr>
-            </a:lvl3pPr>
-            <a:lvl4pPr eaLnBrk="0" fontAlgn="base" hangingPunct="0">
-              <a:spcBef>
-                <a:spcPct val="0"/>
-              </a:spcBef>
-              <a:spcAft>
-                <a:spcPct val="0"/>
-              </a:spcAft>
-              <a:defRPr>
-                <a:solidFill>
-                  <a:schemeClr val="tx1"/>
-                </a:solidFill>
-                <a:latin typeface="Arial" panose="020B0604020202020204" pitchFamily="34" charset="0"/>
-              </a:defRPr>
-            </a:lvl4pPr>
-            <a:lvl5pPr eaLnBrk="0" fontAlgn="base" hangingPunct="0">
-              <a:spcBef>
-                <a:spcPct val="0"/>
-              </a:spcBef>
-              <a:spcAft>
-                <a:spcPct val="0"/>
-              </a:spcAft>
-              <a:defRPr>
-                <a:solidFill>
-                  <a:schemeClr val="tx1"/>
-                </a:solidFill>
-                <a:latin typeface="Arial" panose="020B0604020202020204" pitchFamily="34" charset="0"/>
-              </a:defRPr>
-            </a:lvl5pPr>
-            <a:lvl6pPr eaLnBrk="0" fontAlgn="base" hangingPunct="0">
-              <a:spcBef>
-                <a:spcPct val="0"/>
-              </a:spcBef>
-              <a:spcAft>
-                <a:spcPct val="0"/>
-              </a:spcAft>
-              <a:defRPr>
-                <a:solidFill>
-                  <a:schemeClr val="tx1"/>
-                </a:solidFill>
-                <a:latin typeface="Arial" panose="020B0604020202020204" pitchFamily="34" charset="0"/>
-              </a:defRPr>
-            </a:lvl6pPr>
-            <a:lvl7pPr eaLnBrk="0" fontAlgn="base" hangingPunct="0">
-              <a:spcBef>
-                <a:spcPct val="0"/>
-              </a:spcBef>
-              <a:spcAft>
-                <a:spcPct val="0"/>
-              </a:spcAft>
-              <a:defRPr>
-                <a:solidFill>
-                  <a:schemeClr val="tx1"/>
-                </a:solidFill>
-                <a:latin typeface="Arial" panose="020B0604020202020204" pitchFamily="34" charset="0"/>
-              </a:defRPr>
-            </a:lvl7pPr>
-            <a:lvl8pPr eaLnBrk="0" fontAlgn="base" hangingPunct="0">
-              <a:spcBef>
-                <a:spcPct val="0"/>
-              </a:spcBef>
-              <a:spcAft>
-                <a:spcPct val="0"/>
-              </a:spcAft>
-              <a:defRPr>
-                <a:solidFill>
-                  <a:schemeClr val="tx1"/>
-                </a:solidFill>
-                <a:latin typeface="Arial" panose="020B0604020202020204" pitchFamily="34" charset="0"/>
-              </a:defRPr>
-            </a:lvl8pPr>
-            <a:lvl9pPr eaLnBrk="0" fontAlgn="base" hangingPunct="0">
-              <a:spcBef>
-                <a:spcPct val="0"/>
-              </a:spcBef>
-              <a:spcAft>
-                <a:spcPct val="0"/>
-              </a:spcAft>
-              <a:defRPr>
-                <a:solidFill>
-                  <a:schemeClr val="tx1"/>
-                </a:solidFill>
-                <a:latin typeface="Arial" panose="020B0604020202020204" pitchFamily="34" charset="0"/>
-              </a:defRPr>
-            </a:lvl9pPr>
-          </a:lstStyle>
-          <a:p>
-            <a:pPr marL="0" marR="0" lvl="0" indent="0" algn="l" defTabSz="914400" rtl="0" eaLnBrk="0" fontAlgn="base" latinLnBrk="0" hangingPunct="0">
-              <a:lnSpc>
-                <a:spcPct val="100000"/>
-              </a:lnSpc>
-              <a:spcBef>
-                <a:spcPct val="0"/>
-              </a:spcBef>
-              <a:spcAft>
-                <a:spcPct val="0"/>
-              </a:spcAft>
-              <a:buClrTx/>
-              <a:buSzTx/>
-              <a:buFontTx/>
-              <a:buNone/>
-              <a:tabLst/>
+                <a:latin typeface="현대하모니 M" panose="02020603020101020101" pitchFamily="18" charset="-127"/>
+                <a:ea typeface="현대하모니 M" panose="02020603020101020101" pitchFamily="18" charset="-127"/>
+              </a:rPr>
+              <a:t> scenario(DP)</a:t>
+            </a:r>
+          </a:p>
+          <a:p>
+            <a:pPr marL="800100" lvl="1" indent="-342900">
+              <a:buFont typeface="+mj-ea"/>
+              <a:buAutoNum type="circleNumDbPlain"/>
             </a:pPr>
-            <a:r>
-              <a:rPr kumimoji="0" lang="ko-KR" altLang="ko-KR" sz="1800" b="0" i="0" u="none" strike="noStrike" cap="none" normalizeH="0" baseline="0">
-                <a:ln>
-                  <a:noFill/>
-                </a:ln>
-                <a:solidFill>
-                  <a:srgbClr val="000000"/>
-                </a:solidFill>
-                <a:effectLst/>
-                <a:latin typeface="맑은 고딕" panose="020B0503020000020004" pitchFamily="50" charset="-127"/>
-                <a:ea typeface="맑은 고딕" panose="020B0503020000020004" pitchFamily="50" charset="-127"/>
-              </a:rPr>
-              <a:t> </a:t>
-            </a:r>
-            <a:endParaRPr kumimoji="0" lang="ko-KR" altLang="ko-KR" sz="1800" b="0" i="0" u="none" strike="noStrike" cap="none" normalizeH="0" baseline="0">
-              <a:ln>
-                <a:noFill/>
-              </a:ln>
+            <a:endParaRPr lang="en-US" altLang="ko-KR" dirty="0">
               <a:solidFill>
                 <a:schemeClr val="tx1"/>
               </a:solidFill>
-              <a:effectLst/>
-              <a:latin typeface="서울남산체 B" panose="02020503020101020101" pitchFamily="18" charset="-127"/>
+              <a:latin typeface="현대하모니 M" panose="02020603020101020101" pitchFamily="18" charset="-127"/>
+              <a:ea typeface="현대하모니 M" panose="02020603020101020101" pitchFamily="18" charset="-127"/>
             </a:endParaRPr>
           </a:p>
           <a:p>
-            <a:pPr marL="0" marR="0" lvl="0" indent="0" algn="l" defTabSz="914400" rtl="0" eaLnBrk="0" fontAlgn="base" latinLnBrk="0" hangingPunct="0">
-              <a:lnSpc>
-                <a:spcPct val="100000"/>
-              </a:lnSpc>
-              <a:spcBef>
-                <a:spcPct val="0"/>
-              </a:spcBef>
-              <a:spcAft>
-                <a:spcPct val="0"/>
-              </a:spcAft>
-              <a:buClrTx/>
-              <a:buSzTx/>
-              <a:buFontTx/>
-              <a:buNone/>
-              <a:tabLst/>
+            <a:pPr marL="800100" lvl="1" indent="-342900">
+              <a:buFont typeface="+mj-ea"/>
+              <a:buAutoNum type="circleNumDbPlain"/>
             </a:pPr>
-            <a:endParaRPr kumimoji="0" lang="ko-KR" altLang="ko-KR" sz="1800" b="0" i="0" u="none" strike="noStrike" cap="none" normalizeH="0" baseline="0">
-              <a:ln>
-                <a:noFill/>
-              </a:ln>
+            <a:r>
+              <a:rPr lang="en-US" altLang="ko-KR" dirty="0">
+                <a:solidFill>
+                  <a:schemeClr val="tx1"/>
+                </a:solidFill>
+                <a:latin typeface="현대하모니 M" panose="02020603020101020101" pitchFamily="18" charset="-127"/>
+                <a:ea typeface="현대하모니 M" panose="02020603020101020101" pitchFamily="18" charset="-127"/>
+              </a:rPr>
+              <a:t>Perception of user’s </a:t>
+            </a:r>
+            <a:r>
+              <a:rPr lang="en-US" altLang="ko-KR" dirty="0" err="1">
+                <a:solidFill>
+                  <a:schemeClr val="tx1"/>
+                </a:solidFill>
+                <a:latin typeface="현대하모니 M" panose="02020603020101020101" pitchFamily="18" charset="-127"/>
+                <a:ea typeface="현대하모니 M" panose="02020603020101020101" pitchFamily="18" charset="-127"/>
+              </a:rPr>
+              <a:t>gomoku</a:t>
+            </a:r>
+            <a:r>
+              <a:rPr lang="en-US" altLang="ko-KR" dirty="0">
+                <a:solidFill>
+                  <a:schemeClr val="tx1"/>
+                </a:solidFill>
+                <a:latin typeface="현대하모니 M" panose="02020603020101020101" pitchFamily="18" charset="-127"/>
+                <a:ea typeface="현대하모니 M" panose="02020603020101020101" pitchFamily="18" charset="-127"/>
+              </a:rPr>
+              <a:t> stone position using image processing</a:t>
+            </a:r>
+          </a:p>
+          <a:p>
+            <a:pPr marL="800100" lvl="1" indent="-342900">
+              <a:buFont typeface="+mj-ea"/>
+              <a:buAutoNum type="circleNumDbPlain"/>
+            </a:pPr>
+            <a:endParaRPr lang="en-US" altLang="ko-KR" dirty="0">
               <a:solidFill>
                 <a:schemeClr val="tx1"/>
               </a:solidFill>
-              <a:effectLst/>
-              <a:latin typeface="서울남산체 B" panose="02020503020101020101" pitchFamily="18" charset="-127"/>
+              <a:latin typeface="현대하모니 M" panose="02020603020101020101" pitchFamily="18" charset="-127"/>
+              <a:ea typeface="현대하모니 M" panose="02020603020101020101" pitchFamily="18" charset="-127"/>
+            </a:endParaRPr>
+          </a:p>
+          <a:p>
+            <a:pPr marL="800100" lvl="1" indent="-342900">
+              <a:buFont typeface="+mj-ea"/>
+              <a:buAutoNum type="circleNumDbPlain"/>
+            </a:pPr>
+            <a:r>
+              <a:rPr lang="en-US" altLang="ko-KR" dirty="0">
+                <a:solidFill>
+                  <a:schemeClr val="tx1"/>
+                </a:solidFill>
+                <a:latin typeface="현대하모니 M" panose="02020603020101020101" pitchFamily="18" charset="-127"/>
+                <a:ea typeface="현대하모니 M" panose="02020603020101020101" pitchFamily="18" charset="-127"/>
+              </a:rPr>
+              <a:t>Pick a </a:t>
+            </a:r>
+            <a:r>
+              <a:rPr lang="en-US" altLang="ko-KR" dirty="0" err="1">
+                <a:solidFill>
+                  <a:schemeClr val="tx1"/>
+                </a:solidFill>
+                <a:latin typeface="현대하모니 M" panose="02020603020101020101" pitchFamily="18" charset="-127"/>
+                <a:ea typeface="현대하모니 M" panose="02020603020101020101" pitchFamily="18" charset="-127"/>
+              </a:rPr>
+              <a:t>baduk</a:t>
+            </a:r>
+            <a:r>
+              <a:rPr lang="en-US" altLang="ko-KR" dirty="0">
+                <a:solidFill>
+                  <a:schemeClr val="tx1"/>
+                </a:solidFill>
+                <a:latin typeface="현대하모니 M" panose="02020603020101020101" pitchFamily="18" charset="-127"/>
+                <a:ea typeface="현대하모니 M" panose="02020603020101020101" pitchFamily="18" charset="-127"/>
+              </a:rPr>
+              <a:t> stone and place it for the optimal position using UR5E</a:t>
+            </a:r>
+          </a:p>
+          <a:p>
+            <a:pPr marL="800100" lvl="1" indent="-342900">
+              <a:buFont typeface="+mj-ea"/>
+              <a:buAutoNum type="circleNumDbPlain"/>
+            </a:pPr>
+            <a:endParaRPr lang="en-US" altLang="ko-KR" dirty="0">
+              <a:solidFill>
+                <a:schemeClr val="tx1"/>
+              </a:solidFill>
+              <a:latin typeface="현대하모니 M" panose="02020603020101020101" pitchFamily="18" charset="-127"/>
+              <a:ea typeface="현대하모니 M" panose="02020603020101020101" pitchFamily="18" charset="-127"/>
+            </a:endParaRPr>
+          </a:p>
+          <a:p>
+            <a:pPr marL="800100" lvl="1" indent="-342900">
+              <a:buFont typeface="+mj-ea"/>
+              <a:buAutoNum type="circleNumDbPlain"/>
+            </a:pPr>
+            <a:r>
+              <a:rPr lang="en-US" altLang="ko-KR" dirty="0">
+                <a:solidFill>
+                  <a:schemeClr val="tx1"/>
+                </a:solidFill>
+                <a:latin typeface="현대하모니 M" panose="02020603020101020101" pitchFamily="18" charset="-127"/>
+                <a:ea typeface="현대하모니 M" panose="02020603020101020101" pitchFamily="18" charset="-127"/>
+              </a:rPr>
+              <a:t>Recognize the user face for </a:t>
+            </a:r>
+            <a:r>
+              <a:rPr lang="en-US" altLang="ko-KR" dirty="0" err="1">
+                <a:solidFill>
+                  <a:schemeClr val="tx1"/>
+                </a:solidFill>
+                <a:latin typeface="현대하모니 M" panose="02020603020101020101" pitchFamily="18" charset="-127"/>
+                <a:ea typeface="현대하모니 M" panose="02020603020101020101" pitchFamily="18" charset="-127"/>
+              </a:rPr>
+              <a:t>gomoku</a:t>
+            </a:r>
+            <a:r>
+              <a:rPr lang="en-US" altLang="ko-KR" dirty="0">
+                <a:solidFill>
+                  <a:schemeClr val="tx1"/>
+                </a:solidFill>
+                <a:latin typeface="현대하모니 M" panose="02020603020101020101" pitchFamily="18" charset="-127"/>
+                <a:ea typeface="현대하모니 M" panose="02020603020101020101" pitchFamily="18" charset="-127"/>
+              </a:rPr>
+              <a:t> records using DL(</a:t>
+            </a:r>
+            <a:r>
+              <a:rPr lang="en-US" altLang="ko-KR" dirty="0" err="1">
+                <a:solidFill>
+                  <a:schemeClr val="tx1"/>
+                </a:solidFill>
+                <a:latin typeface="현대하모니 M" panose="02020603020101020101" pitchFamily="18" charset="-127"/>
+                <a:ea typeface="현대하모니 M" panose="02020603020101020101" pitchFamily="18" charset="-127"/>
+              </a:rPr>
+              <a:t>Pytorch</a:t>
+            </a:r>
+            <a:r>
+              <a:rPr lang="en-US" altLang="ko-KR" dirty="0">
+                <a:solidFill>
+                  <a:schemeClr val="tx1"/>
+                </a:solidFill>
+                <a:latin typeface="현대하모니 M" panose="02020603020101020101" pitchFamily="18" charset="-127"/>
+                <a:ea typeface="현대하모니 M" panose="02020603020101020101" pitchFamily="18" charset="-127"/>
+              </a:rPr>
+              <a:t> based)</a:t>
+            </a:r>
+            <a:endParaRPr lang="en-US" altLang="ko-KR" b="1" dirty="0">
+              <a:latin typeface="현대하모니 M" panose="02020603020101020101" pitchFamily="18" charset="-127"/>
+              <a:ea typeface="현대하모니 M" panose="02020603020101020101" pitchFamily="18" charset="-127"/>
             </a:endParaRPr>
           </a:p>
         </p:txBody>
@@ -6010,7 +5644,7 @@
                 <a:latin typeface="현대하모니 M" panose="02020603020101020101" pitchFamily="18" charset="-127"/>
                 <a:ea typeface="현대하모니 M" panose="02020603020101020101" pitchFamily="18" charset="-127"/>
               </a:rPr>
-              <a:t>3. Dataset </a:t>
+              <a:t>3.  Flowchart</a:t>
             </a:r>
             <a:endParaRPr lang="ko-KR" altLang="en-US" sz="3500" dirty="0">
               <a:latin typeface="현대하모니 M" panose="02020603020101020101" pitchFamily="18" charset="-127"/>
@@ -6056,207 +5690,232 @@
       </p:sp>
       <p:sp>
         <p:nvSpPr>
-          <p:cNvPr id="5" name="TextBox 4">
+          <p:cNvPr id="8" name="Rectangle 3">
             <a:extLst>
               <a:ext uri="{FF2B5EF4-FFF2-40B4-BE49-F238E27FC236}">
-                <a16:creationId xmlns:a16="http://schemas.microsoft.com/office/drawing/2014/main" id="{2D187C66-FB86-097E-DB59-8134C084F479}"/>
+                <a16:creationId xmlns:a16="http://schemas.microsoft.com/office/drawing/2014/main" id="{FBD22289-1EC9-0517-0945-2F6AE56C73D2}"/>
               </a:ext>
             </a:extLst>
           </p:cNvPr>
-          <p:cNvSpPr txBox="1"/>
+          <p:cNvSpPr>
+            <a:spLocks noChangeArrowheads="1"/>
+          </p:cNvSpPr>
           <p:nvPr/>
         </p:nvSpPr>
-        <p:spPr>
+        <p:spPr bwMode="auto">
           <a:xfrm>
-            <a:off x="432970" y="1102430"/>
-            <a:ext cx="5409480" cy="5025286"/>
+            <a:off x="781051" y="2796420"/>
+            <a:ext cx="7248088" cy="615553"/>
           </a:xfrm>
           <a:prstGeom prst="rect">
             <a:avLst/>
           </a:prstGeom>
           <a:noFill/>
+          <a:ln>
+            <a:noFill/>
+          </a:ln>
+          <a:effectLst/>
+          <a:extLst>
+            <a:ext uri="{909E8E84-426E-40DD-AFC4-6F175D3DCCD1}">
+              <a14:hiddenFill xmlns:a14="http://schemas.microsoft.com/office/drawing/2010/main">
+                <a:solidFill>
+                  <a:schemeClr val="accent1"/>
+                </a:solidFill>
+              </a14:hiddenFill>
+            </a:ext>
+            <a:ext uri="{91240B29-F687-4F45-9708-019B960494DF}">
+              <a14:hiddenLine xmlns:a14="http://schemas.microsoft.com/office/drawing/2010/main" w="9525">
+                <a:solidFill>
+                  <a:schemeClr val="tx1"/>
+                </a:solidFill>
+                <a:miter lim="800000"/>
+                <a:headEnd/>
+                <a:tailEnd/>
+              </a14:hiddenLine>
+            </a:ext>
+            <a:ext uri="{AF507438-7753-43E0-B8FC-AC1667EBCBE1}">
+              <a14:hiddenEffects xmlns:a14="http://schemas.microsoft.com/office/drawing/2010/main">
+                <a:effectLst>
+                  <a:outerShdw dist="35921" dir="2700000" algn="ctr" rotWithShape="0">
+                    <a:schemeClr val="bg2"/>
+                  </a:outerShdw>
+                </a:effectLst>
+              </a14:hiddenEffects>
+            </a:ext>
+          </a:extLst>
         </p:spPr>
         <p:txBody>
-          <a:bodyPr wrap="square" lIns="91440" tIns="45720" rIns="91440" bIns="45720" rtlCol="0" anchor="t">
+          <a:bodyPr vert="horz" wrap="square" lIns="91440" tIns="45720" rIns="91440" bIns="45720" numCol="1" anchor="ctr" anchorCtr="0" compatLnSpc="1">
+            <a:prstTxWarp prst="textNoShape">
+              <a:avLst/>
+            </a:prstTxWarp>
             <a:spAutoFit/>
           </a:bodyPr>
-          <a:lstStyle/>
-          <a:p>
-            <a:pPr marL="342900" indent="-342900">
+          <a:lstStyle>
+            <a:lvl1pPr eaLnBrk="0" fontAlgn="base" hangingPunct="0">
+              <a:spcBef>
+                <a:spcPct val="0"/>
+              </a:spcBef>
+              <a:spcAft>
+                <a:spcPct val="0"/>
+              </a:spcAft>
+              <a:defRPr>
+                <a:solidFill>
+                  <a:schemeClr val="tx1"/>
+                </a:solidFill>
+                <a:latin typeface="Arial" panose="020B0604020202020204" pitchFamily="34" charset="0"/>
+              </a:defRPr>
+            </a:lvl1pPr>
+            <a:lvl2pPr eaLnBrk="0" fontAlgn="base" hangingPunct="0">
+              <a:spcBef>
+                <a:spcPct val="0"/>
+              </a:spcBef>
+              <a:spcAft>
+                <a:spcPct val="0"/>
+              </a:spcAft>
+              <a:defRPr>
+                <a:solidFill>
+                  <a:schemeClr val="tx1"/>
+                </a:solidFill>
+                <a:latin typeface="Arial" panose="020B0604020202020204" pitchFamily="34" charset="0"/>
+              </a:defRPr>
+            </a:lvl2pPr>
+            <a:lvl3pPr eaLnBrk="0" fontAlgn="base" hangingPunct="0">
+              <a:spcBef>
+                <a:spcPct val="0"/>
+              </a:spcBef>
+              <a:spcAft>
+                <a:spcPct val="0"/>
+              </a:spcAft>
+              <a:defRPr>
+                <a:solidFill>
+                  <a:schemeClr val="tx1"/>
+                </a:solidFill>
+                <a:latin typeface="Arial" panose="020B0604020202020204" pitchFamily="34" charset="0"/>
+              </a:defRPr>
+            </a:lvl3pPr>
+            <a:lvl4pPr eaLnBrk="0" fontAlgn="base" hangingPunct="0">
+              <a:spcBef>
+                <a:spcPct val="0"/>
+              </a:spcBef>
+              <a:spcAft>
+                <a:spcPct val="0"/>
+              </a:spcAft>
+              <a:defRPr>
+                <a:solidFill>
+                  <a:schemeClr val="tx1"/>
+                </a:solidFill>
+                <a:latin typeface="Arial" panose="020B0604020202020204" pitchFamily="34" charset="0"/>
+              </a:defRPr>
+            </a:lvl4pPr>
+            <a:lvl5pPr eaLnBrk="0" fontAlgn="base" hangingPunct="0">
+              <a:spcBef>
+                <a:spcPct val="0"/>
+              </a:spcBef>
+              <a:spcAft>
+                <a:spcPct val="0"/>
+              </a:spcAft>
+              <a:defRPr>
+                <a:solidFill>
+                  <a:schemeClr val="tx1"/>
+                </a:solidFill>
+                <a:latin typeface="Arial" panose="020B0604020202020204" pitchFamily="34" charset="0"/>
+              </a:defRPr>
+            </a:lvl5pPr>
+            <a:lvl6pPr eaLnBrk="0" fontAlgn="base" hangingPunct="0">
+              <a:spcBef>
+                <a:spcPct val="0"/>
+              </a:spcBef>
+              <a:spcAft>
+                <a:spcPct val="0"/>
+              </a:spcAft>
+              <a:defRPr>
+                <a:solidFill>
+                  <a:schemeClr val="tx1"/>
+                </a:solidFill>
+                <a:latin typeface="Arial" panose="020B0604020202020204" pitchFamily="34" charset="0"/>
+              </a:defRPr>
+            </a:lvl6pPr>
+            <a:lvl7pPr eaLnBrk="0" fontAlgn="base" hangingPunct="0">
+              <a:spcBef>
+                <a:spcPct val="0"/>
+              </a:spcBef>
+              <a:spcAft>
+                <a:spcPct val="0"/>
+              </a:spcAft>
+              <a:defRPr>
+                <a:solidFill>
+                  <a:schemeClr val="tx1"/>
+                </a:solidFill>
+                <a:latin typeface="Arial" panose="020B0604020202020204" pitchFamily="34" charset="0"/>
+              </a:defRPr>
+            </a:lvl7pPr>
+            <a:lvl8pPr eaLnBrk="0" fontAlgn="base" hangingPunct="0">
+              <a:spcBef>
+                <a:spcPct val="0"/>
+              </a:spcBef>
+              <a:spcAft>
+                <a:spcPct val="0"/>
+              </a:spcAft>
+              <a:defRPr>
+                <a:solidFill>
+                  <a:schemeClr val="tx1"/>
+                </a:solidFill>
+                <a:latin typeface="Arial" panose="020B0604020202020204" pitchFamily="34" charset="0"/>
+              </a:defRPr>
+            </a:lvl8pPr>
+            <a:lvl9pPr eaLnBrk="0" fontAlgn="base" hangingPunct="0">
+              <a:spcBef>
+                <a:spcPct val="0"/>
+              </a:spcBef>
+              <a:spcAft>
+                <a:spcPct val="0"/>
+              </a:spcAft>
+              <a:defRPr>
+                <a:solidFill>
+                  <a:schemeClr val="tx1"/>
+                </a:solidFill>
+                <a:latin typeface="Arial" panose="020B0604020202020204" pitchFamily="34" charset="0"/>
+              </a:defRPr>
+            </a:lvl9pPr>
+          </a:lstStyle>
+          <a:p>
+            <a:pPr marL="0" marR="0" lvl="0" indent="0" algn="l" defTabSz="914400" rtl="0" eaLnBrk="0" fontAlgn="base" latinLnBrk="0" hangingPunct="0">
               <a:lnSpc>
-                <a:spcPct val="150000"/>
+                <a:spcPct val="100000"/>
               </a:lnSpc>
-              <a:buAutoNum type="arabicParenR"/>
+              <a:spcBef>
+                <a:spcPct val="0"/>
+              </a:spcBef>
+              <a:spcAft>
+                <a:spcPct val="0"/>
+              </a:spcAft>
+              <a:buClrTx/>
+              <a:buSzTx/>
+              <a:buFontTx/>
+              <a:buNone/>
+              <a:tabLst/>
             </a:pPr>
             <a:r>
-              <a:rPr lang="en-US" altLang="ko-KR" dirty="0">
-                <a:latin typeface="현대하모니 M" panose="02020603020101020101" pitchFamily="18" charset="-127"/>
-                <a:ea typeface="현대하모니 M" panose="02020603020101020101" pitchFamily="18" charset="-127"/>
-              </a:rPr>
-              <a:t>Dataset name : </a:t>
-            </a:r>
-            <a:br>
-              <a:rPr lang="en-US" altLang="ko-KR" dirty="0">
-                <a:latin typeface="현대하모니 M" panose="02020603020101020101" pitchFamily="18" charset="-127"/>
-                <a:ea typeface="현대하모니 M" panose="02020603020101020101" pitchFamily="18" charset="-127"/>
-              </a:rPr>
-            </a:br>
-            <a:r>
-              <a:rPr lang="en-US" altLang="ko-KR" sz="1400" dirty="0">
-                <a:latin typeface="현대하모니 M" panose="02020603020101020101" pitchFamily="18" charset="-127"/>
-                <a:ea typeface="현대하모니 M" panose="02020603020101020101" pitchFamily="18" charset="-127"/>
-                <a:hlinkClick r:id="rId3"/>
-              </a:rPr>
-              <a:t>AI dataset for early detection of equipment abnormalities</a:t>
-            </a:r>
-            <a:endParaRPr lang="en-US" altLang="ko-KR" dirty="0">
-              <a:latin typeface="현대하모니 M" panose="02020603020101020101" pitchFamily="18" charset="-127"/>
-              <a:ea typeface="현대하모니 M" panose="02020603020101020101" pitchFamily="18" charset="-127"/>
-            </a:endParaRPr>
-          </a:p>
-          <a:p>
-            <a:pPr marL="342900" indent="-342900">
-              <a:lnSpc>
-                <a:spcPct val="150000"/>
-              </a:lnSpc>
-              <a:buFontTx/>
-              <a:buAutoNum type="arabicParenR"/>
-            </a:pPr>
-            <a:r>
-              <a:rPr lang="en-US" altLang="ko-KR" dirty="0">
-                <a:latin typeface="현대하모니 M" panose="02020603020101020101" pitchFamily="18" charset="-127"/>
-                <a:ea typeface="현대하모니 M" panose="02020603020101020101" pitchFamily="18" charset="-127"/>
-              </a:rPr>
-              <a:t>Data </a:t>
-            </a:r>
-            <a:r>
-              <a:rPr lang="en-US" altLang="ko-KR" dirty="0">
-                <a:solidFill>
-                  <a:srgbClr val="3C4043"/>
-                </a:solidFill>
-                <a:latin typeface="현대하모니 M" panose="02020603020101020101" pitchFamily="18" charset="-127"/>
-                <a:ea typeface="현대하모니 M" panose="02020603020101020101" pitchFamily="18" charset="-127"/>
-              </a:rPr>
-              <a:t>M</a:t>
-            </a:r>
-            <a:r>
-              <a:rPr lang="tr-TR" altLang="ko-KR" b="0" i="0" dirty="0" err="1">
-                <a:solidFill>
-                  <a:srgbClr val="3C4043"/>
+              <a:rPr kumimoji="0" lang="ko-KR" altLang="ko-KR" sz="1700" b="0" i="0" u="none" strike="noStrike" cap="none" normalizeH="0" baseline="0">
+                <a:ln>
+                  <a:noFill/>
+                </a:ln>
+                <a:solidFill>
+                  <a:srgbClr val="000000"/>
                 </a:solidFill>
                 <a:effectLst/>
                 <a:latin typeface="현대하모니 M" panose="02020603020101020101" pitchFamily="18" charset="-127"/>
                 <a:ea typeface="현대하모니 M" panose="02020603020101020101" pitchFamily="18" charset="-127"/>
               </a:rPr>
-              <a:t>easurement</a:t>
-            </a:r>
-            <a:r>
-              <a:rPr lang="en-US" altLang="ko-KR" b="0" i="0" dirty="0">
-                <a:solidFill>
-                  <a:srgbClr val="3C4043"/>
-                </a:solidFill>
-                <a:effectLst/>
-                <a:latin typeface="현대하모니 M" panose="02020603020101020101" pitchFamily="18" charset="-127"/>
-                <a:ea typeface="현대하모니 M" panose="02020603020101020101" pitchFamily="18" charset="-127"/>
-              </a:rPr>
-              <a:t> </a:t>
-            </a:r>
-          </a:p>
-          <a:p>
-            <a:pPr marL="742950" lvl="1" indent="-285750">
-              <a:lnSpc>
-                <a:spcPct val="150000"/>
-              </a:lnSpc>
-              <a:buFontTx/>
-              <a:buChar char="-"/>
-            </a:pPr>
-            <a:r>
-              <a:rPr lang="en-US" altLang="ko-KR" sz="1600" b="0" i="0" dirty="0">
-                <a:solidFill>
-                  <a:srgbClr val="3C4043"/>
-                </a:solidFill>
-                <a:effectLst/>
-                <a:latin typeface="현대하모니 M" panose="02020603020101020101" pitchFamily="18" charset="-127"/>
-                <a:ea typeface="현대하모니 M" panose="02020603020101020101" pitchFamily="18" charset="-127"/>
-              </a:rPr>
-              <a:t>PLC data (Sampling period: 5 [sec])</a:t>
-            </a:r>
-          </a:p>
-          <a:p>
-            <a:pPr marL="742950" lvl="1" indent="-285750">
-              <a:lnSpc>
-                <a:spcPct val="150000"/>
-              </a:lnSpc>
-              <a:buFontTx/>
-              <a:buChar char="-"/>
-            </a:pPr>
-            <a:r>
-              <a:rPr lang="tr-TR" altLang="ko-KR" sz="1600" dirty="0">
-                <a:latin typeface="현대하모니 M" panose="02020603020101020101" pitchFamily="18" charset="-127"/>
-                <a:ea typeface="현대하모니 M" panose="02020603020101020101" pitchFamily="18" charset="-127"/>
-              </a:rPr>
-              <a:t>Sound </a:t>
-            </a:r>
-            <a:r>
-              <a:rPr lang="en-US" altLang="ko-KR" sz="1600" dirty="0">
-                <a:latin typeface="현대하모니 M" panose="02020603020101020101" pitchFamily="18" charset="-127"/>
-                <a:ea typeface="현대하모니 M" panose="02020603020101020101" pitchFamily="18" charset="-127"/>
-              </a:rPr>
-              <a:t>data</a:t>
-            </a:r>
-          </a:p>
-          <a:p>
-            <a:pPr marL="342900" indent="-342900">
-              <a:lnSpc>
-                <a:spcPct val="150000"/>
-              </a:lnSpc>
-              <a:buFontTx/>
-              <a:buAutoNum type="arabicParenR"/>
-            </a:pPr>
-            <a:r>
-              <a:rPr lang="en-US" altLang="ko-KR" dirty="0">
-                <a:solidFill>
-                  <a:srgbClr val="3C4043"/>
-                </a:solidFill>
-                <a:latin typeface="현대하모니 M" panose="02020603020101020101" pitchFamily="18" charset="-127"/>
-                <a:ea typeface="현대하모니 M" panose="02020603020101020101" pitchFamily="18" charset="-127"/>
-              </a:rPr>
-              <a:t>Data Categories</a:t>
-            </a:r>
-          </a:p>
-          <a:p>
-            <a:pPr marL="742950" lvl="1" indent="-285750">
-              <a:lnSpc>
-                <a:spcPct val="150000"/>
-              </a:lnSpc>
-              <a:buFontTx/>
-              <a:buChar char="-"/>
-            </a:pPr>
-            <a:r>
-              <a:rPr lang="en-US" altLang="ko-KR" sz="1600" b="0" i="0" dirty="0">
-                <a:solidFill>
-                  <a:srgbClr val="3C4043"/>
-                </a:solidFill>
-                <a:effectLst/>
-                <a:latin typeface="현대하모니 M" panose="02020603020101020101" pitchFamily="18" charset="-127"/>
-                <a:ea typeface="현대하모니 M" panose="02020603020101020101" pitchFamily="18" charset="-127"/>
-              </a:rPr>
-              <a:t>Numerical Data : </a:t>
-            </a:r>
-            <a:r>
-              <a:rPr lang="en-US" altLang="ko-KR" sz="1400" b="0" i="0" dirty="0">
-                <a:solidFill>
-                  <a:srgbClr val="3C4043"/>
-                </a:solidFill>
-                <a:effectLst/>
-                <a:latin typeface="현대하모니 M" panose="02020603020101020101" pitchFamily="18" charset="-127"/>
-                <a:ea typeface="현대하모니 M" panose="02020603020101020101" pitchFamily="18" charset="-127"/>
-              </a:rPr>
-              <a:t>Temperature, Current</a:t>
-            </a:r>
-            <a:endParaRPr lang="en-US" altLang="ko-KR" sz="1600" b="0" i="0" dirty="0">
+              <a:t> </a:t>
+            </a:r>
+            <a:endParaRPr kumimoji="0" lang="ko-KR" altLang="ko-KR" sz="1700" b="0" i="0" u="none" strike="noStrike" cap="none" normalizeH="0" baseline="0">
+              <a:ln>
+                <a:noFill/>
+              </a:ln>
               <a:solidFill>
-                <a:srgbClr val="3C4043"/>
+                <a:schemeClr val="tx1"/>
               </a:solidFill>
               <a:effectLst/>
               <a:latin typeface="현대하모니 M" panose="02020603020101020101" pitchFamily="18" charset="-127"/>
@@ -6264,813 +5923,42 @@
             </a:endParaRPr>
           </a:p>
           <a:p>
-            <a:pPr marL="742950" lvl="1" indent="-285750">
+            <a:pPr marL="0" marR="0" lvl="0" indent="0" algn="l" defTabSz="914400" rtl="0" eaLnBrk="0" fontAlgn="base" latinLnBrk="0" hangingPunct="0">
               <a:lnSpc>
-                <a:spcPct val="150000"/>
+                <a:spcPct val="100000"/>
               </a:lnSpc>
+              <a:spcBef>
+                <a:spcPct val="0"/>
+              </a:spcBef>
+              <a:spcAft>
+                <a:spcPct val="0"/>
+              </a:spcAft>
+              <a:buClrTx/>
+              <a:buSzTx/>
               <a:buFontTx/>
-              <a:buChar char="-"/>
+              <a:buNone/>
+              <a:tabLst/>
             </a:pPr>
-            <a:r>
-              <a:rPr lang="en-US" altLang="ko-KR" sz="1600" dirty="0">
-                <a:solidFill>
-                  <a:srgbClr val="3C4043"/>
-                </a:solidFill>
-                <a:latin typeface="현대하모니 M" panose="02020603020101020101" pitchFamily="18" charset="-127"/>
-                <a:ea typeface="현대하모니 M" panose="02020603020101020101" pitchFamily="18" charset="-127"/>
-              </a:rPr>
-              <a:t>Sound Data : </a:t>
-            </a:r>
-            <a:br>
-              <a:rPr lang="en-US" altLang="ko-KR" sz="1600" dirty="0">
-                <a:solidFill>
-                  <a:srgbClr val="3C4043"/>
-                </a:solidFill>
-                <a:latin typeface="현대하모니 M" panose="02020603020101020101" pitchFamily="18" charset="-127"/>
-                <a:ea typeface="현대하모니 M" panose="02020603020101020101" pitchFamily="18" charset="-127"/>
-              </a:rPr>
-            </a:br>
-            <a:r>
-              <a:rPr lang="en-US" altLang="ko-KR" sz="1400" dirty="0">
-                <a:solidFill>
-                  <a:srgbClr val="3C4043"/>
-                </a:solidFill>
-                <a:latin typeface="현대하모니 M" panose="02020603020101020101" pitchFamily="18" charset="-127"/>
-                <a:ea typeface="현대하모니 M" panose="02020603020101020101" pitchFamily="18" charset="-127"/>
-              </a:rPr>
-              <a:t>185 data, 30sec per track. </a:t>
-            </a:r>
-            <a:br>
-              <a:rPr lang="en-US" altLang="ko-KR" sz="1400" dirty="0">
-                <a:solidFill>
-                  <a:srgbClr val="3C4043"/>
-                </a:solidFill>
-                <a:latin typeface="현대하모니 M" panose="02020603020101020101" pitchFamily="18" charset="-127"/>
-                <a:ea typeface="현대하모니 M" panose="02020603020101020101" pitchFamily="18" charset="-127"/>
-              </a:rPr>
-            </a:br>
-            <a:r>
-              <a:rPr lang="en-US" altLang="ko-KR" sz="1400" dirty="0">
-                <a:solidFill>
-                  <a:srgbClr val="3C4043"/>
-                </a:solidFill>
-                <a:latin typeface="현대하모니 M" panose="02020603020101020101" pitchFamily="18" charset="-127"/>
-                <a:ea typeface="현대하모니 M" panose="02020603020101020101" pitchFamily="18" charset="-127"/>
-              </a:rPr>
-              <a:t>Subdivided into Error and Normal</a:t>
-            </a:r>
-            <a:endParaRPr lang="en-US" altLang="ko-KR" sz="1600" dirty="0">
+            <a:endParaRPr kumimoji="0" lang="ko-KR" altLang="ko-KR" sz="1700" b="0" i="0" u="none" strike="noStrike" cap="none" normalizeH="0" baseline="0">
+              <a:ln>
+                <a:noFill/>
+              </a:ln>
               <a:solidFill>
-                <a:srgbClr val="3C4043"/>
-              </a:solidFill>
-              <a:latin typeface="현대하모니 M" panose="02020603020101020101" pitchFamily="18" charset="-127"/>
-              <a:ea typeface="현대하모니 M" panose="02020603020101020101" pitchFamily="18" charset="-127"/>
-            </a:endParaRPr>
-          </a:p>
-          <a:p>
-            <a:pPr marL="742950" lvl="1" indent="-285750">
-              <a:lnSpc>
-                <a:spcPct val="150000"/>
-              </a:lnSpc>
-              <a:buFontTx/>
-              <a:buChar char="-"/>
-            </a:pPr>
-            <a:r>
-              <a:rPr lang="en-US" altLang="ko-KR" sz="1600" b="0" i="0" dirty="0">
-                <a:solidFill>
-                  <a:srgbClr val="3C4043"/>
-                </a:solidFill>
-                <a:effectLst/>
-                <a:latin typeface="현대하모니 M" panose="02020603020101020101" pitchFamily="18" charset="-127"/>
-                <a:ea typeface="현대하모니 M" panose="02020603020101020101" pitchFamily="18" charset="-127"/>
-              </a:rPr>
-              <a:t>Error </a:t>
-            </a:r>
-            <a:r>
-              <a:rPr lang="en-US" altLang="ko-KR" sz="1600" dirty="0">
-                <a:solidFill>
-                  <a:srgbClr val="3C4043"/>
-                </a:solidFill>
-                <a:latin typeface="현대하모니 M" panose="02020603020101020101" pitchFamily="18" charset="-127"/>
-                <a:ea typeface="현대하모니 M" panose="02020603020101020101" pitchFamily="18" charset="-127"/>
-              </a:rPr>
-              <a:t>Lot list: </a:t>
-            </a:r>
-            <a:r>
-              <a:rPr lang="en-US" altLang="ko-KR" sz="1400" dirty="0">
-                <a:solidFill>
-                  <a:srgbClr val="3C4043"/>
-                </a:solidFill>
-                <a:latin typeface="현대하모니 M" panose="02020603020101020101" pitchFamily="18" charset="-127"/>
-                <a:ea typeface="현대하모니 M" panose="02020603020101020101" pitchFamily="18" charset="-127"/>
-              </a:rPr>
-              <a:t>Process number, Error Number</a:t>
-            </a:r>
-            <a:endParaRPr lang="en-US" altLang="ko-KR" sz="1600" b="0" i="0" dirty="0">
-              <a:solidFill>
-                <a:srgbClr val="3C4043"/>
+                <a:schemeClr val="tx1"/>
               </a:solidFill>
               <a:effectLst/>
               <a:latin typeface="현대하모니 M" panose="02020603020101020101" pitchFamily="18" charset="-127"/>
               <a:ea typeface="현대하모니 M" panose="02020603020101020101" pitchFamily="18" charset="-127"/>
             </a:endParaRPr>
           </a:p>
-          <a:p>
-            <a:pPr lvl="1">
-              <a:lnSpc>
-                <a:spcPct val="150000"/>
-              </a:lnSpc>
-            </a:pPr>
-            <a:endParaRPr lang="en-US" altLang="ko-KR" b="0" i="0" dirty="0">
-              <a:solidFill>
-                <a:srgbClr val="3C4043"/>
-              </a:solidFill>
-              <a:effectLst/>
-              <a:latin typeface="현대하모니 M" panose="02020603020101020101" pitchFamily="18" charset="-127"/>
-              <a:ea typeface="현대하모니 M" panose="02020603020101020101" pitchFamily="18" charset="-127"/>
-            </a:endParaRPr>
-          </a:p>
-          <a:p>
-            <a:pPr marL="342900" indent="-342900">
-              <a:lnSpc>
-                <a:spcPct val="200000"/>
-              </a:lnSpc>
-              <a:buAutoNum type="arabicParenR"/>
-            </a:pPr>
-            <a:endParaRPr lang="en-US" altLang="ko-KR" dirty="0">
-              <a:latin typeface="현대하모니 M" panose="02020603020101020101" pitchFamily="18" charset="-127"/>
-              <a:ea typeface="현대하모니 M" panose="02020603020101020101" pitchFamily="18" charset="-127"/>
-            </a:endParaRPr>
-          </a:p>
-        </p:txBody>
-      </p:sp>
-      <p:sp>
-        <p:nvSpPr>
-          <p:cNvPr id="3" name="TextBox 2">
+        </p:txBody>
+      </p:sp>
+      <p:pic>
+        <p:nvPicPr>
+          <p:cNvPr id="5" name="그림 4">
             <a:extLst>
               <a:ext uri="{FF2B5EF4-FFF2-40B4-BE49-F238E27FC236}">
-                <a16:creationId xmlns:a16="http://schemas.microsoft.com/office/drawing/2014/main" id="{5AD36C46-1823-F55C-D4F6-3A101C93DB1A}"/>
-              </a:ext>
-            </a:extLst>
-          </p:cNvPr>
-          <p:cNvSpPr txBox="1"/>
-          <p:nvPr/>
-        </p:nvSpPr>
-        <p:spPr>
-          <a:xfrm>
-            <a:off x="6096000" y="1102430"/>
-            <a:ext cx="5663030" cy="3732625"/>
-          </a:xfrm>
-          <a:prstGeom prst="rect">
-            <a:avLst/>
-          </a:prstGeom>
-          <a:noFill/>
-        </p:spPr>
-        <p:txBody>
-          <a:bodyPr wrap="square" lIns="91440" tIns="45720" rIns="91440" bIns="45720" rtlCol="0" anchor="t">
-            <a:spAutoFit/>
-          </a:bodyPr>
-          <a:lstStyle/>
-          <a:p>
-            <a:pPr>
-              <a:lnSpc>
-                <a:spcPct val="150000"/>
-              </a:lnSpc>
-            </a:pPr>
-            <a:r>
-              <a:rPr lang="en-US" altLang="ko-KR" dirty="0">
-                <a:latin typeface="현대하모니 M" panose="02020603020101020101" pitchFamily="18" charset="-127"/>
-                <a:ea typeface="현대하모니 M" panose="02020603020101020101" pitchFamily="18" charset="-127"/>
-              </a:rPr>
-              <a:t>5) </a:t>
-            </a:r>
-            <a:r>
-              <a:rPr lang="tr-TR" altLang="ko-KR" b="0" i="0" dirty="0">
-                <a:solidFill>
-                  <a:srgbClr val="3C4043"/>
-                </a:solidFill>
-                <a:effectLst/>
-                <a:latin typeface="현대하모니 M" panose="02020603020101020101" pitchFamily="18" charset="-127"/>
-                <a:ea typeface="현대하모니 M" panose="02020603020101020101" pitchFamily="18" charset="-127"/>
-              </a:rPr>
-              <a:t>Data </a:t>
-            </a:r>
-            <a:r>
-              <a:rPr lang="tr-TR" altLang="ko-KR" b="0" i="0" dirty="0" err="1">
-                <a:solidFill>
-                  <a:srgbClr val="3C4043"/>
-                </a:solidFill>
-                <a:effectLst/>
-                <a:latin typeface="현대하모니 M" panose="02020603020101020101" pitchFamily="18" charset="-127"/>
-                <a:ea typeface="현대하모니 M" panose="02020603020101020101" pitchFamily="18" charset="-127"/>
-              </a:rPr>
-              <a:t>type</a:t>
-            </a:r>
-            <a:endParaRPr lang="en-US" altLang="ko-KR" b="0" i="0" dirty="0">
-              <a:solidFill>
-                <a:srgbClr val="3C4043"/>
-              </a:solidFill>
-              <a:effectLst/>
-              <a:latin typeface="현대하모니 M" panose="02020603020101020101" pitchFamily="18" charset="-127"/>
-              <a:ea typeface="현대하모니 M" panose="02020603020101020101" pitchFamily="18" charset="-127"/>
-            </a:endParaRPr>
-          </a:p>
-          <a:p>
-            <a:pPr marL="742950" lvl="1" indent="-285750">
-              <a:lnSpc>
-                <a:spcPct val="150000"/>
-              </a:lnSpc>
-              <a:buFontTx/>
-              <a:buChar char="-"/>
-            </a:pPr>
-            <a:r>
-              <a:rPr lang="tr-TR" altLang="ko-KR" sz="1600" dirty="0" err="1">
-                <a:latin typeface="현대하모니 M" panose="02020603020101020101" pitchFamily="18" charset="-127"/>
-                <a:ea typeface="현대하모니 M" panose="02020603020101020101" pitchFamily="18" charset="-127"/>
-              </a:rPr>
-              <a:t>Supervised</a:t>
-            </a:r>
-            <a:r>
-              <a:rPr lang="tr-TR" altLang="ko-KR" sz="1600" dirty="0">
-                <a:latin typeface="현대하모니 M" panose="02020603020101020101" pitchFamily="18" charset="-127"/>
-                <a:ea typeface="현대하모니 M" panose="02020603020101020101" pitchFamily="18" charset="-127"/>
-              </a:rPr>
-              <a:t> Learning-</a:t>
-            </a:r>
-            <a:r>
-              <a:rPr lang="tr-TR" altLang="ko-KR" sz="1600" dirty="0" err="1">
-                <a:latin typeface="현대하모니 M" panose="02020603020101020101" pitchFamily="18" charset="-127"/>
-                <a:ea typeface="현대하모니 M" panose="02020603020101020101" pitchFamily="18" charset="-127"/>
-              </a:rPr>
-              <a:t>Based</a:t>
-            </a:r>
-            <a:r>
-              <a:rPr lang="tr-TR" altLang="ko-KR" sz="1600" dirty="0">
-                <a:latin typeface="현대하모니 M" panose="02020603020101020101" pitchFamily="18" charset="-127"/>
-                <a:ea typeface="현대하모니 M" panose="02020603020101020101" pitchFamily="18" charset="-127"/>
-              </a:rPr>
-              <a:t> Data</a:t>
-            </a:r>
-            <a:endParaRPr lang="en-US" altLang="ko-KR" sz="1600" dirty="0">
-              <a:latin typeface="현대하모니 M" panose="02020603020101020101" pitchFamily="18" charset="-127"/>
-              <a:ea typeface="현대하모니 M" panose="02020603020101020101" pitchFamily="18" charset="-127"/>
-            </a:endParaRPr>
-          </a:p>
-          <a:p>
-            <a:pPr marL="742950" lvl="1" indent="-285750">
-              <a:lnSpc>
-                <a:spcPct val="150000"/>
-              </a:lnSpc>
-              <a:buFontTx/>
-              <a:buChar char="-"/>
-            </a:pPr>
-            <a:r>
-              <a:rPr lang="en-US" altLang="ko-KR" sz="1600" dirty="0">
-                <a:solidFill>
-                  <a:srgbClr val="3C4043"/>
-                </a:solidFill>
-                <a:latin typeface="현대하모니 M" panose="02020603020101020101" pitchFamily="18" charset="-127"/>
-                <a:ea typeface="현대하모니 M" panose="02020603020101020101" pitchFamily="18" charset="-127"/>
-              </a:rPr>
-              <a:t>Time series data</a:t>
-            </a:r>
-          </a:p>
-          <a:p>
-            <a:pPr marL="742950" lvl="1" indent="-285750">
-              <a:lnSpc>
-                <a:spcPct val="150000"/>
-              </a:lnSpc>
-              <a:buFontTx/>
-              <a:buChar char="-"/>
-            </a:pPr>
-            <a:r>
-              <a:rPr lang="en-US" altLang="ko-KR" sz="1600" b="0" i="0" dirty="0">
-                <a:solidFill>
-                  <a:srgbClr val="3C4043"/>
-                </a:solidFill>
-                <a:effectLst/>
-                <a:latin typeface="현대하모니 M" panose="02020603020101020101" pitchFamily="18" charset="-127"/>
-                <a:ea typeface="현대하모니 M" panose="02020603020101020101" pitchFamily="18" charset="-127"/>
-              </a:rPr>
-              <a:t>Numerical(Float/ .csv) and Sound data(.wav)</a:t>
-            </a:r>
-          </a:p>
-          <a:p>
-            <a:pPr>
-              <a:lnSpc>
-                <a:spcPct val="150000"/>
-              </a:lnSpc>
-            </a:pPr>
-            <a:r>
-              <a:rPr lang="en-US" altLang="ko-KR" dirty="0">
-                <a:solidFill>
-                  <a:srgbClr val="3C4043"/>
-                </a:solidFill>
-                <a:latin typeface="현대하모니 M" panose="02020603020101020101" pitchFamily="18" charset="-127"/>
-                <a:ea typeface="현대하모니 M" panose="02020603020101020101" pitchFamily="18" charset="-127"/>
-              </a:rPr>
-              <a:t>6) </a:t>
-            </a:r>
-            <a:r>
-              <a:rPr lang="tr-TR" altLang="ko-KR" b="0" i="0" dirty="0">
-                <a:solidFill>
-                  <a:srgbClr val="3C4043"/>
-                </a:solidFill>
-                <a:effectLst/>
-                <a:latin typeface="현대하모니 M" panose="02020603020101020101" pitchFamily="18" charset="-127"/>
-                <a:ea typeface="현대하모니 M" panose="02020603020101020101" pitchFamily="18" charset="-127"/>
-              </a:rPr>
-              <a:t>Data </a:t>
-            </a:r>
-            <a:r>
-              <a:rPr lang="en-US" altLang="ko-KR" b="0" i="0" dirty="0">
-                <a:solidFill>
-                  <a:srgbClr val="3C4043"/>
-                </a:solidFill>
-                <a:effectLst/>
-                <a:latin typeface="현대하모니 M" panose="02020603020101020101" pitchFamily="18" charset="-127"/>
-                <a:ea typeface="현대하모니 M" panose="02020603020101020101" pitchFamily="18" charset="-127"/>
-              </a:rPr>
-              <a:t>Output</a:t>
-            </a:r>
-            <a:endParaRPr lang="en-US" altLang="ko-KR" dirty="0">
-              <a:solidFill>
-                <a:srgbClr val="3C4043"/>
-              </a:solidFill>
-              <a:latin typeface="현대하모니 M" panose="02020603020101020101" pitchFamily="18" charset="-127"/>
-              <a:ea typeface="현대하모니 M" panose="02020603020101020101" pitchFamily="18" charset="-127"/>
-            </a:endParaRPr>
-          </a:p>
-          <a:p>
-            <a:pPr lvl="1">
-              <a:lnSpc>
-                <a:spcPct val="150000"/>
-              </a:lnSpc>
-            </a:pPr>
-            <a:r>
-              <a:rPr lang="en-US" altLang="ko-KR" sz="1600" b="0" i="0" dirty="0">
-                <a:solidFill>
-                  <a:srgbClr val="3C4043"/>
-                </a:solidFill>
-                <a:effectLst/>
-                <a:latin typeface="현대하모니 M" panose="02020603020101020101" pitchFamily="18" charset="-127"/>
-                <a:ea typeface="현대하모니 M" panose="02020603020101020101" pitchFamily="18" charset="-127"/>
-              </a:rPr>
-              <a:t>- Classification: Normal / Error</a:t>
-            </a:r>
-          </a:p>
-          <a:p>
-            <a:pPr>
-              <a:lnSpc>
-                <a:spcPct val="150000"/>
-              </a:lnSpc>
-            </a:pPr>
-            <a:r>
-              <a:rPr lang="en-US" altLang="ko-KR" dirty="0">
-                <a:solidFill>
-                  <a:srgbClr val="3C4043"/>
-                </a:solidFill>
-                <a:latin typeface="현대하모니 M" panose="02020603020101020101" pitchFamily="18" charset="-127"/>
-                <a:ea typeface="현대하모니 M" panose="02020603020101020101" pitchFamily="18" charset="-127"/>
-              </a:rPr>
-              <a:t>7) Data input</a:t>
-            </a:r>
-          </a:p>
-          <a:p>
-            <a:pPr lvl="1">
-              <a:lnSpc>
-                <a:spcPct val="150000"/>
-              </a:lnSpc>
-            </a:pPr>
-            <a:endParaRPr lang="en-US" altLang="ko-KR" b="0" i="0" dirty="0">
-              <a:solidFill>
-                <a:srgbClr val="3C4043"/>
-              </a:solidFill>
-              <a:effectLst/>
-              <a:latin typeface="현대하모니 M" panose="02020603020101020101" pitchFamily="18" charset="-127"/>
-              <a:ea typeface="현대하모니 M" panose="02020603020101020101" pitchFamily="18" charset="-127"/>
-            </a:endParaRPr>
-          </a:p>
-          <a:p>
-            <a:pPr marL="342900" indent="-342900">
-              <a:lnSpc>
-                <a:spcPct val="200000"/>
-              </a:lnSpc>
-              <a:buAutoNum type="arabicParenR"/>
-            </a:pPr>
-            <a:endParaRPr lang="en-US" altLang="ko-KR" dirty="0">
-              <a:latin typeface="현대하모니 M" panose="02020603020101020101" pitchFamily="18" charset="-127"/>
-              <a:ea typeface="현대하모니 M" panose="02020603020101020101" pitchFamily="18" charset="-127"/>
-            </a:endParaRPr>
-          </a:p>
-        </p:txBody>
-      </p:sp>
-      <p:graphicFrame>
-        <p:nvGraphicFramePr>
-          <p:cNvPr id="6" name="표 5">
-            <a:extLst>
-              <a:ext uri="{FF2B5EF4-FFF2-40B4-BE49-F238E27FC236}">
-                <a16:creationId xmlns:a16="http://schemas.microsoft.com/office/drawing/2014/main" id="{A55CCD3E-E4E8-50D9-4C66-D532594E0EBD}"/>
-              </a:ext>
-            </a:extLst>
-          </p:cNvPr>
-          <p:cNvGraphicFramePr>
-            <a:graphicFrameLocks noGrp="1"/>
-          </p:cNvGraphicFramePr>
-          <p:nvPr>
-            <p:extLst>
-              <p:ext uri="{D42A27DB-BD31-4B8C-83A1-F6EECF244321}">
-                <p14:modId xmlns:p14="http://schemas.microsoft.com/office/powerpoint/2010/main" val="1153619238"/>
-              </p:ext>
-            </p:extLst>
-          </p:nvPr>
-        </p:nvGraphicFramePr>
-        <p:xfrm>
-          <a:off x="6480629" y="3988951"/>
-          <a:ext cx="5107380" cy="2351011"/>
-        </p:xfrm>
-        <a:graphic>
-          <a:graphicData uri="http://schemas.openxmlformats.org/drawingml/2006/table">
-            <a:tbl>
-              <a:tblPr firstRow="1" bandRow="1">
-                <a:tableStyleId>{073A0DAA-6AF3-43AB-8588-CEC1D06C72B9}</a:tableStyleId>
-              </a:tblPr>
-              <a:tblGrid>
-                <a:gridCol w="705098">
-                  <a:extLst>
-                    <a:ext uri="{9D8B030D-6E8A-4147-A177-3AD203B41FA5}">
-                      <a16:colId xmlns:a16="http://schemas.microsoft.com/office/drawing/2014/main" val="3607311050"/>
-                    </a:ext>
-                  </a:extLst>
-                </a:gridCol>
-                <a:gridCol w="752560">
-                  <a:extLst>
-                    <a:ext uri="{9D8B030D-6E8A-4147-A177-3AD203B41FA5}">
-                      <a16:colId xmlns:a16="http://schemas.microsoft.com/office/drawing/2014/main" val="2014433970"/>
-                    </a:ext>
-                  </a:extLst>
-                </a:gridCol>
-                <a:gridCol w="3649722">
-                  <a:extLst>
-                    <a:ext uri="{9D8B030D-6E8A-4147-A177-3AD203B41FA5}">
-                      <a16:colId xmlns:a16="http://schemas.microsoft.com/office/drawing/2014/main" val="4066151339"/>
-                    </a:ext>
-                  </a:extLst>
-                </a:gridCol>
-              </a:tblGrid>
-              <a:tr h="279253">
-                <a:tc>
-                  <a:txBody>
-                    <a:bodyPr/>
-                    <a:lstStyle/>
-                    <a:p>
-                      <a:pPr latinLnBrk="1"/>
-                      <a:endParaRPr lang="ko-KR" altLang="en-US" sz="1000" dirty="0"/>
-                    </a:p>
-                  </a:txBody>
-                  <a:tcPr anchor="ctr"/>
-                </a:tc>
-                <a:tc>
-                  <a:txBody>
-                    <a:bodyPr/>
-                    <a:lstStyle/>
-                    <a:p>
-                      <a:pPr algn="ctr" latinLnBrk="1"/>
-                      <a:r>
-                        <a:rPr lang="en-US" altLang="ko-KR" sz="1000" dirty="0"/>
-                        <a:t>A</a:t>
-                      </a:r>
-                      <a:r>
-                        <a:rPr lang="tr-TR" altLang="ko-KR" sz="1000" dirty="0" err="1"/>
-                        <a:t>ttribute</a:t>
-                      </a:r>
-                      <a:endParaRPr lang="ko-KR" altLang="en-US" sz="1000" dirty="0"/>
-                    </a:p>
-                  </a:txBody>
-                  <a:tcPr anchor="ctr"/>
-                </a:tc>
-                <a:tc>
-                  <a:txBody>
-                    <a:bodyPr/>
-                    <a:lstStyle/>
-                    <a:p>
-                      <a:pPr algn="ctr" latinLnBrk="1"/>
-                      <a:r>
-                        <a:rPr lang="en-US" altLang="ko-KR" sz="1000" dirty="0"/>
-                        <a:t>Explain</a:t>
-                      </a:r>
-                      <a:endParaRPr lang="ko-KR" altLang="en-US" sz="1000" dirty="0"/>
-                    </a:p>
-                  </a:txBody>
-                  <a:tcPr anchor="ctr"/>
-                </a:tc>
-                <a:extLst>
-                  <a:ext uri="{0D108BD9-81ED-4DB2-BD59-A6C34878D82A}">
-                    <a16:rowId xmlns:a16="http://schemas.microsoft.com/office/drawing/2014/main" val="1586087738"/>
-                  </a:ext>
-                </a:extLst>
-              </a:tr>
-              <a:tr h="279253">
-                <a:tc rowSpan="5">
-                  <a:txBody>
-                    <a:bodyPr/>
-                    <a:lstStyle/>
-                    <a:p>
-                      <a:pPr algn="ctr"/>
-                      <a:r>
-                        <a:rPr lang="en-US" altLang="ko-KR" sz="1500" dirty="0"/>
-                        <a:t>Input</a:t>
-                      </a:r>
-                    </a:p>
-                  </a:txBody>
-                  <a:tcPr anchor="ctr"/>
-                </a:tc>
-                <a:tc>
-                  <a:txBody>
-                    <a:bodyPr/>
-                    <a:lstStyle/>
-                    <a:p>
-                      <a:pPr algn="ctr"/>
-                      <a:r>
-                        <a:rPr lang="en-US" altLang="ko-KR" sz="1000" b="1" dirty="0"/>
-                        <a:t>Index</a:t>
-                      </a:r>
-                      <a:endParaRPr lang="ko-KR" altLang="en-US" sz="1000" b="1" dirty="0"/>
-                    </a:p>
-                  </a:txBody>
-                  <a:tcPr anchor="ctr"/>
-                </a:tc>
-                <a:tc>
-                  <a:txBody>
-                    <a:bodyPr/>
-                    <a:lstStyle/>
-                    <a:p>
-                      <a:pPr algn="ctr" latinLnBrk="1"/>
-                      <a:r>
-                        <a:rPr lang="en-US" altLang="ko-KR" sz="1000" dirty="0"/>
-                        <a:t>Auto-generated value when collecting data</a:t>
-                      </a:r>
-                      <a:endParaRPr lang="ko-KR" altLang="en-US" sz="1000" dirty="0"/>
-                    </a:p>
-                  </a:txBody>
-                  <a:tcPr anchor="ctr"/>
-                </a:tc>
-                <a:extLst>
-                  <a:ext uri="{0D108BD9-81ED-4DB2-BD59-A6C34878D82A}">
-                    <a16:rowId xmlns:a16="http://schemas.microsoft.com/office/drawing/2014/main" val="872053038"/>
-                  </a:ext>
-                </a:extLst>
-              </a:tr>
-              <a:tr h="279253">
-                <a:tc vMerge="1">
-                  <a:txBody>
-                    <a:bodyPr/>
-                    <a:lstStyle/>
-                    <a:p>
-                      <a:endParaRPr lang="ko-KR" altLang="en-US" dirty="0"/>
-                    </a:p>
-                  </a:txBody>
-                  <a:tcPr/>
-                </a:tc>
-                <a:tc>
-                  <a:txBody>
-                    <a:bodyPr/>
-                    <a:lstStyle/>
-                    <a:p>
-                      <a:pPr algn="ctr"/>
-                      <a:r>
-                        <a:rPr lang="en-US" altLang="ko-KR" sz="1000" b="1" dirty="0"/>
-                        <a:t>Process</a:t>
-                      </a:r>
-                      <a:endParaRPr lang="ko-KR" altLang="en-US" sz="1000" b="1" dirty="0"/>
-                    </a:p>
-                  </a:txBody>
-                  <a:tcPr anchor="ctr"/>
-                </a:tc>
-                <a:tc>
-                  <a:txBody>
-                    <a:bodyPr/>
-                    <a:lstStyle/>
-                    <a:p>
-                      <a:pPr algn="ctr" latinLnBrk="1"/>
-                      <a:r>
-                        <a:rPr lang="en-US" altLang="ko-KR" sz="1000" dirty="0"/>
-                        <a:t>Tracking the process by assigning the same number to the same process</a:t>
-                      </a:r>
-                      <a:endParaRPr lang="ko-KR" altLang="en-US" sz="1000" dirty="0"/>
-                    </a:p>
-                  </a:txBody>
-                  <a:tcPr anchor="ctr"/>
-                </a:tc>
-                <a:extLst>
-                  <a:ext uri="{0D108BD9-81ED-4DB2-BD59-A6C34878D82A}">
-                    <a16:rowId xmlns:a16="http://schemas.microsoft.com/office/drawing/2014/main" val="1189415286"/>
-                  </a:ext>
-                </a:extLst>
-              </a:tr>
-              <a:tr h="279253">
-                <a:tc vMerge="1">
-                  <a:txBody>
-                    <a:bodyPr/>
-                    <a:lstStyle/>
-                    <a:p>
-                      <a:endParaRPr lang="ko-KR" altLang="en-US" dirty="0"/>
-                    </a:p>
-                  </a:txBody>
-                  <a:tcPr/>
-                </a:tc>
-                <a:tc>
-                  <a:txBody>
-                    <a:bodyPr/>
-                    <a:lstStyle/>
-                    <a:p>
-                      <a:pPr algn="ctr"/>
-                      <a:r>
-                        <a:rPr lang="en-US" altLang="ko-KR" sz="1000" b="1" dirty="0"/>
-                        <a:t>Time</a:t>
-                      </a:r>
-                      <a:endParaRPr lang="ko-KR" altLang="en-US" sz="1000" b="1" dirty="0"/>
-                    </a:p>
-                  </a:txBody>
-                  <a:tcPr anchor="ctr"/>
-                </a:tc>
-                <a:tc>
-                  <a:txBody>
-                    <a:bodyPr/>
-                    <a:lstStyle/>
-                    <a:p>
-                      <a:pPr algn="ctr" latinLnBrk="1"/>
-                      <a:r>
-                        <a:rPr lang="en-US" altLang="ko-KR" sz="1000" dirty="0"/>
-                        <a:t>Recording time down to seconds in the format (H:MM:SS)</a:t>
-                      </a:r>
-                      <a:endParaRPr lang="ko-KR" altLang="en-US" sz="1000" dirty="0"/>
-                    </a:p>
-                  </a:txBody>
-                  <a:tcPr anchor="ctr"/>
-                </a:tc>
-                <a:extLst>
-                  <a:ext uri="{0D108BD9-81ED-4DB2-BD59-A6C34878D82A}">
-                    <a16:rowId xmlns:a16="http://schemas.microsoft.com/office/drawing/2014/main" val="1728917744"/>
-                  </a:ext>
-                </a:extLst>
-              </a:tr>
-              <a:tr h="279253">
-                <a:tc vMerge="1">
-                  <a:txBody>
-                    <a:bodyPr/>
-                    <a:lstStyle/>
-                    <a:p>
-                      <a:endParaRPr lang="ko-KR" altLang="en-US" dirty="0"/>
-                    </a:p>
-                  </a:txBody>
-                  <a:tcPr/>
-                </a:tc>
-                <a:tc>
-                  <a:txBody>
-                    <a:bodyPr/>
-                    <a:lstStyle/>
-                    <a:p>
-                      <a:pPr algn="ctr"/>
-                      <a:r>
-                        <a:rPr lang="en-US" altLang="ko-KR" sz="1000" b="1" dirty="0"/>
-                        <a:t>Temp</a:t>
-                      </a:r>
-                      <a:endParaRPr lang="ko-KR" altLang="en-US" sz="1000" b="1" dirty="0"/>
-                    </a:p>
-                  </a:txBody>
-                  <a:tcPr anchor="ctr"/>
-                </a:tc>
-                <a:tc>
-                  <a:txBody>
-                    <a:bodyPr/>
-                    <a:lstStyle/>
-                    <a:p>
-                      <a:pPr algn="ctr" latinLnBrk="1"/>
-                      <a:r>
-                        <a:rPr lang="en-US" altLang="ko-KR" sz="1000" dirty="0"/>
-                        <a:t>Temperature within the hot-air drying system</a:t>
-                      </a:r>
-                      <a:endParaRPr lang="ko-KR" altLang="en-US" sz="1000" dirty="0"/>
-                    </a:p>
-                  </a:txBody>
-                  <a:tcPr anchor="ctr"/>
-                </a:tc>
-                <a:extLst>
-                  <a:ext uri="{0D108BD9-81ED-4DB2-BD59-A6C34878D82A}">
-                    <a16:rowId xmlns:a16="http://schemas.microsoft.com/office/drawing/2014/main" val="3530598928"/>
-                  </a:ext>
-                </a:extLst>
-              </a:tr>
-              <a:tr h="279253">
-                <a:tc vMerge="1">
-                  <a:txBody>
-                    <a:bodyPr/>
-                    <a:lstStyle/>
-                    <a:p>
-                      <a:endParaRPr lang="ko-KR" altLang="en-US" dirty="0"/>
-                    </a:p>
-                  </a:txBody>
-                  <a:tcPr/>
-                </a:tc>
-                <a:tc>
-                  <a:txBody>
-                    <a:bodyPr/>
-                    <a:lstStyle/>
-                    <a:p>
-                      <a:pPr algn="ctr"/>
-                      <a:r>
-                        <a:rPr lang="en-US" altLang="ko-KR" sz="1000" b="1" dirty="0"/>
-                        <a:t>Current</a:t>
-                      </a:r>
-                      <a:endParaRPr lang="ko-KR" altLang="en-US" sz="1000" b="1" dirty="0"/>
-                    </a:p>
-                  </a:txBody>
-                  <a:tcPr anchor="ctr"/>
-                </a:tc>
-                <a:tc>
-                  <a:txBody>
-                    <a:bodyPr/>
-                    <a:lstStyle/>
-                    <a:p>
-                      <a:pPr algn="ctr" latinLnBrk="1"/>
-                      <a:r>
-                        <a:rPr lang="en-US" altLang="ko-KR" sz="1000" dirty="0"/>
-                        <a:t>Current within the hot-air drying system</a:t>
-                      </a:r>
-                      <a:endParaRPr lang="ko-KR" altLang="en-US" sz="1000" dirty="0"/>
-                    </a:p>
-                  </a:txBody>
-                  <a:tcPr anchor="ctr"/>
-                </a:tc>
-                <a:extLst>
-                  <a:ext uri="{0D108BD9-81ED-4DB2-BD59-A6C34878D82A}">
-                    <a16:rowId xmlns:a16="http://schemas.microsoft.com/office/drawing/2014/main" val="4219557642"/>
-                  </a:ext>
-                </a:extLst>
-              </a:tr>
-              <a:tr h="558506">
-                <a:tc>
-                  <a:txBody>
-                    <a:bodyPr/>
-                    <a:lstStyle/>
-                    <a:p>
-                      <a:pPr algn="ctr"/>
-                      <a:r>
-                        <a:rPr lang="en-US" altLang="ko-KR" sz="1500" dirty="0"/>
-                        <a:t>Error</a:t>
-                      </a:r>
-                      <a:endParaRPr lang="ko-KR" altLang="en-US" sz="1500" dirty="0"/>
-                    </a:p>
-                  </a:txBody>
-                  <a:tcPr anchor="ctr"/>
-                </a:tc>
-                <a:tc>
-                  <a:txBody>
-                    <a:bodyPr/>
-                    <a:lstStyle/>
-                    <a:p>
-                      <a:pPr algn="ctr" latinLnBrk="1"/>
-                      <a:r>
-                        <a:rPr lang="en-US" altLang="ko-KR" sz="1000" b="1" dirty="0"/>
-                        <a:t>1-11</a:t>
-                      </a:r>
-                      <a:endParaRPr lang="ko-KR" altLang="en-US" sz="1000" b="1" dirty="0"/>
-                    </a:p>
-                  </a:txBody>
-                  <a:tcPr anchor="ctr"/>
-                </a:tc>
-                <a:tc>
-                  <a:txBody>
-                    <a:bodyPr/>
-                    <a:lstStyle/>
-                    <a:p>
-                      <a:pPr algn="ctr" latinLnBrk="1"/>
-                      <a:r>
-                        <a:rPr lang="en-US" altLang="ko-KR" sz="1000" dirty="0"/>
-                        <a:t>Error Number</a:t>
-                      </a:r>
-                      <a:endParaRPr lang="ko-KR" altLang="en-US" sz="1000" dirty="0"/>
-                    </a:p>
-                  </a:txBody>
-                  <a:tcPr anchor="ctr"/>
-                </a:tc>
-                <a:extLst>
-                  <a:ext uri="{0D108BD9-81ED-4DB2-BD59-A6C34878D82A}">
-                    <a16:rowId xmlns:a16="http://schemas.microsoft.com/office/drawing/2014/main" val="912042180"/>
-                  </a:ext>
-                </a:extLst>
-              </a:tr>
-            </a:tbl>
-          </a:graphicData>
-        </a:graphic>
-      </p:graphicFrame>
-      <p:pic>
-        <p:nvPicPr>
-          <p:cNvPr id="9" name="그림 8">
-            <a:extLst>
-              <a:ext uri="{FF2B5EF4-FFF2-40B4-BE49-F238E27FC236}">
-                <a16:creationId xmlns:a16="http://schemas.microsoft.com/office/drawing/2014/main" id="{4F5BB114-1491-5FEE-E1AE-F5228E21EC58}"/>
+                <a16:creationId xmlns:a16="http://schemas.microsoft.com/office/drawing/2014/main" id="{1911B7DD-AABD-6A58-13D7-E5ED12CDA1A7}"/>
               </a:ext>
             </a:extLst>
           </p:cNvPr>
@@ -7080,68 +5968,25 @@
           <p:nvPr/>
         </p:nvPicPr>
         <p:blipFill>
-          <a:blip r:embed="rId4"/>
-          <a:srcRect t="17417" b="-1881"/>
-          <a:stretch/>
+          <a:blip r:embed="rId2"/>
+          <a:stretch>
+            <a:fillRect/>
+          </a:stretch>
         </p:blipFill>
         <p:spPr>
           <a:xfrm>
-            <a:off x="1071149" y="5392687"/>
-            <a:ext cx="5409480" cy="810639"/>
+            <a:off x="1187398" y="1112029"/>
+            <a:ext cx="2074871" cy="5020074"/>
           </a:xfrm>
           <a:prstGeom prst="rect">
             <a:avLst/>
           </a:prstGeom>
         </p:spPr>
       </p:pic>
-      <p:cxnSp>
-        <p:nvCxnSpPr>
-          <p:cNvPr id="11" name="직선 화살표 연결선 10">
-            <a:extLst>
-              <a:ext uri="{FF2B5EF4-FFF2-40B4-BE49-F238E27FC236}">
-                <a16:creationId xmlns:a16="http://schemas.microsoft.com/office/drawing/2014/main" id="{02BCF48B-8383-9EC0-4F28-A5BD0EA70025}"/>
-              </a:ext>
-            </a:extLst>
-          </p:cNvPr>
-          <p:cNvCxnSpPr>
-            <a:cxnSpLocks/>
-          </p:cNvCxnSpPr>
-          <p:nvPr/>
-        </p:nvCxnSpPr>
-        <p:spPr>
-          <a:xfrm flipH="1">
-            <a:off x="4209143" y="4787548"/>
-            <a:ext cx="3072396" cy="706109"/>
-          </a:xfrm>
-          <a:prstGeom prst="straightConnector1">
-            <a:avLst/>
-          </a:prstGeom>
-          <a:ln w="28575">
-            <a:solidFill>
-              <a:srgbClr val="FF0000"/>
-            </a:solidFill>
-            <a:tailEnd type="triangle"/>
-          </a:ln>
-        </p:spPr>
-        <p:style>
-          <a:lnRef idx="1">
-            <a:schemeClr val="accent1"/>
-          </a:lnRef>
-          <a:fillRef idx="0">
-            <a:schemeClr val="accent1"/>
-          </a:fillRef>
-          <a:effectRef idx="0">
-            <a:schemeClr val="accent1"/>
-          </a:effectRef>
-          <a:fontRef idx="minor">
-            <a:schemeClr val="tx1"/>
-          </a:fontRef>
-        </p:style>
-      </p:cxnSp>
     </p:spTree>
     <p:extLst>
       <p:ext uri="{BB962C8B-B14F-4D97-AF65-F5344CB8AC3E}">
-        <p14:creationId xmlns:p14="http://schemas.microsoft.com/office/powerpoint/2010/main" val="2792939944"/>
+        <p14:creationId xmlns:p14="http://schemas.microsoft.com/office/powerpoint/2010/main" val="3157950101"/>
       </p:ext>
     </p:extLst>
   </p:cSld>
@@ -7201,7 +6046,7 @@
                 <a:latin typeface="현대하모니 M" panose="02020603020101020101" pitchFamily="18" charset="-127"/>
                 <a:ea typeface="현대하모니 M" panose="02020603020101020101" pitchFamily="18" charset="-127"/>
               </a:rPr>
-              <a:t>4.  Method</a:t>
+              <a:t>4. Expected outcome</a:t>
             </a:r>
             <a:endParaRPr lang="ko-KR" altLang="en-US" sz="3500" dirty="0">
               <a:latin typeface="현대하모니 M" panose="02020603020101020101" pitchFamily="18" charset="-127"/>
@@ -7232,242 +6077,130 @@
           <a:lstStyle/>
           <a:p>
             <a:fld id="{AE31E8F2-D7DA-47AE-9DAA-01B65DE22032}" type="slidenum">
-              <a:rPr lang="ko-KR" altLang="en-US" smtClean="0">
-                <a:latin typeface="현대하모니 M" panose="02020603020101020101" pitchFamily="18" charset="-127"/>
-                <a:ea typeface="현대하모니 M" panose="02020603020101020101" pitchFamily="18" charset="-127"/>
-              </a:rPr>
+              <a:rPr lang="ko-KR" altLang="en-US" smtClean="0"/>
               <a:t>5</a:t>
             </a:fld>
-            <a:endParaRPr lang="ko-KR" altLang="en-US">
-              <a:latin typeface="현대하모니 M" panose="02020603020101020101" pitchFamily="18" charset="-127"/>
-              <a:ea typeface="현대하모니 M" panose="02020603020101020101" pitchFamily="18" charset="-127"/>
-            </a:endParaRPr>
-          </a:p>
-        </p:txBody>
-      </p:sp>
-      <p:sp>
-        <p:nvSpPr>
-          <p:cNvPr id="8" name="Rectangle 3">
+            <a:endParaRPr lang="ko-KR" altLang="en-US"/>
+          </a:p>
+        </p:txBody>
+      </p:sp>
+      <p:sp>
+        <p:nvSpPr>
+          <p:cNvPr id="3" name="TextBox 2">
             <a:extLst>
               <a:ext uri="{FF2B5EF4-FFF2-40B4-BE49-F238E27FC236}">
-                <a16:creationId xmlns:a16="http://schemas.microsoft.com/office/drawing/2014/main" id="{FBD22289-1EC9-0517-0945-2F6AE56C73D2}"/>
+                <a16:creationId xmlns:a16="http://schemas.microsoft.com/office/drawing/2014/main" id="{5C3A75CD-0A71-05D4-F8FD-10E05D1B293D}"/>
               </a:ext>
             </a:extLst>
           </p:cNvPr>
-          <p:cNvSpPr>
-            <a:spLocks noChangeArrowheads="1"/>
-          </p:cNvSpPr>
+          <p:cNvSpPr txBox="1"/>
           <p:nvPr/>
         </p:nvSpPr>
-        <p:spPr bwMode="auto">
+        <p:spPr>
           <a:xfrm>
-            <a:off x="781051" y="2796420"/>
-            <a:ext cx="7248088" cy="615553"/>
+            <a:off x="432970" y="1035399"/>
+            <a:ext cx="11332849" cy="2763129"/>
           </a:xfrm>
           <a:prstGeom prst="rect">
             <a:avLst/>
           </a:prstGeom>
           <a:noFill/>
-          <a:ln>
-            <a:noFill/>
-          </a:ln>
-          <a:effectLst/>
-          <a:extLst>
-            <a:ext uri="{909E8E84-426E-40DD-AFC4-6F175D3DCCD1}">
-              <a14:hiddenFill xmlns:a14="http://schemas.microsoft.com/office/drawing/2010/main">
-                <a:solidFill>
-                  <a:schemeClr val="accent1"/>
-                </a:solidFill>
-              </a14:hiddenFill>
-            </a:ext>
-            <a:ext uri="{91240B29-F687-4F45-9708-019B960494DF}">
-              <a14:hiddenLine xmlns:a14="http://schemas.microsoft.com/office/drawing/2010/main" w="9525">
-                <a:solidFill>
-                  <a:schemeClr val="tx1"/>
-                </a:solidFill>
-                <a:miter lim="800000"/>
-                <a:headEnd/>
-                <a:tailEnd/>
-              </a14:hiddenLine>
-            </a:ext>
-            <a:ext uri="{AF507438-7753-43E0-B8FC-AC1667EBCBE1}">
-              <a14:hiddenEffects xmlns:a14="http://schemas.microsoft.com/office/drawing/2010/main">
-                <a:effectLst>
-                  <a:outerShdw dist="35921" dir="2700000" algn="ctr" rotWithShape="0">
-                    <a:schemeClr val="bg2"/>
-                  </a:outerShdw>
-                </a:effectLst>
-              </a14:hiddenEffects>
-            </a:ext>
-          </a:extLst>
         </p:spPr>
         <p:txBody>
-          <a:bodyPr vert="horz" wrap="square" lIns="91440" tIns="45720" rIns="91440" bIns="45720" numCol="1" anchor="ctr" anchorCtr="0" compatLnSpc="1">
-            <a:prstTxWarp prst="textNoShape">
-              <a:avLst/>
-            </a:prstTxWarp>
+          <a:bodyPr wrap="square" lIns="91440" tIns="45720" rIns="91440" bIns="45720" rtlCol="0" anchor="t">
             <a:spAutoFit/>
           </a:bodyPr>
-          <a:lstStyle>
-            <a:lvl1pPr eaLnBrk="0" fontAlgn="base" hangingPunct="0">
-              <a:spcBef>
-                <a:spcPct val="0"/>
-              </a:spcBef>
-              <a:spcAft>
-                <a:spcPct val="0"/>
-              </a:spcAft>
-              <a:defRPr>
-                <a:solidFill>
-                  <a:schemeClr val="tx1"/>
-                </a:solidFill>
-                <a:latin typeface="Arial" panose="020B0604020202020204" pitchFamily="34" charset="0"/>
-              </a:defRPr>
-            </a:lvl1pPr>
-            <a:lvl2pPr eaLnBrk="0" fontAlgn="base" hangingPunct="0">
-              <a:spcBef>
-                <a:spcPct val="0"/>
-              </a:spcBef>
-              <a:spcAft>
-                <a:spcPct val="0"/>
-              </a:spcAft>
-              <a:defRPr>
-                <a:solidFill>
-                  <a:schemeClr val="tx1"/>
-                </a:solidFill>
-                <a:latin typeface="Arial" panose="020B0604020202020204" pitchFamily="34" charset="0"/>
-              </a:defRPr>
-            </a:lvl2pPr>
-            <a:lvl3pPr eaLnBrk="0" fontAlgn="base" hangingPunct="0">
-              <a:spcBef>
-                <a:spcPct val="0"/>
-              </a:spcBef>
-              <a:spcAft>
-                <a:spcPct val="0"/>
-              </a:spcAft>
-              <a:defRPr>
-                <a:solidFill>
-                  <a:schemeClr val="tx1"/>
-                </a:solidFill>
-                <a:latin typeface="Arial" panose="020B0604020202020204" pitchFamily="34" charset="0"/>
-              </a:defRPr>
-            </a:lvl3pPr>
-            <a:lvl4pPr eaLnBrk="0" fontAlgn="base" hangingPunct="0">
-              <a:spcBef>
-                <a:spcPct val="0"/>
-              </a:spcBef>
-              <a:spcAft>
-                <a:spcPct val="0"/>
-              </a:spcAft>
-              <a:defRPr>
-                <a:solidFill>
-                  <a:schemeClr val="tx1"/>
-                </a:solidFill>
-                <a:latin typeface="Arial" panose="020B0604020202020204" pitchFamily="34" charset="0"/>
-              </a:defRPr>
-            </a:lvl4pPr>
-            <a:lvl5pPr eaLnBrk="0" fontAlgn="base" hangingPunct="0">
-              <a:spcBef>
-                <a:spcPct val="0"/>
-              </a:spcBef>
-              <a:spcAft>
-                <a:spcPct val="0"/>
-              </a:spcAft>
-              <a:defRPr>
-                <a:solidFill>
-                  <a:schemeClr val="tx1"/>
-                </a:solidFill>
-                <a:latin typeface="Arial" panose="020B0604020202020204" pitchFamily="34" charset="0"/>
-              </a:defRPr>
-            </a:lvl5pPr>
-            <a:lvl6pPr eaLnBrk="0" fontAlgn="base" hangingPunct="0">
-              <a:spcBef>
-                <a:spcPct val="0"/>
-              </a:spcBef>
-              <a:spcAft>
-                <a:spcPct val="0"/>
-              </a:spcAft>
-              <a:defRPr>
-                <a:solidFill>
-                  <a:schemeClr val="tx1"/>
-                </a:solidFill>
-                <a:latin typeface="Arial" panose="020B0604020202020204" pitchFamily="34" charset="0"/>
-              </a:defRPr>
-            </a:lvl6pPr>
-            <a:lvl7pPr eaLnBrk="0" fontAlgn="base" hangingPunct="0">
-              <a:spcBef>
-                <a:spcPct val="0"/>
-              </a:spcBef>
-              <a:spcAft>
-                <a:spcPct val="0"/>
-              </a:spcAft>
-              <a:defRPr>
-                <a:solidFill>
-                  <a:schemeClr val="tx1"/>
-                </a:solidFill>
-                <a:latin typeface="Arial" panose="020B0604020202020204" pitchFamily="34" charset="0"/>
-              </a:defRPr>
-            </a:lvl7pPr>
-            <a:lvl8pPr eaLnBrk="0" fontAlgn="base" hangingPunct="0">
-              <a:spcBef>
-                <a:spcPct val="0"/>
-              </a:spcBef>
-              <a:spcAft>
-                <a:spcPct val="0"/>
-              </a:spcAft>
-              <a:defRPr>
-                <a:solidFill>
-                  <a:schemeClr val="tx1"/>
-                </a:solidFill>
-                <a:latin typeface="Arial" panose="020B0604020202020204" pitchFamily="34" charset="0"/>
-              </a:defRPr>
-            </a:lvl8pPr>
-            <a:lvl9pPr eaLnBrk="0" fontAlgn="base" hangingPunct="0">
-              <a:spcBef>
-                <a:spcPct val="0"/>
-              </a:spcBef>
-              <a:spcAft>
-                <a:spcPct val="0"/>
-              </a:spcAft>
-              <a:defRPr>
-                <a:solidFill>
-                  <a:schemeClr val="tx1"/>
-                </a:solidFill>
-                <a:latin typeface="Arial" panose="020B0604020202020204" pitchFamily="34" charset="0"/>
-              </a:defRPr>
-            </a:lvl9pPr>
-          </a:lstStyle>
-          <a:p>
-            <a:pPr marL="0" marR="0" lvl="0" indent="0" algn="l" defTabSz="914400" rtl="0" eaLnBrk="0" fontAlgn="base" latinLnBrk="0" hangingPunct="0">
+          <a:lstStyle/>
+          <a:p>
+            <a:pPr marL="342900" indent="-342900">
               <a:lnSpc>
-                <a:spcPct val="100000"/>
+                <a:spcPct val="200000"/>
               </a:lnSpc>
-              <a:spcBef>
-                <a:spcPct val="0"/>
-              </a:spcBef>
-              <a:spcAft>
-                <a:spcPct val="0"/>
-              </a:spcAft>
-              <a:buClrTx/>
-              <a:buSzTx/>
-              <a:buFontTx/>
-              <a:buNone/>
-              <a:tabLst/>
+              <a:buAutoNum type="arabicParenR"/>
             </a:pPr>
             <a:r>
-              <a:rPr kumimoji="0" lang="ko-KR" altLang="ko-KR" sz="1700" b="0" i="0" u="none" strike="noStrike" cap="none" normalizeH="0" baseline="0">
-                <a:ln>
-                  <a:noFill/>
-                </a:ln>
+              <a:rPr lang="en-US" altLang="ko-KR" dirty="0">
                 <a:solidFill>
                   <a:srgbClr val="000000"/>
                 </a:solidFill>
-                <a:effectLst/>
                 <a:latin typeface="현대하모니 M" panose="02020603020101020101" pitchFamily="18" charset="-127"/>
                 <a:ea typeface="현대하모니 M" panose="02020603020101020101" pitchFamily="18" charset="-127"/>
               </a:rPr>
-              <a:t> </a:t>
-            </a:r>
-            <a:endParaRPr kumimoji="0" lang="ko-KR" altLang="ko-KR" sz="1700" b="0" i="0" u="none" strike="noStrike" cap="none" normalizeH="0" baseline="0">
+              <a:t>Users can set up the game as they want and play </a:t>
+            </a:r>
+            <a:r>
+              <a:rPr lang="en-US" altLang="ko-KR" dirty="0" err="1">
+                <a:solidFill>
+                  <a:srgbClr val="000000"/>
+                </a:solidFill>
+                <a:latin typeface="현대하모니 M" panose="02020603020101020101" pitchFamily="18" charset="-127"/>
+                <a:ea typeface="현대하모니 M" panose="02020603020101020101" pitchFamily="18" charset="-127"/>
+              </a:rPr>
+              <a:t>Gomoku</a:t>
+            </a:r>
+            <a:endParaRPr lang="en-US" altLang="ko-KR" dirty="0">
+              <a:solidFill>
+                <a:srgbClr val="000000"/>
+              </a:solidFill>
+              <a:latin typeface="현대하모니 M" panose="02020603020101020101" pitchFamily="18" charset="-127"/>
+              <a:ea typeface="현대하모니 M" panose="02020603020101020101" pitchFamily="18" charset="-127"/>
+            </a:endParaRPr>
+          </a:p>
+          <a:p>
+            <a:pPr marL="342900" indent="-342900">
+              <a:lnSpc>
+                <a:spcPct val="200000"/>
+              </a:lnSpc>
+              <a:buAutoNum type="arabicParenR"/>
+            </a:pPr>
+            <a:r>
+              <a:rPr lang="en-US" altLang="ko-KR" dirty="0">
+                <a:solidFill>
+                  <a:srgbClr val="000000"/>
+                </a:solidFill>
+                <a:latin typeface="현대하모니 M" panose="02020603020101020101" pitchFamily="18" charset="-127"/>
+                <a:ea typeface="현대하모니 M" panose="02020603020101020101" pitchFamily="18" charset="-127"/>
+              </a:rPr>
+              <a:t>They can choose difficulty levels and set the order for initial settings.</a:t>
+            </a:r>
+          </a:p>
+          <a:p>
+            <a:pPr marL="342900" indent="-342900">
+              <a:lnSpc>
+                <a:spcPct val="200000"/>
+              </a:lnSpc>
+              <a:buAutoNum type="arabicParenR"/>
+            </a:pPr>
+            <a:r>
+              <a:rPr lang="en-US" altLang="ko-KR" dirty="0">
+                <a:solidFill>
+                  <a:srgbClr val="000000"/>
+                </a:solidFill>
+                <a:latin typeface="현대하모니 M" panose="02020603020101020101" pitchFamily="18" charset="-127"/>
+                <a:ea typeface="현대하모니 M" panose="02020603020101020101" pitchFamily="18" charset="-127"/>
+              </a:rPr>
+              <a:t>The user's face is recognized to check their match record against the Al</a:t>
+            </a:r>
+          </a:p>
+          <a:p>
+            <a:pPr marL="342900" indent="-342900">
+              <a:lnSpc>
+                <a:spcPct val="200000"/>
+              </a:lnSpc>
+              <a:buFontTx/>
+              <a:buAutoNum type="arabicParenR"/>
+            </a:pPr>
+            <a:r>
+              <a:rPr lang="en-US" altLang="ko-KR" dirty="0">
+                <a:solidFill>
+                  <a:srgbClr val="000000"/>
+                </a:solidFill>
+                <a:latin typeface="현대하모니 M" panose="02020603020101020101" pitchFamily="18" charset="-127"/>
+                <a:ea typeface="현대하모니 M" panose="02020603020101020101" pitchFamily="18" charset="-127"/>
+              </a:rPr>
+              <a:t>Each game's record is saved in the user data storage.</a:t>
+            </a:r>
+            <a:endParaRPr kumimoji="0" lang="ko-KR" altLang="ko-KR" sz="1800" b="0" i="0" u="none" strike="noStrike" cap="none" normalizeH="0" baseline="0" dirty="0">
               <a:ln>
                 <a:noFill/>
               </a:ln>
@@ -7480,752 +6213,23 @@
             </a:endParaRPr>
           </a:p>
           <a:p>
-            <a:pPr marL="0" marR="0" lvl="0" indent="0" algn="l" defTabSz="914400" rtl="0" eaLnBrk="0" fontAlgn="base" latinLnBrk="0" hangingPunct="0">
+            <a:pPr marL="342900" indent="-342900">
               <a:lnSpc>
-                <a:spcPct val="100000"/>
+                <a:spcPct val="200000"/>
               </a:lnSpc>
-              <a:spcBef>
-                <a:spcPct val="0"/>
-              </a:spcBef>
-              <a:spcAft>
-                <a:spcPct val="0"/>
-              </a:spcAft>
-              <a:buClrTx/>
-              <a:buSzTx/>
-              <a:buFontTx/>
-              <a:buNone/>
-              <a:tabLst/>
+              <a:buAutoNum type="arabicParenR"/>
             </a:pPr>
-            <a:endParaRPr kumimoji="0" lang="ko-KR" altLang="ko-KR" sz="1700" b="0" i="0" u="none" strike="noStrike" cap="none" normalizeH="0" baseline="0">
-              <a:ln>
-                <a:noFill/>
-              </a:ln>
-              <a:solidFill>
-                <a:schemeClr val="tx1"/>
-              </a:solidFill>
-              <a:effectLst/>
+            <a:endParaRPr lang="en-US" altLang="ko-KR" b="1" dirty="0">
               <a:latin typeface="현대하모니 M" panose="02020603020101020101" pitchFamily="18" charset="-127"/>
               <a:ea typeface="현대하모니 M" panose="02020603020101020101" pitchFamily="18" charset="-127"/>
             </a:endParaRPr>
           </a:p>
         </p:txBody>
       </p:sp>
-      <p:sp>
-        <p:nvSpPr>
-          <p:cNvPr id="5" name="사각형: 둥근 모서리 4">
-            <a:extLst>
-              <a:ext uri="{FF2B5EF4-FFF2-40B4-BE49-F238E27FC236}">
-                <a16:creationId xmlns:a16="http://schemas.microsoft.com/office/drawing/2014/main" id="{502D6939-A6B5-F5FA-B6D5-E2BD714798AC}"/>
-              </a:ext>
-            </a:extLst>
-          </p:cNvPr>
-          <p:cNvSpPr/>
-          <p:nvPr/>
-        </p:nvSpPr>
-        <p:spPr>
-          <a:xfrm>
-            <a:off x="1717049" y="1742311"/>
-            <a:ext cx="2103929" cy="1092425"/>
-          </a:xfrm>
-          <a:prstGeom prst="roundRect">
-            <a:avLst/>
-          </a:prstGeom>
-          <a:noFill/>
-          <a:ln>
-            <a:solidFill>
-              <a:schemeClr val="tx1"/>
-            </a:solidFill>
-          </a:ln>
-        </p:spPr>
-        <p:style>
-          <a:lnRef idx="2">
-            <a:schemeClr val="accent1">
-              <a:shade val="50000"/>
-            </a:schemeClr>
-          </a:lnRef>
-          <a:fillRef idx="1">
-            <a:schemeClr val="accent1"/>
-          </a:fillRef>
-          <a:effectRef idx="0">
-            <a:schemeClr val="accent1"/>
-          </a:effectRef>
-          <a:fontRef idx="minor">
-            <a:schemeClr val="lt1"/>
-          </a:fontRef>
-        </p:style>
-        <p:txBody>
-          <a:bodyPr rtlCol="0" anchor="ctr"/>
-          <a:lstStyle/>
-          <a:p>
-            <a:pPr algn="ctr"/>
-            <a:r>
-              <a:rPr lang="en-US" altLang="ko-KR" sz="1700" dirty="0">
-                <a:solidFill>
-                  <a:schemeClr val="tx1"/>
-                </a:solidFill>
-                <a:latin typeface="현대하모니 M" panose="02020603020101020101" pitchFamily="18" charset="-127"/>
-                <a:ea typeface="현대하모니 M" panose="02020603020101020101" pitchFamily="18" charset="-127"/>
-              </a:rPr>
-              <a:t>Data Preprocessing</a:t>
-            </a:r>
-          </a:p>
-        </p:txBody>
-      </p:sp>
-      <p:sp>
-        <p:nvSpPr>
-          <p:cNvPr id="7" name="사각형: 둥근 모서리 6">
-            <a:extLst>
-              <a:ext uri="{FF2B5EF4-FFF2-40B4-BE49-F238E27FC236}">
-                <a16:creationId xmlns:a16="http://schemas.microsoft.com/office/drawing/2014/main" id="{7F35FB2E-FC57-B4FB-6535-170AD9FC97D6}"/>
-              </a:ext>
-            </a:extLst>
-          </p:cNvPr>
-          <p:cNvSpPr/>
-          <p:nvPr/>
-        </p:nvSpPr>
-        <p:spPr>
-          <a:xfrm>
-            <a:off x="5094835" y="1720854"/>
-            <a:ext cx="2103929" cy="1092425"/>
-          </a:xfrm>
-          <a:prstGeom prst="roundRect">
-            <a:avLst/>
-          </a:prstGeom>
-          <a:noFill/>
-          <a:ln>
-            <a:solidFill>
-              <a:schemeClr val="tx1"/>
-            </a:solidFill>
-          </a:ln>
-        </p:spPr>
-        <p:style>
-          <a:lnRef idx="2">
-            <a:schemeClr val="accent1">
-              <a:shade val="50000"/>
-            </a:schemeClr>
-          </a:lnRef>
-          <a:fillRef idx="1">
-            <a:schemeClr val="accent1"/>
-          </a:fillRef>
-          <a:effectRef idx="0">
-            <a:schemeClr val="accent1"/>
-          </a:effectRef>
-          <a:fontRef idx="minor">
-            <a:schemeClr val="lt1"/>
-          </a:fontRef>
-        </p:style>
-        <p:txBody>
-          <a:bodyPr rtlCol="0" anchor="ctr"/>
-          <a:lstStyle/>
-          <a:p>
-            <a:pPr algn="ctr"/>
-            <a:r>
-              <a:rPr lang="en-US" altLang="ko-KR" sz="1700" dirty="0">
-                <a:solidFill>
-                  <a:schemeClr val="tx1"/>
-                </a:solidFill>
-                <a:latin typeface="현대하모니 M" panose="02020603020101020101" pitchFamily="18" charset="-127"/>
-                <a:ea typeface="현대하모니 M" panose="02020603020101020101" pitchFamily="18" charset="-127"/>
-                <a:cs typeface="Calibri" panose="020F0502020204030204" pitchFamily="34" charset="0"/>
-              </a:rPr>
-              <a:t>Feature Extraction and Analysis</a:t>
-            </a:r>
-          </a:p>
-        </p:txBody>
-      </p:sp>
-      <p:sp>
-        <p:nvSpPr>
-          <p:cNvPr id="9" name="사각형: 둥근 모서리 8">
-            <a:extLst>
-              <a:ext uri="{FF2B5EF4-FFF2-40B4-BE49-F238E27FC236}">
-                <a16:creationId xmlns:a16="http://schemas.microsoft.com/office/drawing/2014/main" id="{92D7FD62-77C7-AD15-58FE-0F29FA5177FB}"/>
-              </a:ext>
-            </a:extLst>
-          </p:cNvPr>
-          <p:cNvSpPr/>
-          <p:nvPr/>
-        </p:nvSpPr>
-        <p:spPr>
-          <a:xfrm>
-            <a:off x="8435067" y="1742311"/>
-            <a:ext cx="2103929" cy="1092425"/>
-          </a:xfrm>
-          <a:prstGeom prst="roundRect">
-            <a:avLst/>
-          </a:prstGeom>
-          <a:noFill/>
-          <a:ln>
-            <a:solidFill>
-              <a:schemeClr val="tx1"/>
-            </a:solidFill>
-          </a:ln>
-        </p:spPr>
-        <p:style>
-          <a:lnRef idx="2">
-            <a:schemeClr val="accent1">
-              <a:shade val="50000"/>
-            </a:schemeClr>
-          </a:lnRef>
-          <a:fillRef idx="1">
-            <a:schemeClr val="accent1"/>
-          </a:fillRef>
-          <a:effectRef idx="0">
-            <a:schemeClr val="accent1"/>
-          </a:effectRef>
-          <a:fontRef idx="minor">
-            <a:schemeClr val="lt1"/>
-          </a:fontRef>
-        </p:style>
-        <p:txBody>
-          <a:bodyPr rtlCol="0" anchor="ctr"/>
-          <a:lstStyle/>
-          <a:p>
-            <a:pPr algn="ctr"/>
-            <a:r>
-              <a:rPr lang="en-US" altLang="ko-KR" sz="1700" dirty="0">
-                <a:solidFill>
-                  <a:schemeClr val="tx1"/>
-                </a:solidFill>
-                <a:latin typeface="현대하모니 M" panose="02020603020101020101" pitchFamily="18" charset="-127"/>
-                <a:ea typeface="현대하모니 M" panose="02020603020101020101" pitchFamily="18" charset="-127"/>
-              </a:rPr>
-              <a:t>Feature Selection</a:t>
-            </a:r>
-            <a:br>
-              <a:rPr lang="en-US" altLang="ko-KR" sz="1700" dirty="0">
-                <a:solidFill>
-                  <a:schemeClr val="tx1"/>
-                </a:solidFill>
-                <a:latin typeface="현대하모니 M" panose="02020603020101020101" pitchFamily="18" charset="-127"/>
-                <a:ea typeface="현대하모니 M" panose="02020603020101020101" pitchFamily="18" charset="-127"/>
-              </a:rPr>
-            </a:br>
-            <a:r>
-              <a:rPr lang="en-US" altLang="ko-KR" sz="1700" dirty="0">
-                <a:solidFill>
-                  <a:schemeClr val="tx1"/>
-                </a:solidFill>
-                <a:latin typeface="현대하모니 M" panose="02020603020101020101" pitchFamily="18" charset="-127"/>
-                <a:ea typeface="현대하모니 M" panose="02020603020101020101" pitchFamily="18" charset="-127"/>
-              </a:rPr>
-              <a:t>/Reduction</a:t>
-            </a:r>
-          </a:p>
-        </p:txBody>
-      </p:sp>
-      <p:sp>
-        <p:nvSpPr>
-          <p:cNvPr id="10" name="사각형: 둥근 모서리 9">
-            <a:extLst>
-              <a:ext uri="{FF2B5EF4-FFF2-40B4-BE49-F238E27FC236}">
-                <a16:creationId xmlns:a16="http://schemas.microsoft.com/office/drawing/2014/main" id="{7472504E-AB93-A1F3-72AF-C7B854EDCE42}"/>
-              </a:ext>
-            </a:extLst>
-          </p:cNvPr>
-          <p:cNvSpPr/>
-          <p:nvPr/>
-        </p:nvSpPr>
-        <p:spPr>
-          <a:xfrm>
-            <a:off x="8437912" y="4293278"/>
-            <a:ext cx="2103929" cy="1092425"/>
-          </a:xfrm>
-          <a:prstGeom prst="roundRect">
-            <a:avLst/>
-          </a:prstGeom>
-          <a:noFill/>
-          <a:ln>
-            <a:solidFill>
-              <a:schemeClr val="tx1"/>
-            </a:solidFill>
-          </a:ln>
-        </p:spPr>
-        <p:style>
-          <a:lnRef idx="2">
-            <a:schemeClr val="accent1">
-              <a:shade val="50000"/>
-            </a:schemeClr>
-          </a:lnRef>
-          <a:fillRef idx="1">
-            <a:schemeClr val="accent1"/>
-          </a:fillRef>
-          <a:effectRef idx="0">
-            <a:schemeClr val="accent1"/>
-          </a:effectRef>
-          <a:fontRef idx="minor">
-            <a:schemeClr val="lt1"/>
-          </a:fontRef>
-        </p:style>
-        <p:txBody>
-          <a:bodyPr rtlCol="0" anchor="ctr"/>
-          <a:lstStyle/>
-          <a:p>
-            <a:pPr algn="ctr"/>
-            <a:r>
-              <a:rPr lang="en-US" altLang="ko-KR" sz="1700" dirty="0">
-                <a:solidFill>
-                  <a:schemeClr val="tx1"/>
-                </a:solidFill>
-                <a:latin typeface="현대하모니 M" panose="02020603020101020101" pitchFamily="18" charset="-127"/>
-                <a:ea typeface="현대하모니 M" panose="02020603020101020101" pitchFamily="18" charset="-127"/>
-              </a:rPr>
-              <a:t>Fault monitoring and warning</a:t>
-            </a:r>
-            <a:endParaRPr lang="ko-KR" altLang="en-US" sz="1700" dirty="0">
-              <a:solidFill>
-                <a:schemeClr val="tx1"/>
-              </a:solidFill>
-              <a:latin typeface="현대하모니 M" panose="02020603020101020101" pitchFamily="18" charset="-127"/>
-              <a:ea typeface="현대하모니 M" panose="02020603020101020101" pitchFamily="18" charset="-127"/>
-            </a:endParaRPr>
-          </a:p>
-        </p:txBody>
-      </p:sp>
-      <p:sp>
-        <p:nvSpPr>
-          <p:cNvPr id="14" name="사각형: 둥근 모서리 13">
-            <a:extLst>
-              <a:ext uri="{FF2B5EF4-FFF2-40B4-BE49-F238E27FC236}">
-                <a16:creationId xmlns:a16="http://schemas.microsoft.com/office/drawing/2014/main" id="{9F75324B-7A8A-1C1D-26EB-D3B076E5DB7C}"/>
-              </a:ext>
-            </a:extLst>
-          </p:cNvPr>
-          <p:cNvSpPr/>
-          <p:nvPr/>
-        </p:nvSpPr>
-        <p:spPr>
-          <a:xfrm>
-            <a:off x="1737325" y="4293278"/>
-            <a:ext cx="2103929" cy="1092425"/>
-          </a:xfrm>
-          <a:prstGeom prst="roundRect">
-            <a:avLst/>
-          </a:prstGeom>
-          <a:noFill/>
-          <a:ln>
-            <a:solidFill>
-              <a:schemeClr val="tx1"/>
-            </a:solidFill>
-          </a:ln>
-        </p:spPr>
-        <p:style>
-          <a:lnRef idx="2">
-            <a:schemeClr val="accent1">
-              <a:shade val="50000"/>
-            </a:schemeClr>
-          </a:lnRef>
-          <a:fillRef idx="1">
-            <a:schemeClr val="accent1"/>
-          </a:fillRef>
-          <a:effectRef idx="0">
-            <a:schemeClr val="accent1"/>
-          </a:effectRef>
-          <a:fontRef idx="minor">
-            <a:schemeClr val="lt1"/>
-          </a:fontRef>
-        </p:style>
-        <p:txBody>
-          <a:bodyPr rtlCol="0" anchor="ctr"/>
-          <a:lstStyle/>
-          <a:p>
-            <a:pPr algn="ctr"/>
-            <a:r>
-              <a:rPr lang="en-US" altLang="ko-KR" sz="1700" dirty="0">
-                <a:solidFill>
-                  <a:schemeClr val="tx1"/>
-                </a:solidFill>
-                <a:latin typeface="현대하모니 M" panose="02020603020101020101" pitchFamily="18" charset="-127"/>
-                <a:ea typeface="현대하모니 M" panose="02020603020101020101" pitchFamily="18" charset="-127"/>
-              </a:rPr>
-              <a:t>Discussion &amp; Conclusion</a:t>
-            </a:r>
-            <a:endParaRPr lang="ko-KR" altLang="en-US" sz="1700" dirty="0">
-              <a:solidFill>
-                <a:schemeClr val="tx1"/>
-              </a:solidFill>
-              <a:latin typeface="현대하모니 M" panose="02020603020101020101" pitchFamily="18" charset="-127"/>
-              <a:ea typeface="현대하모니 M" panose="02020603020101020101" pitchFamily="18" charset="-127"/>
-            </a:endParaRPr>
-          </a:p>
-        </p:txBody>
-      </p:sp>
-      <p:sp>
-        <p:nvSpPr>
-          <p:cNvPr id="15" name="사각형: 둥근 모서리 14">
-            <a:extLst>
-              <a:ext uri="{FF2B5EF4-FFF2-40B4-BE49-F238E27FC236}">
-                <a16:creationId xmlns:a16="http://schemas.microsoft.com/office/drawing/2014/main" id="{631907B6-14B8-6D17-0C29-500B914C90B7}"/>
-              </a:ext>
-            </a:extLst>
-          </p:cNvPr>
-          <p:cNvSpPr/>
-          <p:nvPr/>
-        </p:nvSpPr>
-        <p:spPr>
-          <a:xfrm>
-            <a:off x="5161767" y="4293278"/>
-            <a:ext cx="2103929" cy="1092425"/>
-          </a:xfrm>
-          <a:prstGeom prst="roundRect">
-            <a:avLst/>
-          </a:prstGeom>
-          <a:noFill/>
-          <a:ln>
-            <a:solidFill>
-              <a:schemeClr val="tx1"/>
-            </a:solidFill>
-          </a:ln>
-        </p:spPr>
-        <p:style>
-          <a:lnRef idx="2">
-            <a:schemeClr val="accent1">
-              <a:shade val="50000"/>
-            </a:schemeClr>
-          </a:lnRef>
-          <a:fillRef idx="1">
-            <a:schemeClr val="accent1"/>
-          </a:fillRef>
-          <a:effectRef idx="0">
-            <a:schemeClr val="accent1"/>
-          </a:effectRef>
-          <a:fontRef idx="minor">
-            <a:schemeClr val="lt1"/>
-          </a:fontRef>
-        </p:style>
-        <p:txBody>
-          <a:bodyPr rtlCol="0" anchor="ctr"/>
-          <a:lstStyle/>
-          <a:p>
-            <a:pPr algn="ctr"/>
-            <a:r>
-              <a:rPr lang="en-US" altLang="ko-KR" sz="1700" dirty="0">
-                <a:solidFill>
-                  <a:schemeClr val="tx1"/>
-                </a:solidFill>
-                <a:latin typeface="현대하모니 M" panose="02020603020101020101" pitchFamily="18" charset="-127"/>
-                <a:ea typeface="현대하모니 M" panose="02020603020101020101" pitchFamily="18" charset="-127"/>
-              </a:rPr>
-              <a:t>RUL Estimation</a:t>
-            </a:r>
-            <a:endParaRPr lang="ko-KR" altLang="en-US" sz="1700" dirty="0">
-              <a:solidFill>
-                <a:schemeClr val="tx1"/>
-              </a:solidFill>
-              <a:latin typeface="현대하모니 M" panose="02020603020101020101" pitchFamily="18" charset="-127"/>
-              <a:ea typeface="현대하모니 M" panose="02020603020101020101" pitchFamily="18" charset="-127"/>
-            </a:endParaRPr>
-          </a:p>
-        </p:txBody>
-      </p:sp>
-      <p:sp>
-        <p:nvSpPr>
-          <p:cNvPr id="16" name="화살표: 오른쪽 15">
-            <a:extLst>
-              <a:ext uri="{FF2B5EF4-FFF2-40B4-BE49-F238E27FC236}">
-                <a16:creationId xmlns:a16="http://schemas.microsoft.com/office/drawing/2014/main" id="{E5AF0375-644F-7FEF-F356-976CB5BB22F4}"/>
-              </a:ext>
-            </a:extLst>
-          </p:cNvPr>
-          <p:cNvSpPr/>
-          <p:nvPr/>
-        </p:nvSpPr>
-        <p:spPr>
-          <a:xfrm>
-            <a:off x="4245502" y="2153777"/>
-            <a:ext cx="420786" cy="226577"/>
-          </a:xfrm>
-          <a:prstGeom prst="rightArrow">
-            <a:avLst/>
-          </a:prstGeom>
-          <a:solidFill>
-            <a:schemeClr val="accent1">
-              <a:lumMod val="60000"/>
-              <a:lumOff val="40000"/>
-            </a:schemeClr>
-          </a:solidFill>
-          <a:ln>
-            <a:noFill/>
-          </a:ln>
-        </p:spPr>
-        <p:style>
-          <a:lnRef idx="2">
-            <a:schemeClr val="accent1">
-              <a:shade val="50000"/>
-            </a:schemeClr>
-          </a:lnRef>
-          <a:fillRef idx="1">
-            <a:schemeClr val="accent1"/>
-          </a:fillRef>
-          <a:effectRef idx="0">
-            <a:schemeClr val="accent1"/>
-          </a:effectRef>
-          <a:fontRef idx="minor">
-            <a:schemeClr val="lt1"/>
-          </a:fontRef>
-        </p:style>
-        <p:txBody>
-          <a:bodyPr rtlCol="0" anchor="ctr"/>
-          <a:lstStyle/>
-          <a:p>
-            <a:pPr algn="ctr"/>
-            <a:endParaRPr lang="ko-KR" altLang="en-US" sz="1700" dirty="0">
-              <a:solidFill>
-                <a:schemeClr val="tx1"/>
-              </a:solidFill>
-              <a:latin typeface="현대하모니 M" panose="02020603020101020101" pitchFamily="18" charset="-127"/>
-              <a:ea typeface="현대하모니 M" panose="02020603020101020101" pitchFamily="18" charset="-127"/>
-            </a:endParaRPr>
-          </a:p>
-        </p:txBody>
-      </p:sp>
-      <p:sp>
-        <p:nvSpPr>
-          <p:cNvPr id="17" name="화살표: 오른쪽 16">
-            <a:extLst>
-              <a:ext uri="{FF2B5EF4-FFF2-40B4-BE49-F238E27FC236}">
-                <a16:creationId xmlns:a16="http://schemas.microsoft.com/office/drawing/2014/main" id="{CFE9EEF3-A037-CAA5-DA4E-723F40D2A40E}"/>
-              </a:ext>
-            </a:extLst>
-          </p:cNvPr>
-          <p:cNvSpPr/>
-          <p:nvPr/>
-        </p:nvSpPr>
-        <p:spPr>
-          <a:xfrm>
-            <a:off x="7659153" y="2174483"/>
-            <a:ext cx="420786" cy="226577"/>
-          </a:xfrm>
-          <a:prstGeom prst="rightArrow">
-            <a:avLst/>
-          </a:prstGeom>
-          <a:solidFill>
-            <a:schemeClr val="accent1">
-              <a:lumMod val="60000"/>
-              <a:lumOff val="40000"/>
-            </a:schemeClr>
-          </a:solidFill>
-          <a:ln>
-            <a:noFill/>
-          </a:ln>
-        </p:spPr>
-        <p:style>
-          <a:lnRef idx="2">
-            <a:schemeClr val="accent1">
-              <a:shade val="50000"/>
-            </a:schemeClr>
-          </a:lnRef>
-          <a:fillRef idx="1">
-            <a:schemeClr val="accent1"/>
-          </a:fillRef>
-          <a:effectRef idx="0">
-            <a:schemeClr val="accent1"/>
-          </a:effectRef>
-          <a:fontRef idx="minor">
-            <a:schemeClr val="lt1"/>
-          </a:fontRef>
-        </p:style>
-        <p:txBody>
-          <a:bodyPr rtlCol="0" anchor="ctr"/>
-          <a:lstStyle/>
-          <a:p>
-            <a:pPr algn="ctr"/>
-            <a:endParaRPr lang="ko-KR" altLang="en-US" sz="1700" dirty="0">
-              <a:solidFill>
-                <a:schemeClr val="tx1"/>
-              </a:solidFill>
-              <a:latin typeface="현대하모니 M" panose="02020603020101020101" pitchFamily="18" charset="-127"/>
-              <a:ea typeface="현대하모니 M" panose="02020603020101020101" pitchFamily="18" charset="-127"/>
-            </a:endParaRPr>
-          </a:p>
-        </p:txBody>
-      </p:sp>
-      <p:sp>
-        <p:nvSpPr>
-          <p:cNvPr id="18" name="화살표: 오른쪽 17">
-            <a:extLst>
-              <a:ext uri="{FF2B5EF4-FFF2-40B4-BE49-F238E27FC236}">
-                <a16:creationId xmlns:a16="http://schemas.microsoft.com/office/drawing/2014/main" id="{C16BE785-75D8-02A3-44FD-2A1548CE6592}"/>
-              </a:ext>
-            </a:extLst>
-          </p:cNvPr>
-          <p:cNvSpPr/>
-          <p:nvPr/>
-        </p:nvSpPr>
-        <p:spPr>
-          <a:xfrm rot="10800000">
-            <a:off x="7641411" y="4723747"/>
-            <a:ext cx="420786" cy="226577"/>
-          </a:xfrm>
-          <a:prstGeom prst="rightArrow">
-            <a:avLst/>
-          </a:prstGeom>
-          <a:solidFill>
-            <a:schemeClr val="accent1">
-              <a:lumMod val="60000"/>
-              <a:lumOff val="40000"/>
-            </a:schemeClr>
-          </a:solidFill>
-          <a:ln>
-            <a:noFill/>
-          </a:ln>
-        </p:spPr>
-        <p:style>
-          <a:lnRef idx="2">
-            <a:schemeClr val="accent1">
-              <a:shade val="50000"/>
-            </a:schemeClr>
-          </a:lnRef>
-          <a:fillRef idx="1">
-            <a:schemeClr val="accent1"/>
-          </a:fillRef>
-          <a:effectRef idx="0">
-            <a:schemeClr val="accent1"/>
-          </a:effectRef>
-          <a:fontRef idx="minor">
-            <a:schemeClr val="lt1"/>
-          </a:fontRef>
-        </p:style>
-        <p:txBody>
-          <a:bodyPr rtlCol="0" anchor="ctr"/>
-          <a:lstStyle/>
-          <a:p>
-            <a:pPr algn="ctr"/>
-            <a:endParaRPr lang="ko-KR" altLang="en-US" sz="1700" dirty="0">
-              <a:solidFill>
-                <a:schemeClr val="tx1"/>
-              </a:solidFill>
-              <a:latin typeface="현대하모니 M" panose="02020603020101020101" pitchFamily="18" charset="-127"/>
-              <a:ea typeface="현대하모니 M" panose="02020603020101020101" pitchFamily="18" charset="-127"/>
-            </a:endParaRPr>
-          </a:p>
-        </p:txBody>
-      </p:sp>
-      <p:sp>
-        <p:nvSpPr>
-          <p:cNvPr id="19" name="화살표: 오른쪽 18">
-            <a:extLst>
-              <a:ext uri="{FF2B5EF4-FFF2-40B4-BE49-F238E27FC236}">
-                <a16:creationId xmlns:a16="http://schemas.microsoft.com/office/drawing/2014/main" id="{D5BEB4BB-4A44-29B5-7864-27AEE6923A70}"/>
-              </a:ext>
-            </a:extLst>
-          </p:cNvPr>
-          <p:cNvSpPr/>
-          <p:nvPr/>
-        </p:nvSpPr>
-        <p:spPr>
-          <a:xfrm rot="10800000">
-            <a:off x="4291117" y="4723747"/>
-            <a:ext cx="420786" cy="226577"/>
-          </a:xfrm>
-          <a:prstGeom prst="rightArrow">
-            <a:avLst/>
-          </a:prstGeom>
-          <a:solidFill>
-            <a:schemeClr val="accent1">
-              <a:lumMod val="60000"/>
-              <a:lumOff val="40000"/>
-            </a:schemeClr>
-          </a:solidFill>
-          <a:ln>
-            <a:noFill/>
-          </a:ln>
-        </p:spPr>
-        <p:style>
-          <a:lnRef idx="2">
-            <a:schemeClr val="accent1">
-              <a:shade val="50000"/>
-            </a:schemeClr>
-          </a:lnRef>
-          <a:fillRef idx="1">
-            <a:schemeClr val="accent1"/>
-          </a:fillRef>
-          <a:effectRef idx="0">
-            <a:schemeClr val="accent1"/>
-          </a:effectRef>
-          <a:fontRef idx="minor">
-            <a:schemeClr val="lt1"/>
-          </a:fontRef>
-        </p:style>
-        <p:txBody>
-          <a:bodyPr rtlCol="0" anchor="ctr"/>
-          <a:lstStyle/>
-          <a:p>
-            <a:pPr algn="ctr"/>
-            <a:endParaRPr lang="ko-KR" altLang="en-US" sz="1700" dirty="0">
-              <a:solidFill>
-                <a:schemeClr val="tx1"/>
-              </a:solidFill>
-              <a:latin typeface="현대하모니 M" panose="02020603020101020101" pitchFamily="18" charset="-127"/>
-              <a:ea typeface="현대하모니 M" panose="02020603020101020101" pitchFamily="18" charset="-127"/>
-            </a:endParaRPr>
-          </a:p>
-        </p:txBody>
-      </p:sp>
-      <p:sp>
-        <p:nvSpPr>
-          <p:cNvPr id="20" name="화살표: 오른쪽 19">
-            <a:extLst>
-              <a:ext uri="{FF2B5EF4-FFF2-40B4-BE49-F238E27FC236}">
-                <a16:creationId xmlns:a16="http://schemas.microsoft.com/office/drawing/2014/main" id="{ADFDE2B4-0914-46FD-2D60-C7D24CC2B3B0}"/>
-              </a:ext>
-            </a:extLst>
-          </p:cNvPr>
-          <p:cNvSpPr/>
-          <p:nvPr/>
-        </p:nvSpPr>
-        <p:spPr>
-          <a:xfrm rot="5400000">
-            <a:off x="9276637" y="3605248"/>
-            <a:ext cx="420786" cy="226577"/>
-          </a:xfrm>
-          <a:prstGeom prst="rightArrow">
-            <a:avLst/>
-          </a:prstGeom>
-          <a:solidFill>
-            <a:schemeClr val="accent1">
-              <a:lumMod val="60000"/>
-              <a:lumOff val="40000"/>
-            </a:schemeClr>
-          </a:solidFill>
-          <a:ln>
-            <a:noFill/>
-          </a:ln>
-        </p:spPr>
-        <p:style>
-          <a:lnRef idx="2">
-            <a:schemeClr val="accent1">
-              <a:shade val="50000"/>
-            </a:schemeClr>
-          </a:lnRef>
-          <a:fillRef idx="1">
-            <a:schemeClr val="accent1"/>
-          </a:fillRef>
-          <a:effectRef idx="0">
-            <a:schemeClr val="accent1"/>
-          </a:effectRef>
-          <a:fontRef idx="minor">
-            <a:schemeClr val="lt1"/>
-          </a:fontRef>
-        </p:style>
-        <p:txBody>
-          <a:bodyPr rtlCol="0" anchor="ctr"/>
-          <a:lstStyle/>
-          <a:p>
-            <a:pPr algn="ctr"/>
-            <a:endParaRPr lang="ko-KR" altLang="en-US" sz="1700" dirty="0">
-              <a:solidFill>
-                <a:schemeClr val="tx1"/>
-              </a:solidFill>
-              <a:latin typeface="현대하모니 M" panose="02020603020101020101" pitchFamily="18" charset="-127"/>
-              <a:ea typeface="현대하모니 M" panose="02020603020101020101" pitchFamily="18" charset="-127"/>
-            </a:endParaRPr>
-          </a:p>
-        </p:txBody>
-      </p:sp>
     </p:spTree>
     <p:extLst>
       <p:ext uri="{BB962C8B-B14F-4D97-AF65-F5344CB8AC3E}">
-        <p14:creationId xmlns:p14="http://schemas.microsoft.com/office/powerpoint/2010/main" val="3157950101"/>
+        <p14:creationId xmlns:p14="http://schemas.microsoft.com/office/powerpoint/2010/main" val="54952034"/>
       </p:ext>
     </p:extLst>
   </p:cSld>
@@ -8285,7 +6289,7 @@
                 <a:latin typeface="현대하모니 M" panose="02020603020101020101" pitchFamily="18" charset="-127"/>
                 <a:ea typeface="현대하모니 M" panose="02020603020101020101" pitchFamily="18" charset="-127"/>
               </a:rPr>
-              <a:t>5. Expected outcome</a:t>
+              <a:t>5. Schedule</a:t>
             </a:r>
             <a:endParaRPr lang="ko-KR" altLang="en-US" sz="3500" dirty="0">
               <a:latin typeface="현대하모니 M" panose="02020603020101020101" pitchFamily="18" charset="-127"/>
@@ -8586,252 +6590,12 @@
           </a:p>
         </p:txBody>
       </p:sp>
-      <p:sp>
-        <p:nvSpPr>
-          <p:cNvPr id="3" name="TextBox 2">
+      <p:pic>
+        <p:nvPicPr>
+          <p:cNvPr id="6" name="그림 5">
             <a:extLst>
               <a:ext uri="{FF2B5EF4-FFF2-40B4-BE49-F238E27FC236}">
-                <a16:creationId xmlns:a16="http://schemas.microsoft.com/office/drawing/2014/main" id="{C3E9B662-9523-AA03-D543-9CC32E436FDA}"/>
-              </a:ext>
-            </a:extLst>
-          </p:cNvPr>
-          <p:cNvSpPr txBox="1"/>
-          <p:nvPr/>
-        </p:nvSpPr>
-        <p:spPr>
-          <a:xfrm>
-            <a:off x="432969" y="1302100"/>
-            <a:ext cx="10977980" cy="3264483"/>
-          </a:xfrm>
-          <a:prstGeom prst="rect">
-            <a:avLst/>
-          </a:prstGeom>
-          <a:noFill/>
-        </p:spPr>
-        <p:txBody>
-          <a:bodyPr wrap="square" rtlCol="0">
-            <a:spAutoFit/>
-          </a:bodyPr>
-          <a:lstStyle/>
-          <a:p>
-            <a:pPr marL="342900" indent="-342900">
-              <a:lnSpc>
-                <a:spcPct val="150000"/>
-              </a:lnSpc>
-              <a:buAutoNum type="arabicParenR"/>
-            </a:pPr>
-            <a:r>
-              <a:rPr lang="en-US" altLang="ko-KR" sz="2000" dirty="0">
-                <a:latin typeface="현대하모니 M" panose="02020603020101020101" pitchFamily="18" charset="-127"/>
-                <a:ea typeface="현대하모니 M" panose="02020603020101020101" pitchFamily="18" charset="-127"/>
-              </a:rPr>
-              <a:t>The process is used in various fields.</a:t>
-            </a:r>
-            <a:br>
-              <a:rPr lang="en-US" altLang="ko-KR" sz="2000" dirty="0">
-                <a:latin typeface="현대하모니 M" panose="02020603020101020101" pitchFamily="18" charset="-127"/>
-                <a:ea typeface="현대하모니 M" panose="02020603020101020101" pitchFamily="18" charset="-127"/>
-              </a:rPr>
-            </a:br>
-            <a:r>
-              <a:rPr lang="en-US" altLang="ko-KR" sz="2000" dirty="0">
-                <a:latin typeface="현대하모니 M" panose="02020603020101020101" pitchFamily="18" charset="-127"/>
-                <a:ea typeface="현대하모니 M" panose="02020603020101020101" pitchFamily="18" charset="-127"/>
-              </a:rPr>
-              <a:t>(e.g. electronic component coating, automotive paint processes, and ceramic processes) </a:t>
-            </a:r>
-            <a:br>
-              <a:rPr lang="en-US" altLang="ko-KR" sz="2000" dirty="0">
-                <a:latin typeface="현대하모니 M" panose="02020603020101020101" pitchFamily="18" charset="-127"/>
-                <a:ea typeface="현대하모니 M" panose="02020603020101020101" pitchFamily="18" charset="-127"/>
-              </a:rPr>
-            </a:br>
-            <a:r>
-              <a:rPr lang="en-US" altLang="ko-KR" sz="2000" dirty="0">
-                <a:latin typeface="현대하모니 M" panose="02020603020101020101" pitchFamily="18" charset="-127"/>
-                <a:ea typeface="현대하모니 M" panose="02020603020101020101" pitchFamily="18" charset="-127"/>
-              </a:rPr>
-              <a:t>Applying model to hot-air process may prevent product damages caused by coil failures.</a:t>
-            </a:r>
-          </a:p>
-          <a:p>
-            <a:pPr marL="342900" indent="-342900">
-              <a:lnSpc>
-                <a:spcPct val="150000"/>
-              </a:lnSpc>
-              <a:buAutoNum type="arabicParenR"/>
-            </a:pPr>
-            <a:endParaRPr lang="en-US" altLang="ko-KR" sz="2000" dirty="0">
-              <a:latin typeface="현대하모니 M" panose="02020603020101020101" pitchFamily="18" charset="-127"/>
-              <a:ea typeface="현대하모니 M" panose="02020603020101020101" pitchFamily="18" charset="-127"/>
-            </a:endParaRPr>
-          </a:p>
-          <a:p>
-            <a:pPr marL="342900" indent="-342900">
-              <a:lnSpc>
-                <a:spcPct val="150000"/>
-              </a:lnSpc>
-              <a:buAutoNum type="arabicParenR"/>
-            </a:pPr>
-            <a:r>
-              <a:rPr lang="en-US" altLang="ko-KR" sz="2000" b="1" dirty="0">
-                <a:latin typeface="현대하모니 M" panose="02020603020101020101" pitchFamily="18" charset="-127"/>
-                <a:ea typeface="현대하모니 M" panose="02020603020101020101" pitchFamily="18" charset="-127"/>
-              </a:rPr>
-              <a:t>Before</a:t>
-            </a:r>
-            <a:r>
-              <a:rPr lang="en-US" altLang="ko-KR" sz="2000" dirty="0">
-                <a:latin typeface="현대하모니 M" panose="02020603020101020101" pitchFamily="18" charset="-127"/>
-                <a:ea typeface="현대하모니 M" panose="02020603020101020101" pitchFamily="18" charset="-127"/>
-              </a:rPr>
-              <a:t>: Difficulty on immediate problem check of coil defects on-site on real-time base. </a:t>
-            </a:r>
-            <a:br>
-              <a:rPr lang="en-US" altLang="ko-KR" sz="2000" dirty="0">
-                <a:latin typeface="현대하모니 M" panose="02020603020101020101" pitchFamily="18" charset="-127"/>
-                <a:ea typeface="현대하모니 M" panose="02020603020101020101" pitchFamily="18" charset="-127"/>
-              </a:rPr>
-            </a:br>
-            <a:r>
-              <a:rPr lang="en-US" altLang="ko-KR" sz="2000" b="1" dirty="0">
-                <a:latin typeface="현대하모니 M" panose="02020603020101020101" pitchFamily="18" charset="-127"/>
-                <a:ea typeface="현대하모니 M" panose="02020603020101020101" pitchFamily="18" charset="-127"/>
-              </a:rPr>
-              <a:t>After</a:t>
-            </a:r>
-            <a:r>
-              <a:rPr lang="en-US" altLang="ko-KR" sz="2000" dirty="0">
-                <a:latin typeface="현대하모니 M" panose="02020603020101020101" pitchFamily="18" charset="-127"/>
-                <a:ea typeface="현대하모니 M" panose="02020603020101020101" pitchFamily="18" charset="-127"/>
-              </a:rPr>
-              <a:t>: Respond quickly to equipment fault </a:t>
-            </a:r>
-            <a:r>
-              <a:rPr lang="en-US" altLang="ko-KR" sz="2000" dirty="0">
-                <a:latin typeface="현대하모니 M" panose="02020603020101020101" pitchFamily="18" charset="-127"/>
-                <a:ea typeface="현대하모니 M" panose="02020603020101020101" pitchFamily="18" charset="-127"/>
-                <a:sym typeface="Wingdings" panose="05000000000000000000" pitchFamily="2" charset="2"/>
-              </a:rPr>
-              <a:t> B</a:t>
-            </a:r>
-            <a:r>
-              <a:rPr lang="en-US" altLang="ko-KR" sz="2000" dirty="0">
-                <a:latin typeface="현대하모니 M" panose="02020603020101020101" pitchFamily="18" charset="-127"/>
-                <a:ea typeface="현대하모니 M" panose="02020603020101020101" pitchFamily="18" charset="-127"/>
-              </a:rPr>
-              <a:t>enefits on equipment management and productivity.</a:t>
-            </a:r>
-          </a:p>
-        </p:txBody>
-      </p:sp>
-    </p:spTree>
-    <p:extLst>
-      <p:ext uri="{BB962C8B-B14F-4D97-AF65-F5344CB8AC3E}">
-        <p14:creationId xmlns:p14="http://schemas.microsoft.com/office/powerpoint/2010/main" val="54952034"/>
-      </p:ext>
-    </p:extLst>
-  </p:cSld>
-  <p:clrMapOvr>
-    <a:masterClrMapping/>
-  </p:clrMapOvr>
-</p:sld>
-</file>
-
-<file path=ppt/slides/slide7.xml><?xml version="1.0" encoding="utf-8"?>
-<p:sld xmlns:a="http://schemas.openxmlformats.org/drawingml/2006/main" xmlns:r="http://schemas.openxmlformats.org/officeDocument/2006/relationships" xmlns:p="http://schemas.openxmlformats.org/presentationml/2006/main">
-  <p:cSld>
-    <p:spTree>
-      <p:nvGrpSpPr>
-        <p:cNvPr id="1" name=""/>
-        <p:cNvGrpSpPr/>
-        <p:nvPr/>
-      </p:nvGrpSpPr>
-      <p:grpSpPr>
-        <a:xfrm>
-          <a:off x="0" y="0"/>
-          <a:ext cx="0" cy="0"/>
-          <a:chOff x="0" y="0"/>
-          <a:chExt cx="0" cy="0"/>
-        </a:xfrm>
-      </p:grpSpPr>
-      <p:sp>
-        <p:nvSpPr>
-          <p:cNvPr id="2" name="제목 1">
-            <a:extLst>
-              <a:ext uri="{FF2B5EF4-FFF2-40B4-BE49-F238E27FC236}">
-                <a16:creationId xmlns:a16="http://schemas.microsoft.com/office/drawing/2014/main" id="{1E3E4199-C89F-9C40-25AB-439C57EAD37E}"/>
-              </a:ext>
-            </a:extLst>
-          </p:cNvPr>
-          <p:cNvSpPr>
-            <a:spLocks noGrp="1"/>
-          </p:cNvSpPr>
-          <p:nvPr>
-            <p:ph type="title"/>
-          </p:nvPr>
-        </p:nvSpPr>
-        <p:spPr>
-          <a:xfrm>
-            <a:off x="432970" y="356235"/>
-            <a:ext cx="9794387" cy="531548"/>
-          </a:xfrm>
-        </p:spPr>
-        <p:txBody>
-          <a:bodyPr>
-            <a:noAutofit/>
-          </a:bodyPr>
-          <a:lstStyle/>
-          <a:p>
-            <a:r>
-              <a:rPr lang="en-US" altLang="ko-KR" sz="3500" dirty="0">
-                <a:latin typeface="현대하모니 M" panose="02020603020101020101" pitchFamily="18" charset="-127"/>
-                <a:ea typeface="현대하모니 M" panose="02020603020101020101" pitchFamily="18" charset="-127"/>
-              </a:rPr>
-              <a:t>6. Paper Review</a:t>
-            </a:r>
-            <a:endParaRPr lang="ko-KR" altLang="en-US" sz="3500" dirty="0">
-              <a:latin typeface="현대하모니 M" panose="02020603020101020101" pitchFamily="18" charset="-127"/>
-              <a:ea typeface="현대하모니 M" panose="02020603020101020101" pitchFamily="18" charset="-127"/>
-            </a:endParaRPr>
-          </a:p>
-        </p:txBody>
-      </p:sp>
-      <p:sp>
-        <p:nvSpPr>
-          <p:cNvPr id="4" name="슬라이드 번호 개체 틀 3">
-            <a:extLst>
-              <a:ext uri="{FF2B5EF4-FFF2-40B4-BE49-F238E27FC236}">
-                <a16:creationId xmlns:a16="http://schemas.microsoft.com/office/drawing/2014/main" id="{4781724D-A41D-D4D6-9404-A8DA6D5FC8FF}"/>
-              </a:ext>
-            </a:extLst>
-          </p:cNvPr>
-          <p:cNvSpPr>
-            <a:spLocks noGrp="1"/>
-          </p:cNvSpPr>
-          <p:nvPr>
-            <p:ph type="sldNum" sz="quarter" idx="12"/>
-          </p:nvPr>
-        </p:nvSpPr>
-        <p:spPr/>
-        <p:txBody>
-          <a:bodyPr/>
-          <a:lstStyle/>
-          <a:p>
-            <a:fld id="{AE31E8F2-D7DA-47AE-9DAA-01B65DE22032}" type="slidenum">
-              <a:rPr lang="ko-KR" altLang="en-US" smtClean="0"/>
-              <a:t>7</a:t>
-            </a:fld>
-            <a:endParaRPr lang="ko-KR" altLang="en-US"/>
-          </a:p>
-        </p:txBody>
-      </p:sp>
-      <p:pic>
-        <p:nvPicPr>
-          <p:cNvPr id="3" name="그림 2">
-            <a:extLst>
-              <a:ext uri="{FF2B5EF4-FFF2-40B4-BE49-F238E27FC236}">
-                <a16:creationId xmlns:a16="http://schemas.microsoft.com/office/drawing/2014/main" id="{E3F8CBD5-A009-C322-49E5-BA711CFE742D}"/>
+                <a16:creationId xmlns:a16="http://schemas.microsoft.com/office/drawing/2014/main" id="{73764389-7A8E-E4F4-C2A8-6499F6D31A20}"/>
               </a:ext>
             </a:extLst>
           </p:cNvPr>
@@ -8841,1403 +6605,25 @@
           <p:nvPr/>
         </p:nvPicPr>
         <p:blipFill>
-          <a:blip r:embed="rId3"/>
+          <a:blip r:embed="rId2"/>
           <a:stretch>
             <a:fillRect/>
           </a:stretch>
         </p:blipFill>
         <p:spPr>
           <a:xfrm>
-            <a:off x="432970" y="1189279"/>
-            <a:ext cx="3526812" cy="5029052"/>
+            <a:off x="2563108" y="1006861"/>
+            <a:ext cx="5295901" cy="5271974"/>
           </a:xfrm>
           <a:prstGeom prst="rect">
             <a:avLst/>
           </a:prstGeom>
         </p:spPr>
       </p:pic>
-      <p:sp>
-        <p:nvSpPr>
-          <p:cNvPr id="5" name="TextBox 4">
-            <a:extLst>
-              <a:ext uri="{FF2B5EF4-FFF2-40B4-BE49-F238E27FC236}">
-                <a16:creationId xmlns:a16="http://schemas.microsoft.com/office/drawing/2014/main" id="{FF87DCA9-94EA-8003-F79B-D4A8FD653553}"/>
-              </a:ext>
-            </a:extLst>
-          </p:cNvPr>
-          <p:cNvSpPr txBox="1"/>
-          <p:nvPr/>
-        </p:nvSpPr>
-        <p:spPr>
-          <a:xfrm>
-            <a:off x="4159306" y="1230051"/>
-            <a:ext cx="7599724" cy="4947508"/>
-          </a:xfrm>
-          <a:prstGeom prst="rect">
-            <a:avLst/>
-          </a:prstGeom>
-          <a:noFill/>
-        </p:spPr>
-        <p:txBody>
-          <a:bodyPr wrap="square" rtlCol="0">
-            <a:spAutoFit/>
-          </a:bodyPr>
-          <a:lstStyle/>
-          <a:p>
-            <a:pPr>
-              <a:spcBef>
-                <a:spcPts val="300"/>
-              </a:spcBef>
-            </a:pPr>
-            <a:r>
-              <a:rPr lang="en-US" altLang="ko-KR" dirty="0">
-                <a:latin typeface="현대하모니M"/>
-                <a:ea typeface="현대하모니 M" panose="02020603020101020101"/>
-              </a:rPr>
-              <a:t> </a:t>
-            </a:r>
-            <a:r>
-              <a:rPr lang="en-US" altLang="ko-KR" b="1" dirty="0">
-                <a:latin typeface="현대하모니M"/>
-                <a:ea typeface="현대하모니 M" panose="02020603020101020101"/>
-              </a:rPr>
-              <a:t>1) Paper information</a:t>
-            </a:r>
-          </a:p>
-          <a:p>
-            <a:pPr marL="742950" lvl="1" indent="-285750">
-              <a:spcBef>
-                <a:spcPts val="300"/>
-              </a:spcBef>
-              <a:buFontTx/>
-              <a:buChar char="-"/>
-            </a:pPr>
-            <a:r>
-              <a:rPr lang="en-US" altLang="ko-KR" b="0" i="0" dirty="0" err="1">
-                <a:solidFill>
-                  <a:srgbClr val="222222"/>
-                </a:solidFill>
-                <a:effectLst/>
-                <a:latin typeface="현대하모니M"/>
-              </a:rPr>
-              <a:t>Gaurkar</a:t>
-            </a:r>
-            <a:r>
-              <a:rPr lang="en-US" altLang="ko-KR" b="0" i="0" dirty="0">
-                <a:solidFill>
-                  <a:srgbClr val="222222"/>
-                </a:solidFill>
-                <a:effectLst/>
-                <a:latin typeface="현대하모니M"/>
-              </a:rPr>
-              <a:t>, </a:t>
-            </a:r>
-            <a:r>
-              <a:rPr lang="en-US" altLang="ko-KR" b="0" i="0" dirty="0" err="1">
-                <a:solidFill>
-                  <a:srgbClr val="222222"/>
-                </a:solidFill>
-                <a:effectLst/>
-                <a:latin typeface="현대하모니M"/>
-              </a:rPr>
-              <a:t>Swarangi</a:t>
-            </a:r>
-            <a:r>
-              <a:rPr lang="en-US" altLang="ko-KR" b="0" i="0" dirty="0">
-                <a:solidFill>
-                  <a:srgbClr val="222222"/>
-                </a:solidFill>
-                <a:effectLst/>
-                <a:latin typeface="현대하모니M"/>
-              </a:rPr>
-              <a:t>, Aniket </a:t>
-            </a:r>
-            <a:r>
-              <a:rPr lang="en-US" altLang="ko-KR" b="0" i="0" dirty="0" err="1">
-                <a:solidFill>
-                  <a:srgbClr val="222222"/>
-                </a:solidFill>
-                <a:effectLst/>
-                <a:latin typeface="현대하모니M"/>
-              </a:rPr>
-              <a:t>Kotalwar</a:t>
-            </a:r>
-            <a:r>
-              <a:rPr lang="en-US" altLang="ko-KR" b="0" i="0" dirty="0">
-                <a:solidFill>
-                  <a:srgbClr val="222222"/>
-                </a:solidFill>
-                <a:effectLst/>
-                <a:latin typeface="현대하모니M"/>
-              </a:rPr>
-              <a:t>, and Shivani </a:t>
-            </a:r>
-            <a:r>
-              <a:rPr lang="en-US" altLang="ko-KR" b="0" i="0" dirty="0" err="1">
-                <a:solidFill>
-                  <a:srgbClr val="222222"/>
-                </a:solidFill>
-                <a:effectLst/>
-                <a:latin typeface="현대하모니M"/>
-              </a:rPr>
-              <a:t>Gabale</a:t>
-            </a:r>
-            <a:r>
-              <a:rPr lang="en-US" altLang="ko-KR" b="0" i="0" dirty="0">
-                <a:solidFill>
-                  <a:srgbClr val="222222"/>
-                </a:solidFill>
-                <a:effectLst/>
-                <a:latin typeface="현대하모니M"/>
-              </a:rPr>
-              <a:t>. "Predictive maintenance of industrial machines using machine learning." </a:t>
-            </a:r>
-            <a:r>
-              <a:rPr lang="en-US" altLang="ko-KR" b="0" i="1" dirty="0">
-                <a:solidFill>
-                  <a:srgbClr val="222222"/>
-                </a:solidFill>
-                <a:effectLst/>
-                <a:latin typeface="현대하모니M"/>
-              </a:rPr>
-              <a:t>Int Res J Eng Technol</a:t>
-            </a:r>
-            <a:r>
-              <a:rPr lang="en-US" altLang="ko-KR" b="0" i="0" dirty="0">
-                <a:solidFill>
-                  <a:srgbClr val="222222"/>
-                </a:solidFill>
-                <a:effectLst/>
-                <a:latin typeface="현대하모니M"/>
-              </a:rPr>
-              <a:t> (2021).</a:t>
-            </a:r>
-            <a:endParaRPr lang="en-US" altLang="ko-KR" dirty="0">
-              <a:latin typeface="현대하모니M"/>
-              <a:ea typeface="현대하모니 M" panose="02020603020101020101"/>
-            </a:endParaRPr>
-          </a:p>
-          <a:p>
-            <a:pPr marL="742950" lvl="1" indent="-285750">
-              <a:spcBef>
-                <a:spcPts val="300"/>
-              </a:spcBef>
-              <a:buFontTx/>
-              <a:buChar char="-"/>
-            </a:pPr>
-            <a:endParaRPr lang="en-US" altLang="ko-KR" b="1" dirty="0">
-              <a:latin typeface="현대하모니M"/>
-              <a:ea typeface="현대하모니 M" panose="02020603020101020101"/>
-            </a:endParaRPr>
-          </a:p>
-          <a:p>
-            <a:pPr>
-              <a:spcBef>
-                <a:spcPts val="300"/>
-              </a:spcBef>
-            </a:pPr>
-            <a:r>
-              <a:rPr lang="en-US" altLang="ko-KR" b="1" dirty="0">
-                <a:latin typeface="현대하모니M"/>
-                <a:ea typeface="현대하모니 M" panose="02020603020101020101"/>
-              </a:rPr>
-              <a:t>2) </a:t>
-            </a:r>
-            <a:r>
-              <a:rPr lang="en-US" altLang="ko-KR" b="1" dirty="0" err="1">
-                <a:latin typeface="현대하모니M"/>
-                <a:ea typeface="현대하모니 M" panose="02020603020101020101"/>
-              </a:rPr>
-              <a:t>Explaination</a:t>
-            </a:r>
-            <a:endParaRPr lang="en-US" altLang="ko-KR" b="1" dirty="0">
-              <a:latin typeface="현대하모니M"/>
-              <a:ea typeface="현대하모니 M" panose="02020603020101020101"/>
-            </a:endParaRPr>
-          </a:p>
-          <a:p>
-            <a:pPr marL="742950" lvl="1" indent="-285750">
-              <a:spcBef>
-                <a:spcPts val="300"/>
-              </a:spcBef>
-              <a:buFontTx/>
-              <a:buChar char="-"/>
-            </a:pPr>
-            <a:r>
-              <a:rPr lang="en-US" altLang="ko-KR" dirty="0">
-                <a:solidFill>
-                  <a:srgbClr val="3C4043"/>
-                </a:solidFill>
-                <a:latin typeface="현대하모니M"/>
-                <a:ea typeface="현대하모니 M" panose="02020603020101020101"/>
-              </a:rPr>
-              <a:t>S</a:t>
-            </a:r>
-            <a:r>
-              <a:rPr lang="en-US" altLang="ko-KR" b="0" i="0" dirty="0">
-                <a:solidFill>
-                  <a:srgbClr val="3C4043"/>
-                </a:solidFill>
-                <a:effectLst/>
-                <a:latin typeface="현대하모니M"/>
-                <a:ea typeface="현대하모니 M" panose="02020603020101020101"/>
-              </a:rPr>
-              <a:t>ensor data of  hydraulic system : </a:t>
-            </a:r>
-            <a:br>
-              <a:rPr lang="en-US" altLang="ko-KR" b="0" i="0" dirty="0">
-                <a:solidFill>
-                  <a:srgbClr val="3C4043"/>
-                </a:solidFill>
-                <a:effectLst/>
-                <a:latin typeface="현대하모니M"/>
-                <a:ea typeface="현대하모니 M" panose="02020603020101020101"/>
-              </a:rPr>
-            </a:br>
-            <a:r>
-              <a:rPr lang="en-US" altLang="ko-KR" b="0" i="0" dirty="0">
-                <a:solidFill>
-                  <a:srgbClr val="3C4043"/>
-                </a:solidFill>
-                <a:effectLst/>
-                <a:latin typeface="현대하모니M"/>
-                <a:ea typeface="현대하모니 M" panose="02020603020101020101"/>
-              </a:rPr>
-              <a:t>pressure, vibration, temperature, power consumption, etc.</a:t>
-            </a:r>
-          </a:p>
-          <a:p>
-            <a:pPr marL="742950" lvl="1" indent="-285750">
-              <a:spcBef>
-                <a:spcPts val="300"/>
-              </a:spcBef>
-              <a:buFontTx/>
-              <a:buChar char="-"/>
-            </a:pPr>
-            <a:r>
-              <a:rPr lang="en-US" altLang="ko-KR" b="0" i="0" dirty="0">
-                <a:solidFill>
-                  <a:srgbClr val="3C4043"/>
-                </a:solidFill>
-                <a:effectLst/>
-                <a:latin typeface="현대하모니M"/>
-                <a:ea typeface="현대하모니 M" panose="02020603020101020101"/>
-              </a:rPr>
-              <a:t>RUL of the hydraulic system is predicted by ML methods</a:t>
-            </a:r>
-            <a:br>
-              <a:rPr lang="en-US" altLang="ko-KR" b="0" i="0" dirty="0">
-                <a:solidFill>
-                  <a:srgbClr val="3C4043"/>
-                </a:solidFill>
-                <a:effectLst/>
-                <a:latin typeface="현대하모니M"/>
-                <a:ea typeface="현대하모니 M" panose="02020603020101020101"/>
-              </a:rPr>
-            </a:br>
-            <a:r>
-              <a:rPr lang="en-US" altLang="ko-KR" b="0" i="0" dirty="0">
-                <a:solidFill>
-                  <a:srgbClr val="3C4043"/>
-                </a:solidFill>
-                <a:effectLst/>
-                <a:latin typeface="현대하모니M"/>
-                <a:ea typeface="현대하모니 M" panose="02020603020101020101"/>
-              </a:rPr>
-              <a:t>e.g. LSTM or random forest model.</a:t>
-            </a:r>
-          </a:p>
-          <a:p>
-            <a:pPr lvl="1">
-              <a:spcBef>
-                <a:spcPts val="300"/>
-              </a:spcBef>
-            </a:pPr>
-            <a:endParaRPr lang="en-US" altLang="ko-KR" b="0" i="0" dirty="0">
-              <a:solidFill>
-                <a:srgbClr val="3C4043"/>
-              </a:solidFill>
-              <a:effectLst/>
-              <a:latin typeface="현대하모니M"/>
-              <a:ea typeface="현대하모니 M" panose="02020603020101020101"/>
-            </a:endParaRPr>
-          </a:p>
-          <a:p>
-            <a:pPr>
-              <a:spcBef>
-                <a:spcPts val="300"/>
-              </a:spcBef>
-            </a:pPr>
-            <a:r>
-              <a:rPr lang="en-US" altLang="ko-KR" b="1" dirty="0">
-                <a:solidFill>
-                  <a:srgbClr val="3C4043"/>
-                </a:solidFill>
-                <a:latin typeface="현대하모니M"/>
-                <a:ea typeface="현대하모니 M" panose="02020603020101020101"/>
-              </a:rPr>
-              <a:t>3) Application on the Project</a:t>
-            </a:r>
-          </a:p>
-          <a:p>
-            <a:pPr lvl="1">
-              <a:spcBef>
-                <a:spcPts val="300"/>
-              </a:spcBef>
-            </a:pPr>
-            <a:r>
-              <a:rPr lang="en-US" altLang="ko-KR" b="0" i="0" dirty="0">
-                <a:solidFill>
-                  <a:srgbClr val="3C4043"/>
-                </a:solidFill>
-                <a:effectLst/>
-                <a:latin typeface="현대하모니M"/>
-                <a:ea typeface="현대하모니 M" panose="02020603020101020101"/>
-              </a:rPr>
-              <a:t>Predicting the RUL of a facility using:</a:t>
-            </a:r>
-          </a:p>
-          <a:p>
-            <a:pPr marL="1200150" lvl="2" indent="-285750">
-              <a:spcBef>
-                <a:spcPts val="300"/>
-              </a:spcBef>
-              <a:buFontTx/>
-              <a:buChar char="-"/>
-            </a:pPr>
-            <a:r>
-              <a:rPr lang="en-US" altLang="ko-KR" b="0" i="0" dirty="0">
-                <a:solidFill>
-                  <a:srgbClr val="3C4043"/>
-                </a:solidFill>
-                <a:effectLst/>
-                <a:latin typeface="현대하모니M"/>
-                <a:ea typeface="현대하모니 M" panose="02020603020101020101"/>
-              </a:rPr>
-              <a:t>Vibration(counterpart of sound)</a:t>
-            </a:r>
-          </a:p>
-          <a:p>
-            <a:pPr marL="1200150" lvl="2" indent="-285750">
-              <a:spcBef>
-                <a:spcPts val="300"/>
-              </a:spcBef>
-              <a:buFontTx/>
-              <a:buChar char="-"/>
-            </a:pPr>
-            <a:r>
-              <a:rPr lang="en-US" altLang="ko-KR" b="0" i="0" dirty="0">
-                <a:solidFill>
-                  <a:srgbClr val="3C4043"/>
-                </a:solidFill>
-                <a:effectLst/>
-                <a:latin typeface="현대하모니M"/>
-                <a:ea typeface="현대하모니 M" panose="02020603020101020101"/>
-              </a:rPr>
-              <a:t>Temperature</a:t>
-            </a:r>
-          </a:p>
-          <a:p>
-            <a:pPr marL="1200150" lvl="2" indent="-285750">
-              <a:spcBef>
-                <a:spcPts val="300"/>
-              </a:spcBef>
-              <a:buFontTx/>
-              <a:buChar char="-"/>
-            </a:pPr>
-            <a:r>
-              <a:rPr lang="en-US" altLang="ko-KR" dirty="0">
-                <a:solidFill>
-                  <a:srgbClr val="3C4043"/>
-                </a:solidFill>
-                <a:latin typeface="현대하모니M"/>
-                <a:ea typeface="현대하모니 M" panose="02020603020101020101"/>
-              </a:rPr>
-              <a:t>P</a:t>
-            </a:r>
-            <a:r>
-              <a:rPr lang="en-US" altLang="ko-KR" b="0" i="0" dirty="0">
-                <a:solidFill>
-                  <a:srgbClr val="3C4043"/>
-                </a:solidFill>
-                <a:effectLst/>
-                <a:latin typeface="현대하모니M"/>
-                <a:ea typeface="현대하모니 M" panose="02020603020101020101"/>
-              </a:rPr>
-              <a:t>ower(counterpart of current) data</a:t>
-            </a:r>
-            <a:endParaRPr lang="en-US" altLang="ko-KR" dirty="0">
-              <a:latin typeface="현대하모니M"/>
-              <a:ea typeface="현대하모니 M" panose="02020603020101020101"/>
-            </a:endParaRPr>
-          </a:p>
-        </p:txBody>
-      </p:sp>
-    </p:spTree>
-    <p:extLst>
-      <p:ext uri="{BB962C8B-B14F-4D97-AF65-F5344CB8AC3E}">
-        <p14:creationId xmlns:p14="http://schemas.microsoft.com/office/powerpoint/2010/main" val="3499702284"/>
-      </p:ext>
-    </p:extLst>
-  </p:cSld>
-  <p:clrMapOvr>
-    <a:masterClrMapping/>
-  </p:clrMapOvr>
-</p:sld>
-</file>
-
-<file path=ppt/slides/slide8.xml><?xml version="1.0" encoding="utf-8"?>
-<p:sld xmlns:a="http://schemas.openxmlformats.org/drawingml/2006/main" xmlns:r="http://schemas.openxmlformats.org/officeDocument/2006/relationships" xmlns:p="http://schemas.openxmlformats.org/presentationml/2006/main">
-  <p:cSld>
-    <p:spTree>
-      <p:nvGrpSpPr>
-        <p:cNvPr id="1" name=""/>
-        <p:cNvGrpSpPr/>
-        <p:nvPr/>
-      </p:nvGrpSpPr>
-      <p:grpSpPr>
-        <a:xfrm>
-          <a:off x="0" y="0"/>
-          <a:ext cx="0" cy="0"/>
-          <a:chOff x="0" y="0"/>
-          <a:chExt cx="0" cy="0"/>
-        </a:xfrm>
-      </p:grpSpPr>
-      <p:sp>
-        <p:nvSpPr>
-          <p:cNvPr id="2" name="제목 1">
-            <a:extLst>
-              <a:ext uri="{FF2B5EF4-FFF2-40B4-BE49-F238E27FC236}">
-                <a16:creationId xmlns:a16="http://schemas.microsoft.com/office/drawing/2014/main" id="{1E3E4199-C89F-9C40-25AB-439C57EAD37E}"/>
-              </a:ext>
-            </a:extLst>
-          </p:cNvPr>
-          <p:cNvSpPr>
-            <a:spLocks noGrp="1"/>
-          </p:cNvSpPr>
-          <p:nvPr>
-            <p:ph type="title"/>
-          </p:nvPr>
-        </p:nvSpPr>
-        <p:spPr>
-          <a:xfrm>
-            <a:off x="432970" y="356235"/>
-            <a:ext cx="9794387" cy="531548"/>
-          </a:xfrm>
-        </p:spPr>
-        <p:txBody>
-          <a:bodyPr>
-            <a:noAutofit/>
-          </a:bodyPr>
-          <a:lstStyle/>
-          <a:p>
-            <a:r>
-              <a:rPr lang="en-US" altLang="ko-KR" sz="3500" dirty="0">
-                <a:latin typeface="현대하모니 M" panose="02020603020101020101" pitchFamily="18" charset="-127"/>
-                <a:ea typeface="현대하모니 M" panose="02020603020101020101" pitchFamily="18" charset="-127"/>
-              </a:rPr>
-              <a:t>7. Schedule</a:t>
-            </a:r>
-            <a:endParaRPr lang="ko-KR" altLang="en-US" sz="3500" dirty="0">
-              <a:latin typeface="현대하모니 M" panose="02020603020101020101" pitchFamily="18" charset="-127"/>
-              <a:ea typeface="현대하모니 M" panose="02020603020101020101" pitchFamily="18" charset="-127"/>
-            </a:endParaRPr>
-          </a:p>
-        </p:txBody>
-      </p:sp>
-      <p:sp>
-        <p:nvSpPr>
-          <p:cNvPr id="4" name="슬라이드 번호 개체 틀 3">
-            <a:extLst>
-              <a:ext uri="{FF2B5EF4-FFF2-40B4-BE49-F238E27FC236}">
-                <a16:creationId xmlns:a16="http://schemas.microsoft.com/office/drawing/2014/main" id="{4781724D-A41D-D4D6-9404-A8DA6D5FC8FF}"/>
-              </a:ext>
-            </a:extLst>
-          </p:cNvPr>
-          <p:cNvSpPr>
-            <a:spLocks noGrp="1"/>
-          </p:cNvSpPr>
-          <p:nvPr>
-            <p:ph type="sldNum" sz="quarter" idx="12"/>
-          </p:nvPr>
-        </p:nvSpPr>
-        <p:spPr/>
-        <p:txBody>
-          <a:bodyPr/>
-          <a:lstStyle/>
-          <a:p>
-            <a:fld id="{AE31E8F2-D7DA-47AE-9DAA-01B65DE22032}" type="slidenum">
-              <a:rPr lang="ko-KR" altLang="en-US" smtClean="0"/>
-              <a:t>8</a:t>
-            </a:fld>
-            <a:endParaRPr lang="ko-KR" altLang="en-US"/>
-          </a:p>
-        </p:txBody>
-      </p:sp>
-      <p:sp>
-        <p:nvSpPr>
-          <p:cNvPr id="8" name="Rectangle 3">
-            <a:extLst>
-              <a:ext uri="{FF2B5EF4-FFF2-40B4-BE49-F238E27FC236}">
-                <a16:creationId xmlns:a16="http://schemas.microsoft.com/office/drawing/2014/main" id="{FBD22289-1EC9-0517-0945-2F6AE56C73D2}"/>
-              </a:ext>
-            </a:extLst>
-          </p:cNvPr>
-          <p:cNvSpPr>
-            <a:spLocks noChangeArrowheads="1"/>
-          </p:cNvSpPr>
-          <p:nvPr/>
-        </p:nvSpPr>
-        <p:spPr bwMode="auto">
-          <a:xfrm>
-            <a:off x="781051" y="2781031"/>
-            <a:ext cx="7248088" cy="646331"/>
-          </a:xfrm>
-          <a:prstGeom prst="rect">
-            <a:avLst/>
-          </a:prstGeom>
-          <a:noFill/>
-          <a:ln>
-            <a:noFill/>
-          </a:ln>
-          <a:effectLst/>
-          <a:extLst>
-            <a:ext uri="{909E8E84-426E-40DD-AFC4-6F175D3DCCD1}">
-              <a14:hiddenFill xmlns:a14="http://schemas.microsoft.com/office/drawing/2010/main">
-                <a:solidFill>
-                  <a:schemeClr val="accent1"/>
-                </a:solidFill>
-              </a14:hiddenFill>
-            </a:ext>
-            <a:ext uri="{91240B29-F687-4F45-9708-019B960494DF}">
-              <a14:hiddenLine xmlns:a14="http://schemas.microsoft.com/office/drawing/2010/main" w="9525">
-                <a:solidFill>
-                  <a:schemeClr val="tx1"/>
-                </a:solidFill>
-                <a:miter lim="800000"/>
-                <a:headEnd/>
-                <a:tailEnd/>
-              </a14:hiddenLine>
-            </a:ext>
-            <a:ext uri="{AF507438-7753-43E0-B8FC-AC1667EBCBE1}">
-              <a14:hiddenEffects xmlns:a14="http://schemas.microsoft.com/office/drawing/2010/main">
-                <a:effectLst>
-                  <a:outerShdw dist="35921" dir="2700000" algn="ctr" rotWithShape="0">
-                    <a:schemeClr val="bg2"/>
-                  </a:outerShdw>
-                </a:effectLst>
-              </a14:hiddenEffects>
-            </a:ext>
-          </a:extLst>
-        </p:spPr>
-        <p:txBody>
-          <a:bodyPr vert="horz" wrap="square" lIns="91440" tIns="45720" rIns="91440" bIns="45720" numCol="1" anchor="ctr" anchorCtr="0" compatLnSpc="1">
-            <a:prstTxWarp prst="textNoShape">
-              <a:avLst/>
-            </a:prstTxWarp>
-            <a:spAutoFit/>
-          </a:bodyPr>
-          <a:lstStyle>
-            <a:lvl1pPr eaLnBrk="0" fontAlgn="base" hangingPunct="0">
-              <a:spcBef>
-                <a:spcPct val="0"/>
-              </a:spcBef>
-              <a:spcAft>
-                <a:spcPct val="0"/>
-              </a:spcAft>
-              <a:defRPr>
-                <a:solidFill>
-                  <a:schemeClr val="tx1"/>
-                </a:solidFill>
-                <a:latin typeface="Arial" panose="020B0604020202020204" pitchFamily="34" charset="0"/>
-              </a:defRPr>
-            </a:lvl1pPr>
-            <a:lvl2pPr eaLnBrk="0" fontAlgn="base" hangingPunct="0">
-              <a:spcBef>
-                <a:spcPct val="0"/>
-              </a:spcBef>
-              <a:spcAft>
-                <a:spcPct val="0"/>
-              </a:spcAft>
-              <a:defRPr>
-                <a:solidFill>
-                  <a:schemeClr val="tx1"/>
-                </a:solidFill>
-                <a:latin typeface="Arial" panose="020B0604020202020204" pitchFamily="34" charset="0"/>
-              </a:defRPr>
-            </a:lvl2pPr>
-            <a:lvl3pPr eaLnBrk="0" fontAlgn="base" hangingPunct="0">
-              <a:spcBef>
-                <a:spcPct val="0"/>
-              </a:spcBef>
-              <a:spcAft>
-                <a:spcPct val="0"/>
-              </a:spcAft>
-              <a:defRPr>
-                <a:solidFill>
-                  <a:schemeClr val="tx1"/>
-                </a:solidFill>
-                <a:latin typeface="Arial" panose="020B0604020202020204" pitchFamily="34" charset="0"/>
-              </a:defRPr>
-            </a:lvl3pPr>
-            <a:lvl4pPr eaLnBrk="0" fontAlgn="base" hangingPunct="0">
-              <a:spcBef>
-                <a:spcPct val="0"/>
-              </a:spcBef>
-              <a:spcAft>
-                <a:spcPct val="0"/>
-              </a:spcAft>
-              <a:defRPr>
-                <a:solidFill>
-                  <a:schemeClr val="tx1"/>
-                </a:solidFill>
-                <a:latin typeface="Arial" panose="020B0604020202020204" pitchFamily="34" charset="0"/>
-              </a:defRPr>
-            </a:lvl4pPr>
-            <a:lvl5pPr eaLnBrk="0" fontAlgn="base" hangingPunct="0">
-              <a:spcBef>
-                <a:spcPct val="0"/>
-              </a:spcBef>
-              <a:spcAft>
-                <a:spcPct val="0"/>
-              </a:spcAft>
-              <a:defRPr>
-                <a:solidFill>
-                  <a:schemeClr val="tx1"/>
-                </a:solidFill>
-                <a:latin typeface="Arial" panose="020B0604020202020204" pitchFamily="34" charset="0"/>
-              </a:defRPr>
-            </a:lvl5pPr>
-            <a:lvl6pPr eaLnBrk="0" fontAlgn="base" hangingPunct="0">
-              <a:spcBef>
-                <a:spcPct val="0"/>
-              </a:spcBef>
-              <a:spcAft>
-                <a:spcPct val="0"/>
-              </a:spcAft>
-              <a:defRPr>
-                <a:solidFill>
-                  <a:schemeClr val="tx1"/>
-                </a:solidFill>
-                <a:latin typeface="Arial" panose="020B0604020202020204" pitchFamily="34" charset="0"/>
-              </a:defRPr>
-            </a:lvl6pPr>
-            <a:lvl7pPr eaLnBrk="0" fontAlgn="base" hangingPunct="0">
-              <a:spcBef>
-                <a:spcPct val="0"/>
-              </a:spcBef>
-              <a:spcAft>
-                <a:spcPct val="0"/>
-              </a:spcAft>
-              <a:defRPr>
-                <a:solidFill>
-                  <a:schemeClr val="tx1"/>
-                </a:solidFill>
-                <a:latin typeface="Arial" panose="020B0604020202020204" pitchFamily="34" charset="0"/>
-              </a:defRPr>
-            </a:lvl7pPr>
-            <a:lvl8pPr eaLnBrk="0" fontAlgn="base" hangingPunct="0">
-              <a:spcBef>
-                <a:spcPct val="0"/>
-              </a:spcBef>
-              <a:spcAft>
-                <a:spcPct val="0"/>
-              </a:spcAft>
-              <a:defRPr>
-                <a:solidFill>
-                  <a:schemeClr val="tx1"/>
-                </a:solidFill>
-                <a:latin typeface="Arial" panose="020B0604020202020204" pitchFamily="34" charset="0"/>
-              </a:defRPr>
-            </a:lvl8pPr>
-            <a:lvl9pPr eaLnBrk="0" fontAlgn="base" hangingPunct="0">
-              <a:spcBef>
-                <a:spcPct val="0"/>
-              </a:spcBef>
-              <a:spcAft>
-                <a:spcPct val="0"/>
-              </a:spcAft>
-              <a:defRPr>
-                <a:solidFill>
-                  <a:schemeClr val="tx1"/>
-                </a:solidFill>
-                <a:latin typeface="Arial" panose="020B0604020202020204" pitchFamily="34" charset="0"/>
-              </a:defRPr>
-            </a:lvl9pPr>
-          </a:lstStyle>
-          <a:p>
-            <a:pPr marL="0" marR="0" lvl="0" indent="0" algn="l" defTabSz="914400" rtl="0" eaLnBrk="0" fontAlgn="base" latinLnBrk="0" hangingPunct="0">
-              <a:lnSpc>
-                <a:spcPct val="100000"/>
-              </a:lnSpc>
-              <a:spcBef>
-                <a:spcPct val="0"/>
-              </a:spcBef>
-              <a:spcAft>
-                <a:spcPct val="0"/>
-              </a:spcAft>
-              <a:buClrTx/>
-              <a:buSzTx/>
-              <a:buFontTx/>
-              <a:buNone/>
-              <a:tabLst/>
-            </a:pPr>
-            <a:r>
-              <a:rPr kumimoji="0" lang="ko-KR" altLang="ko-KR" sz="1800" b="0" i="0" u="none" strike="noStrike" cap="none" normalizeH="0" baseline="0">
-                <a:ln>
-                  <a:noFill/>
-                </a:ln>
-                <a:solidFill>
-                  <a:srgbClr val="000000"/>
-                </a:solidFill>
-                <a:effectLst/>
-                <a:latin typeface="맑은 고딕" panose="020B0503020000020004" pitchFamily="50" charset="-127"/>
-                <a:ea typeface="맑은 고딕" panose="020B0503020000020004" pitchFamily="50" charset="-127"/>
-              </a:rPr>
-              <a:t> </a:t>
-            </a:r>
-            <a:endParaRPr kumimoji="0" lang="ko-KR" altLang="ko-KR" sz="1800" b="0" i="0" u="none" strike="noStrike" cap="none" normalizeH="0" baseline="0">
-              <a:ln>
-                <a:noFill/>
-              </a:ln>
-              <a:solidFill>
-                <a:schemeClr val="tx1"/>
-              </a:solidFill>
-              <a:effectLst/>
-              <a:latin typeface="서울남산체 B" panose="02020503020101020101" pitchFamily="18" charset="-127"/>
-            </a:endParaRPr>
-          </a:p>
-          <a:p>
-            <a:pPr marL="0" marR="0" lvl="0" indent="0" algn="l" defTabSz="914400" rtl="0" eaLnBrk="0" fontAlgn="base" latinLnBrk="0" hangingPunct="0">
-              <a:lnSpc>
-                <a:spcPct val="100000"/>
-              </a:lnSpc>
-              <a:spcBef>
-                <a:spcPct val="0"/>
-              </a:spcBef>
-              <a:spcAft>
-                <a:spcPct val="0"/>
-              </a:spcAft>
-              <a:buClrTx/>
-              <a:buSzTx/>
-              <a:buFontTx/>
-              <a:buNone/>
-              <a:tabLst/>
-            </a:pPr>
-            <a:endParaRPr kumimoji="0" lang="ko-KR" altLang="ko-KR" sz="1800" b="0" i="0" u="none" strike="noStrike" cap="none" normalizeH="0" baseline="0">
-              <a:ln>
-                <a:noFill/>
-              </a:ln>
-              <a:solidFill>
-                <a:schemeClr val="tx1"/>
-              </a:solidFill>
-              <a:effectLst/>
-              <a:latin typeface="서울남산체 B" panose="02020503020101020101" pitchFamily="18" charset="-127"/>
-            </a:endParaRPr>
-          </a:p>
-        </p:txBody>
-      </p:sp>
     </p:spTree>
     <p:extLst>
       <p:ext uri="{BB962C8B-B14F-4D97-AF65-F5344CB8AC3E}">
         <p14:creationId xmlns:p14="http://schemas.microsoft.com/office/powerpoint/2010/main" val="2119383580"/>
-      </p:ext>
-    </p:extLst>
-  </p:cSld>
-  <p:clrMapOvr>
-    <a:masterClrMapping/>
-  </p:clrMapOvr>
-</p:sld>
-</file>
-
-<file path=ppt/slides/slide9.xml><?xml version="1.0" encoding="utf-8"?>
-<p:sld xmlns:a="http://schemas.openxmlformats.org/drawingml/2006/main" xmlns:r="http://schemas.openxmlformats.org/officeDocument/2006/relationships" xmlns:p="http://schemas.openxmlformats.org/presentationml/2006/main">
-  <p:cSld>
-    <p:spTree>
-      <p:nvGrpSpPr>
-        <p:cNvPr id="1" name=""/>
-        <p:cNvGrpSpPr/>
-        <p:nvPr/>
-      </p:nvGrpSpPr>
-      <p:grpSpPr>
-        <a:xfrm>
-          <a:off x="0" y="0"/>
-          <a:ext cx="0" cy="0"/>
-          <a:chOff x="0" y="0"/>
-          <a:chExt cx="0" cy="0"/>
-        </a:xfrm>
-      </p:grpSpPr>
-      <p:sp>
-        <p:nvSpPr>
-          <p:cNvPr id="2" name="제목 1">
-            <a:extLst>
-              <a:ext uri="{FF2B5EF4-FFF2-40B4-BE49-F238E27FC236}">
-                <a16:creationId xmlns:a16="http://schemas.microsoft.com/office/drawing/2014/main" id="{1E3E4199-C89F-9C40-25AB-439C57EAD37E}"/>
-              </a:ext>
-            </a:extLst>
-          </p:cNvPr>
-          <p:cNvSpPr>
-            <a:spLocks noGrp="1"/>
-          </p:cNvSpPr>
-          <p:nvPr>
-            <p:ph type="title"/>
-          </p:nvPr>
-        </p:nvSpPr>
-        <p:spPr>
-          <a:xfrm>
-            <a:off x="432970" y="356235"/>
-            <a:ext cx="9794387" cy="531548"/>
-          </a:xfrm>
-        </p:spPr>
-        <p:txBody>
-          <a:bodyPr>
-            <a:noAutofit/>
-          </a:bodyPr>
-          <a:lstStyle/>
-          <a:p>
-            <a:r>
-              <a:rPr lang="en-US" altLang="ko-KR" sz="3500" dirty="0">
-                <a:latin typeface="현대하모니 M" panose="02020603020101020101" pitchFamily="18" charset="-127"/>
-                <a:ea typeface="현대하모니 M" panose="02020603020101020101" pitchFamily="18" charset="-127"/>
-              </a:rPr>
-              <a:t>8. References</a:t>
-            </a:r>
-            <a:endParaRPr lang="ko-KR" altLang="en-US" sz="3500" dirty="0">
-              <a:latin typeface="현대하모니 M" panose="02020603020101020101" pitchFamily="18" charset="-127"/>
-              <a:ea typeface="현대하모니 M" panose="02020603020101020101" pitchFamily="18" charset="-127"/>
-            </a:endParaRPr>
-          </a:p>
-        </p:txBody>
-      </p:sp>
-      <p:sp>
-        <p:nvSpPr>
-          <p:cNvPr id="4" name="슬라이드 번호 개체 틀 3">
-            <a:extLst>
-              <a:ext uri="{FF2B5EF4-FFF2-40B4-BE49-F238E27FC236}">
-                <a16:creationId xmlns:a16="http://schemas.microsoft.com/office/drawing/2014/main" id="{4781724D-A41D-D4D6-9404-A8DA6D5FC8FF}"/>
-              </a:ext>
-            </a:extLst>
-          </p:cNvPr>
-          <p:cNvSpPr>
-            <a:spLocks noGrp="1"/>
-          </p:cNvSpPr>
-          <p:nvPr>
-            <p:ph type="sldNum" sz="quarter" idx="12"/>
-          </p:nvPr>
-        </p:nvSpPr>
-        <p:spPr/>
-        <p:txBody>
-          <a:bodyPr/>
-          <a:lstStyle/>
-          <a:p>
-            <a:fld id="{AE31E8F2-D7DA-47AE-9DAA-01B65DE22032}" type="slidenum">
-              <a:rPr lang="ko-KR" altLang="en-US" smtClean="0">
-                <a:latin typeface="현대하모니 M" panose="02020603020101020101" pitchFamily="18" charset="-127"/>
-                <a:ea typeface="현대하모니 M" panose="02020603020101020101" pitchFamily="18" charset="-127"/>
-              </a:rPr>
-              <a:t>9</a:t>
-            </a:fld>
-            <a:endParaRPr lang="ko-KR" altLang="en-US">
-              <a:latin typeface="현대하모니 M" panose="02020603020101020101" pitchFamily="18" charset="-127"/>
-              <a:ea typeface="현대하모니 M" panose="02020603020101020101" pitchFamily="18" charset="-127"/>
-            </a:endParaRPr>
-          </a:p>
-        </p:txBody>
-      </p:sp>
-      <p:sp>
-        <p:nvSpPr>
-          <p:cNvPr id="5" name="TextBox 4">
-            <a:extLst>
-              <a:ext uri="{FF2B5EF4-FFF2-40B4-BE49-F238E27FC236}">
-                <a16:creationId xmlns:a16="http://schemas.microsoft.com/office/drawing/2014/main" id="{2D187C66-FB86-097E-DB59-8134C084F479}"/>
-              </a:ext>
-            </a:extLst>
-          </p:cNvPr>
-          <p:cNvSpPr txBox="1"/>
-          <p:nvPr/>
-        </p:nvSpPr>
-        <p:spPr>
-          <a:xfrm>
-            <a:off x="432970" y="996036"/>
-            <a:ext cx="10463630" cy="1667957"/>
-          </a:xfrm>
-          <a:prstGeom prst="rect">
-            <a:avLst/>
-          </a:prstGeom>
-          <a:noFill/>
-        </p:spPr>
-        <p:txBody>
-          <a:bodyPr wrap="square" lIns="91440" tIns="45720" rIns="91440" bIns="45720" rtlCol="0" anchor="t">
-            <a:spAutoFit/>
-          </a:bodyPr>
-          <a:lstStyle/>
-          <a:p>
-            <a:pPr>
-              <a:lnSpc>
-                <a:spcPct val="200000"/>
-              </a:lnSpc>
-            </a:pPr>
-            <a:r>
-              <a:rPr lang="en-US" altLang="ko-KR" dirty="0">
-                <a:latin typeface="현대하모니 M" panose="02020603020101020101" pitchFamily="18" charset="-127"/>
-                <a:ea typeface="현대하모니 M" panose="02020603020101020101" pitchFamily="18" charset="-127"/>
-              </a:rPr>
-              <a:t>[1] (</a:t>
-            </a:r>
-            <a:r>
-              <a:rPr lang="ko-KR" altLang="en-US" dirty="0">
-                <a:latin typeface="현대하모니 M" panose="02020603020101020101" pitchFamily="18" charset="-127"/>
-                <a:ea typeface="현대하모니 M" panose="02020603020101020101" pitchFamily="18" charset="-127"/>
-              </a:rPr>
-              <a:t>주</a:t>
-            </a:r>
-            <a:r>
-              <a:rPr lang="en-US" altLang="ko-KR" dirty="0">
-                <a:latin typeface="현대하모니 M" panose="02020603020101020101" pitchFamily="18" charset="-127"/>
-                <a:ea typeface="현대하모니 M" panose="02020603020101020101" pitchFamily="18" charset="-127"/>
-              </a:rPr>
-              <a:t>) KEMP, </a:t>
-            </a:r>
-            <a:r>
-              <a:rPr lang="en-US" altLang="ko-KR" i="1" dirty="0" err="1">
-                <a:latin typeface="현대하모니 M" panose="02020603020101020101" pitchFamily="18" charset="-127"/>
-                <a:ea typeface="현대하모니 M" panose="02020603020101020101" pitchFamily="18" charset="-127"/>
-              </a:rPr>
-              <a:t>Innozinc</a:t>
-            </a:r>
-            <a:r>
-              <a:rPr lang="en-US" altLang="ko-KR" i="1" dirty="0">
-                <a:latin typeface="현대하모니 M" panose="02020603020101020101" pitchFamily="18" charset="-127"/>
-                <a:ea typeface="현대하모니 M" panose="02020603020101020101" pitchFamily="18" charset="-127"/>
-              </a:rPr>
-              <a:t> </a:t>
-            </a:r>
-            <a:r>
-              <a:rPr lang="ko-KR" altLang="en-US" i="1" dirty="0">
-                <a:latin typeface="현대하모니 M" panose="02020603020101020101" pitchFamily="18" charset="-127"/>
-                <a:ea typeface="현대하모니 M" panose="02020603020101020101" pitchFamily="18" charset="-127"/>
-              </a:rPr>
-              <a:t>세라믹 아연도금</a:t>
-            </a:r>
-            <a:r>
-              <a:rPr lang="en-US" altLang="ko-KR" i="1" dirty="0">
-                <a:latin typeface="현대하모니 M" panose="02020603020101020101" pitchFamily="18" charset="-127"/>
-                <a:ea typeface="현대하모니 M" panose="02020603020101020101" pitchFamily="18" charset="-127"/>
-              </a:rPr>
-              <a:t>,</a:t>
-            </a:r>
-            <a:r>
-              <a:rPr lang="ko-KR" altLang="en-US" dirty="0">
-                <a:latin typeface="현대하모니 M" panose="02020603020101020101" pitchFamily="18" charset="-127"/>
-                <a:ea typeface="현대하모니 M" panose="02020603020101020101" pitchFamily="18" charset="-127"/>
-              </a:rPr>
-              <a:t> </a:t>
-            </a:r>
-            <a:r>
-              <a:rPr lang="en-US" altLang="ko-KR" dirty="0">
-                <a:latin typeface="현대하모니 M" panose="02020603020101020101" pitchFamily="18" charset="-127"/>
-                <a:ea typeface="현대하모니 M" panose="02020603020101020101" pitchFamily="18" charset="-127"/>
-                <a:hlinkClick r:id="rId2"/>
-              </a:rPr>
-              <a:t>http://kempkorea.com/</a:t>
-            </a:r>
-            <a:r>
-              <a:rPr lang="en-US" altLang="ko-KR" dirty="0">
-                <a:latin typeface="현대하모니 M" panose="02020603020101020101" pitchFamily="18" charset="-127"/>
-                <a:ea typeface="현대하모니 M" panose="02020603020101020101" pitchFamily="18" charset="-127"/>
-              </a:rPr>
-              <a:t> </a:t>
-            </a:r>
-          </a:p>
-          <a:p>
-            <a:pPr>
-              <a:lnSpc>
-                <a:spcPct val="200000"/>
-              </a:lnSpc>
-            </a:pPr>
-            <a:r>
-              <a:rPr lang="en-US" altLang="ko-KR" dirty="0">
-                <a:latin typeface="현대하모니 M" panose="02020603020101020101" pitchFamily="18" charset="-127"/>
-                <a:ea typeface="현대하모니 M" panose="02020603020101020101" pitchFamily="18" charset="-127"/>
-              </a:rPr>
-              <a:t>[2] </a:t>
-            </a:r>
-            <a:r>
-              <a:rPr lang="en-US" altLang="ko-KR" b="0" i="0" dirty="0" err="1">
-                <a:solidFill>
-                  <a:srgbClr val="222222"/>
-                </a:solidFill>
-                <a:effectLst/>
-                <a:latin typeface="Arial" panose="020B0604020202020204" pitchFamily="34" charset="0"/>
-              </a:rPr>
-              <a:t>Gaurkar</a:t>
-            </a:r>
-            <a:r>
-              <a:rPr lang="en-US" altLang="ko-KR" b="0" i="0" dirty="0">
-                <a:solidFill>
-                  <a:srgbClr val="222222"/>
-                </a:solidFill>
-                <a:effectLst/>
-                <a:latin typeface="Arial" panose="020B0604020202020204" pitchFamily="34" charset="0"/>
-              </a:rPr>
-              <a:t>, </a:t>
-            </a:r>
-            <a:r>
-              <a:rPr lang="en-US" altLang="ko-KR" b="0" i="0" dirty="0" err="1">
-                <a:solidFill>
-                  <a:srgbClr val="222222"/>
-                </a:solidFill>
-                <a:effectLst/>
-                <a:latin typeface="Arial" panose="020B0604020202020204" pitchFamily="34" charset="0"/>
-              </a:rPr>
-              <a:t>Swarangi</a:t>
-            </a:r>
-            <a:r>
-              <a:rPr lang="en-US" altLang="ko-KR" b="0" i="0" dirty="0">
-                <a:solidFill>
-                  <a:srgbClr val="222222"/>
-                </a:solidFill>
-                <a:effectLst/>
-                <a:latin typeface="Arial" panose="020B0604020202020204" pitchFamily="34" charset="0"/>
-              </a:rPr>
-              <a:t>, Aniket </a:t>
-            </a:r>
-            <a:r>
-              <a:rPr lang="en-US" altLang="ko-KR" b="0" i="0" dirty="0" err="1">
-                <a:solidFill>
-                  <a:srgbClr val="222222"/>
-                </a:solidFill>
-                <a:effectLst/>
-                <a:latin typeface="Arial" panose="020B0604020202020204" pitchFamily="34" charset="0"/>
-              </a:rPr>
-              <a:t>Kotalwar</a:t>
-            </a:r>
-            <a:r>
-              <a:rPr lang="en-US" altLang="ko-KR" b="0" i="0" dirty="0">
-                <a:solidFill>
-                  <a:srgbClr val="222222"/>
-                </a:solidFill>
-                <a:effectLst/>
-                <a:latin typeface="Arial" panose="020B0604020202020204" pitchFamily="34" charset="0"/>
-              </a:rPr>
-              <a:t>, and Shivani </a:t>
-            </a:r>
-            <a:r>
-              <a:rPr lang="en-US" altLang="ko-KR" b="0" i="0" dirty="0" err="1">
-                <a:solidFill>
-                  <a:srgbClr val="222222"/>
-                </a:solidFill>
-                <a:effectLst/>
-                <a:latin typeface="Arial" panose="020B0604020202020204" pitchFamily="34" charset="0"/>
-              </a:rPr>
-              <a:t>Gabale</a:t>
-            </a:r>
-            <a:r>
-              <a:rPr lang="en-US" altLang="ko-KR" b="0" i="0" dirty="0">
-                <a:solidFill>
-                  <a:srgbClr val="222222"/>
-                </a:solidFill>
-                <a:effectLst/>
-                <a:latin typeface="Arial" panose="020B0604020202020204" pitchFamily="34" charset="0"/>
-              </a:rPr>
-              <a:t>. "Predictive maintenance of industrial machines using machine learning." </a:t>
-            </a:r>
-            <a:r>
-              <a:rPr lang="en-US" altLang="ko-KR" b="0" i="1" dirty="0">
-                <a:solidFill>
-                  <a:srgbClr val="222222"/>
-                </a:solidFill>
-                <a:effectLst/>
-                <a:latin typeface="Arial" panose="020B0604020202020204" pitchFamily="34" charset="0"/>
-              </a:rPr>
-              <a:t>Int Res J Eng Technol</a:t>
-            </a:r>
-            <a:r>
-              <a:rPr lang="en-US" altLang="ko-KR" b="0" i="0" dirty="0">
-                <a:solidFill>
-                  <a:srgbClr val="222222"/>
-                </a:solidFill>
-                <a:effectLst/>
-                <a:latin typeface="Arial" panose="020B0604020202020204" pitchFamily="34" charset="0"/>
-              </a:rPr>
-              <a:t> (2021).</a:t>
-            </a:r>
-            <a:endParaRPr lang="en-US" altLang="ko-KR" dirty="0">
-              <a:latin typeface="현대하모니 M" panose="02020603020101020101" pitchFamily="18" charset="-127"/>
-              <a:ea typeface="현대하모니 M" panose="02020603020101020101" pitchFamily="18" charset="-127"/>
-            </a:endParaRPr>
-          </a:p>
-        </p:txBody>
-      </p:sp>
-      <p:sp>
-        <p:nvSpPr>
-          <p:cNvPr id="8" name="Rectangle 3">
-            <a:extLst>
-              <a:ext uri="{FF2B5EF4-FFF2-40B4-BE49-F238E27FC236}">
-                <a16:creationId xmlns:a16="http://schemas.microsoft.com/office/drawing/2014/main" id="{FBD22289-1EC9-0517-0945-2F6AE56C73D2}"/>
-              </a:ext>
-            </a:extLst>
-          </p:cNvPr>
-          <p:cNvSpPr>
-            <a:spLocks noChangeArrowheads="1"/>
-          </p:cNvSpPr>
-          <p:nvPr/>
-        </p:nvSpPr>
-        <p:spPr bwMode="auto">
-          <a:xfrm>
-            <a:off x="781051" y="2781031"/>
-            <a:ext cx="7248088" cy="646331"/>
-          </a:xfrm>
-          <a:prstGeom prst="rect">
-            <a:avLst/>
-          </a:prstGeom>
-          <a:noFill/>
-          <a:ln>
-            <a:noFill/>
-          </a:ln>
-          <a:effectLst/>
-          <a:extLst>
-            <a:ext uri="{909E8E84-426E-40DD-AFC4-6F175D3DCCD1}">
-              <a14:hiddenFill xmlns:a14="http://schemas.microsoft.com/office/drawing/2010/main">
-                <a:solidFill>
-                  <a:schemeClr val="accent1"/>
-                </a:solidFill>
-              </a14:hiddenFill>
-            </a:ext>
-            <a:ext uri="{91240B29-F687-4F45-9708-019B960494DF}">
-              <a14:hiddenLine xmlns:a14="http://schemas.microsoft.com/office/drawing/2010/main" w="9525">
-                <a:solidFill>
-                  <a:schemeClr val="tx1"/>
-                </a:solidFill>
-                <a:miter lim="800000"/>
-                <a:headEnd/>
-                <a:tailEnd/>
-              </a14:hiddenLine>
-            </a:ext>
-            <a:ext uri="{AF507438-7753-43E0-B8FC-AC1667EBCBE1}">
-              <a14:hiddenEffects xmlns:a14="http://schemas.microsoft.com/office/drawing/2010/main">
-                <a:effectLst>
-                  <a:outerShdw dist="35921" dir="2700000" algn="ctr" rotWithShape="0">
-                    <a:schemeClr val="bg2"/>
-                  </a:outerShdw>
-                </a:effectLst>
-              </a14:hiddenEffects>
-            </a:ext>
-          </a:extLst>
-        </p:spPr>
-        <p:txBody>
-          <a:bodyPr vert="horz" wrap="square" lIns="91440" tIns="45720" rIns="91440" bIns="45720" numCol="1" anchor="ctr" anchorCtr="0" compatLnSpc="1">
-            <a:prstTxWarp prst="textNoShape">
-              <a:avLst/>
-            </a:prstTxWarp>
-            <a:spAutoFit/>
-          </a:bodyPr>
-          <a:lstStyle>
-            <a:lvl1pPr eaLnBrk="0" fontAlgn="base" hangingPunct="0">
-              <a:spcBef>
-                <a:spcPct val="0"/>
-              </a:spcBef>
-              <a:spcAft>
-                <a:spcPct val="0"/>
-              </a:spcAft>
-              <a:defRPr>
-                <a:solidFill>
-                  <a:schemeClr val="tx1"/>
-                </a:solidFill>
-                <a:latin typeface="Arial" panose="020B0604020202020204" pitchFamily="34" charset="0"/>
-              </a:defRPr>
-            </a:lvl1pPr>
-            <a:lvl2pPr eaLnBrk="0" fontAlgn="base" hangingPunct="0">
-              <a:spcBef>
-                <a:spcPct val="0"/>
-              </a:spcBef>
-              <a:spcAft>
-                <a:spcPct val="0"/>
-              </a:spcAft>
-              <a:defRPr>
-                <a:solidFill>
-                  <a:schemeClr val="tx1"/>
-                </a:solidFill>
-                <a:latin typeface="Arial" panose="020B0604020202020204" pitchFamily="34" charset="0"/>
-              </a:defRPr>
-            </a:lvl2pPr>
-            <a:lvl3pPr eaLnBrk="0" fontAlgn="base" hangingPunct="0">
-              <a:spcBef>
-                <a:spcPct val="0"/>
-              </a:spcBef>
-              <a:spcAft>
-                <a:spcPct val="0"/>
-              </a:spcAft>
-              <a:defRPr>
-                <a:solidFill>
-                  <a:schemeClr val="tx1"/>
-                </a:solidFill>
-                <a:latin typeface="Arial" panose="020B0604020202020204" pitchFamily="34" charset="0"/>
-              </a:defRPr>
-            </a:lvl3pPr>
-            <a:lvl4pPr eaLnBrk="0" fontAlgn="base" hangingPunct="0">
-              <a:spcBef>
-                <a:spcPct val="0"/>
-              </a:spcBef>
-              <a:spcAft>
-                <a:spcPct val="0"/>
-              </a:spcAft>
-              <a:defRPr>
-                <a:solidFill>
-                  <a:schemeClr val="tx1"/>
-                </a:solidFill>
-                <a:latin typeface="Arial" panose="020B0604020202020204" pitchFamily="34" charset="0"/>
-              </a:defRPr>
-            </a:lvl4pPr>
-            <a:lvl5pPr eaLnBrk="0" fontAlgn="base" hangingPunct="0">
-              <a:spcBef>
-                <a:spcPct val="0"/>
-              </a:spcBef>
-              <a:spcAft>
-                <a:spcPct val="0"/>
-              </a:spcAft>
-              <a:defRPr>
-                <a:solidFill>
-                  <a:schemeClr val="tx1"/>
-                </a:solidFill>
-                <a:latin typeface="Arial" panose="020B0604020202020204" pitchFamily="34" charset="0"/>
-              </a:defRPr>
-            </a:lvl5pPr>
-            <a:lvl6pPr eaLnBrk="0" fontAlgn="base" hangingPunct="0">
-              <a:spcBef>
-                <a:spcPct val="0"/>
-              </a:spcBef>
-              <a:spcAft>
-                <a:spcPct val="0"/>
-              </a:spcAft>
-              <a:defRPr>
-                <a:solidFill>
-                  <a:schemeClr val="tx1"/>
-                </a:solidFill>
-                <a:latin typeface="Arial" panose="020B0604020202020204" pitchFamily="34" charset="0"/>
-              </a:defRPr>
-            </a:lvl6pPr>
-            <a:lvl7pPr eaLnBrk="0" fontAlgn="base" hangingPunct="0">
-              <a:spcBef>
-                <a:spcPct val="0"/>
-              </a:spcBef>
-              <a:spcAft>
-                <a:spcPct val="0"/>
-              </a:spcAft>
-              <a:defRPr>
-                <a:solidFill>
-                  <a:schemeClr val="tx1"/>
-                </a:solidFill>
-                <a:latin typeface="Arial" panose="020B0604020202020204" pitchFamily="34" charset="0"/>
-              </a:defRPr>
-            </a:lvl7pPr>
-            <a:lvl8pPr eaLnBrk="0" fontAlgn="base" hangingPunct="0">
-              <a:spcBef>
-                <a:spcPct val="0"/>
-              </a:spcBef>
-              <a:spcAft>
-                <a:spcPct val="0"/>
-              </a:spcAft>
-              <a:defRPr>
-                <a:solidFill>
-                  <a:schemeClr val="tx1"/>
-                </a:solidFill>
-                <a:latin typeface="Arial" panose="020B0604020202020204" pitchFamily="34" charset="0"/>
-              </a:defRPr>
-            </a:lvl8pPr>
-            <a:lvl9pPr eaLnBrk="0" fontAlgn="base" hangingPunct="0">
-              <a:spcBef>
-                <a:spcPct val="0"/>
-              </a:spcBef>
-              <a:spcAft>
-                <a:spcPct val="0"/>
-              </a:spcAft>
-              <a:defRPr>
-                <a:solidFill>
-                  <a:schemeClr val="tx1"/>
-                </a:solidFill>
-                <a:latin typeface="Arial" panose="020B0604020202020204" pitchFamily="34" charset="0"/>
-              </a:defRPr>
-            </a:lvl9pPr>
-          </a:lstStyle>
-          <a:p>
-            <a:pPr marL="0" marR="0" lvl="0" indent="0" algn="l" defTabSz="914400" rtl="0" eaLnBrk="0" fontAlgn="base" latinLnBrk="0" hangingPunct="0">
-              <a:lnSpc>
-                <a:spcPct val="100000"/>
-              </a:lnSpc>
-              <a:spcBef>
-                <a:spcPct val="0"/>
-              </a:spcBef>
-              <a:spcAft>
-                <a:spcPct val="0"/>
-              </a:spcAft>
-              <a:buClrTx/>
-              <a:buSzTx/>
-              <a:buFontTx/>
-              <a:buNone/>
-              <a:tabLst/>
-            </a:pPr>
-            <a:r>
-              <a:rPr kumimoji="0" lang="ko-KR" altLang="ko-KR" sz="1800" b="0" i="0" u="none" strike="noStrike" cap="none" normalizeH="0" baseline="0">
-                <a:ln>
-                  <a:noFill/>
-                </a:ln>
-                <a:solidFill>
-                  <a:srgbClr val="000000"/>
-                </a:solidFill>
-                <a:effectLst/>
-                <a:latin typeface="현대하모니 M" panose="02020603020101020101" pitchFamily="18" charset="-127"/>
-                <a:ea typeface="현대하모니 M" panose="02020603020101020101" pitchFamily="18" charset="-127"/>
-              </a:rPr>
-              <a:t> </a:t>
-            </a:r>
-            <a:endParaRPr kumimoji="0" lang="ko-KR" altLang="ko-KR" sz="1800" b="0" i="0" u="none" strike="noStrike" cap="none" normalizeH="0" baseline="0">
-              <a:ln>
-                <a:noFill/>
-              </a:ln>
-              <a:solidFill>
-                <a:schemeClr val="tx1"/>
-              </a:solidFill>
-              <a:effectLst/>
-              <a:latin typeface="현대하모니 M" panose="02020603020101020101" pitchFamily="18" charset="-127"/>
-              <a:ea typeface="현대하모니 M" panose="02020603020101020101" pitchFamily="18" charset="-127"/>
-            </a:endParaRPr>
-          </a:p>
-          <a:p>
-            <a:pPr marL="0" marR="0" lvl="0" indent="0" algn="l" defTabSz="914400" rtl="0" eaLnBrk="0" fontAlgn="base" latinLnBrk="0" hangingPunct="0">
-              <a:lnSpc>
-                <a:spcPct val="100000"/>
-              </a:lnSpc>
-              <a:spcBef>
-                <a:spcPct val="0"/>
-              </a:spcBef>
-              <a:spcAft>
-                <a:spcPct val="0"/>
-              </a:spcAft>
-              <a:buClrTx/>
-              <a:buSzTx/>
-              <a:buFontTx/>
-              <a:buNone/>
-              <a:tabLst/>
-            </a:pPr>
-            <a:endParaRPr kumimoji="0" lang="ko-KR" altLang="ko-KR" sz="1800" b="0" i="0" u="none" strike="noStrike" cap="none" normalizeH="0" baseline="0">
-              <a:ln>
-                <a:noFill/>
-              </a:ln>
-              <a:solidFill>
-                <a:schemeClr val="tx1"/>
-              </a:solidFill>
-              <a:effectLst/>
-              <a:latin typeface="현대하모니 M" panose="02020603020101020101" pitchFamily="18" charset="-127"/>
-              <a:ea typeface="현대하모니 M" panose="02020603020101020101" pitchFamily="18" charset="-127"/>
-            </a:endParaRPr>
-          </a:p>
-        </p:txBody>
-      </p:sp>
-    </p:spTree>
-    <p:extLst>
-      <p:ext uri="{BB962C8B-B14F-4D97-AF65-F5344CB8AC3E}">
-        <p14:creationId xmlns:p14="http://schemas.microsoft.com/office/powerpoint/2010/main" val="641935502"/>
       </p:ext>
     </p:extLst>
   </p:cSld>
